--- a/GitHub-Intro.pptx
+++ b/GitHub-Intro.pptx
@@ -7,16 +7,20 @@
   <p:sldIdLst>
     <p:sldId id="258" r:id="rId2"/>
     <p:sldId id="257" r:id="rId3"/>
-    <p:sldId id="260" r:id="rId4"/>
-    <p:sldId id="261" r:id="rId5"/>
-    <p:sldId id="262" r:id="rId6"/>
-    <p:sldId id="263" r:id="rId7"/>
-    <p:sldId id="264" r:id="rId8"/>
-    <p:sldId id="265" r:id="rId9"/>
-    <p:sldId id="266" r:id="rId10"/>
-    <p:sldId id="267" r:id="rId11"/>
-    <p:sldId id="270" r:id="rId12"/>
-    <p:sldId id="271" r:id="rId13"/>
+    <p:sldId id="263" r:id="rId4"/>
+    <p:sldId id="264" r:id="rId5"/>
+    <p:sldId id="272" r:id="rId6"/>
+    <p:sldId id="265" r:id="rId7"/>
+    <p:sldId id="266" r:id="rId8"/>
+    <p:sldId id="267" r:id="rId9"/>
+    <p:sldId id="260" r:id="rId10"/>
+    <p:sldId id="273" r:id="rId11"/>
+    <p:sldId id="261" r:id="rId12"/>
+    <p:sldId id="262" r:id="rId13"/>
+    <p:sldId id="276" r:id="rId14"/>
+    <p:sldId id="275" r:id="rId15"/>
+    <p:sldId id="270" r:id="rId16"/>
+    <p:sldId id="271" r:id="rId17"/>
   </p:sldIdLst>
   <p:sldSz cx="12192000" cy="6858000"/>
   <p:notesSz cx="6858000" cy="9144000"/>
@@ -262,7 +266,7 @@
           <a:p>
             <a:fld id="{846CE7D5-CF57-46EF-B807-FDD0502418D4}" type="datetimeFigureOut">
               <a:rPr lang="en-US" smtClean="0"/>
-              <a:t>9/3/2019</a:t>
+              <a:t>9/9/2019</a:t>
             </a:fld>
             <a:endParaRPr lang="en-US"/>
           </a:p>
@@ -432,7 +436,7 @@
           <a:p>
             <a:fld id="{846CE7D5-CF57-46EF-B807-FDD0502418D4}" type="datetimeFigureOut">
               <a:rPr lang="en-US" smtClean="0"/>
-              <a:t>9/3/2019</a:t>
+              <a:t>9/9/2019</a:t>
             </a:fld>
             <a:endParaRPr lang="en-US"/>
           </a:p>
@@ -612,7 +616,7 @@
           <a:p>
             <a:fld id="{846CE7D5-CF57-46EF-B807-FDD0502418D4}" type="datetimeFigureOut">
               <a:rPr lang="en-US" smtClean="0"/>
-              <a:t>9/3/2019</a:t>
+              <a:t>9/9/2019</a:t>
             </a:fld>
             <a:endParaRPr lang="en-US"/>
           </a:p>
@@ -782,7 +786,7 @@
           <a:p>
             <a:fld id="{846CE7D5-CF57-46EF-B807-FDD0502418D4}" type="datetimeFigureOut">
               <a:rPr lang="en-US" smtClean="0"/>
-              <a:t>9/3/2019</a:t>
+              <a:t>9/9/2019</a:t>
             </a:fld>
             <a:endParaRPr lang="en-US"/>
           </a:p>
@@ -1028,7 +1032,7 @@
           <a:p>
             <a:fld id="{846CE7D5-CF57-46EF-B807-FDD0502418D4}" type="datetimeFigureOut">
               <a:rPr lang="en-US" smtClean="0"/>
-              <a:t>9/3/2019</a:t>
+              <a:t>9/9/2019</a:t>
             </a:fld>
             <a:endParaRPr lang="en-US"/>
           </a:p>
@@ -1260,7 +1264,7 @@
           <a:p>
             <a:fld id="{846CE7D5-CF57-46EF-B807-FDD0502418D4}" type="datetimeFigureOut">
               <a:rPr lang="en-US" smtClean="0"/>
-              <a:t>9/3/2019</a:t>
+              <a:t>9/9/2019</a:t>
             </a:fld>
             <a:endParaRPr lang="en-US"/>
           </a:p>
@@ -1627,7 +1631,7 @@
           <a:p>
             <a:fld id="{846CE7D5-CF57-46EF-B807-FDD0502418D4}" type="datetimeFigureOut">
               <a:rPr lang="en-US" smtClean="0"/>
-              <a:t>9/3/2019</a:t>
+              <a:t>9/9/2019</a:t>
             </a:fld>
             <a:endParaRPr lang="en-US"/>
           </a:p>
@@ -1745,7 +1749,7 @@
           <a:p>
             <a:fld id="{846CE7D5-CF57-46EF-B807-FDD0502418D4}" type="datetimeFigureOut">
               <a:rPr lang="en-US" smtClean="0"/>
-              <a:t>9/3/2019</a:t>
+              <a:t>9/9/2019</a:t>
             </a:fld>
             <a:endParaRPr lang="en-US"/>
           </a:p>
@@ -1840,7 +1844,7 @@
           <a:p>
             <a:fld id="{846CE7D5-CF57-46EF-B807-FDD0502418D4}" type="datetimeFigureOut">
               <a:rPr lang="en-US" smtClean="0"/>
-              <a:t>9/3/2019</a:t>
+              <a:t>9/9/2019</a:t>
             </a:fld>
             <a:endParaRPr lang="en-US"/>
           </a:p>
@@ -2117,7 +2121,7 @@
           <a:p>
             <a:fld id="{846CE7D5-CF57-46EF-B807-FDD0502418D4}" type="datetimeFigureOut">
               <a:rPr lang="en-US" smtClean="0"/>
-              <a:t>9/3/2019</a:t>
+              <a:t>9/9/2019</a:t>
             </a:fld>
             <a:endParaRPr lang="en-US"/>
           </a:p>
@@ -2374,7 +2378,7 @@
           <a:p>
             <a:fld id="{846CE7D5-CF57-46EF-B807-FDD0502418D4}" type="datetimeFigureOut">
               <a:rPr lang="en-US" smtClean="0"/>
-              <a:t>9/3/2019</a:t>
+              <a:t>9/9/2019</a:t>
             </a:fld>
             <a:endParaRPr lang="en-US"/>
           </a:p>
@@ -2587,7 +2591,7 @@
           <a:p>
             <a:fld id="{846CE7D5-CF57-46EF-B807-FDD0502418D4}" type="datetimeFigureOut">
               <a:rPr lang="en-US" smtClean="0"/>
-              <a:t>9/3/2019</a:t>
+              <a:t>9/9/2019</a:t>
             </a:fld>
             <a:endParaRPr lang="en-US"/>
           </a:p>
@@ -3057,33 +3061,56 @@
           <a:lstStyle/>
           <a:p>
             <a:r>
+              <a:rPr lang="en-US" dirty="0" smtClean="0">
+                <a:cs typeface="Calibri"/>
+              </a:rPr>
+              <a:t>10 </a:t>
+            </a:r>
+            <a:r>
               <a:rPr lang="en-US" dirty="0">
                 <a:cs typeface="Calibri"/>
               </a:rPr>
-              <a:t>Scott </a:t>
-            </a:r>
-            <a:r>
-              <a:rPr lang="en-US" dirty="0" err="1">
-                <a:cs typeface="Calibri"/>
-              </a:rPr>
-              <a:t>Campit</a:t>
-            </a:r>
-          </a:p>
-          <a:p>
-            <a:r>
-              <a:rPr lang="en-US" dirty="0">
-                <a:cs typeface="Calibri"/>
-              </a:rPr>
-              <a:t>Chandrasekaran Lab</a:t>
-            </a:r>
-          </a:p>
-          <a:p>
-            <a:r>
-              <a:rPr lang="en-US" dirty="0">
-                <a:cs typeface="Calibri"/>
-              </a:rPr>
-              <a:t>10 September 2019</a:t>
-            </a:r>
+              <a:t>September 2019</a:t>
+            </a:r>
+          </a:p>
+        </p:txBody>
+      </p:sp>
+      <p:sp>
+        <p:nvSpPr>
+          <p:cNvPr id="5" name="AutoShape 4" descr="Image result for git"/>
+          <p:cNvSpPr>
+            <a:spLocks noChangeAspect="1" noChangeArrowheads="1"/>
+          </p:cNvSpPr>
+          <p:nvPr/>
+        </p:nvSpPr>
+        <p:spPr bwMode="auto">
+          <a:xfrm>
+            <a:off x="155575" y="-800100"/>
+            <a:ext cx="2724150" cy="1676400"/>
+          </a:xfrm>
+          <a:prstGeom prst="rect">
+            <a:avLst/>
+          </a:prstGeom>
+          <a:noFill/>
+          <a:extLst>
+            <a:ext uri="{909E8E84-426E-40DD-AFC4-6F175D3DCCD1}">
+              <a14:hiddenFill xmlns:a14="http://schemas.microsoft.com/office/drawing/2010/main">
+                <a:solidFill>
+                  <a:srgbClr val="FFFFFF"/>
+                </a:solidFill>
+              </a14:hiddenFill>
+            </a:ext>
+          </a:extLst>
+        </p:spPr>
+        <p:txBody>
+          <a:bodyPr vert="horz" wrap="square" lIns="91440" tIns="45720" rIns="91440" bIns="45720" numCol="1" anchor="t" anchorCtr="0" compatLnSpc="1">
+            <a:prstTxWarp prst="textNoShape">
+              <a:avLst/>
+            </a:prstTxWarp>
+          </a:bodyPr>
+          <a:lstStyle/>
+          <a:p>
+            <a:endParaRPr lang="en-US"/>
           </a:p>
         </p:txBody>
       </p:sp>
@@ -3122,7 +3149,7 @@
           <p:cNvPr id="2" name="Title 1">
             <a:extLst>
               <a:ext uri="{FF2B5EF4-FFF2-40B4-BE49-F238E27FC236}">
-                <a16:creationId xmlns:a16="http://schemas.microsoft.com/office/drawing/2014/main" id="{A2E1FA3E-BA37-49BA-BC7A-01BA157380F9}"/>
+                <a16:creationId xmlns:a16="http://schemas.microsoft.com/office/drawing/2014/main" id="{AF8569FE-036F-464D-9CC5-8E892ECB87E5}"/>
               </a:ext>
             </a:extLst>
           </p:cNvPr>
@@ -3133,183 +3160,169 @@
             <p:ph type="title"/>
           </p:nvPr>
         </p:nvSpPr>
-        <p:spPr/>
-        <p:txBody>
-          <a:bodyPr/>
-          <a:lstStyle/>
-          <a:p>
-            <a:r>
-              <a:rPr lang="en-US" dirty="0">
+        <p:spPr>
+          <a:xfrm>
+            <a:off x="740989" y="365125"/>
+            <a:ext cx="10752316" cy="1325563"/>
+          </a:xfrm>
+        </p:spPr>
+        <p:txBody>
+          <a:bodyPr>
+            <a:normAutofit/>
+          </a:bodyPr>
+          <a:lstStyle/>
+          <a:p>
+            <a:r>
+              <a:rPr lang="en-US" sz="3600" dirty="0" smtClean="0">
                 <a:cs typeface="Calibri Light"/>
               </a:rPr>
-              <a:t>What is GitHub?</a:t>
-            </a:r>
-            <a:endParaRPr lang="en-US" dirty="0"/>
-          </a:p>
-        </p:txBody>
-      </p:sp>
-      <p:sp>
-        <p:nvSpPr>
-          <p:cNvPr id="3" name="Content Placeholder 2">
+              <a:t>Applying </a:t>
+            </a:r>
+            <a:r>
+              <a:rPr lang="en-US" sz="3600" dirty="0" err="1" smtClean="0">
+                <a:cs typeface="Calibri Light"/>
+              </a:rPr>
+              <a:t>Git</a:t>
+            </a:r>
+            <a:r>
+              <a:rPr lang="en-US" sz="3600" dirty="0" smtClean="0">
+                <a:cs typeface="Calibri Light"/>
+              </a:rPr>
+              <a:t>| Permanently store your code in a safe place</a:t>
+            </a:r>
+            <a:endParaRPr lang="en-US" sz="3600" dirty="0">
+              <a:cs typeface="Calibri Light"/>
+            </a:endParaRPr>
+          </a:p>
+        </p:txBody>
+      </p:sp>
+      <p:sp>
+        <p:nvSpPr>
+          <p:cNvPr id="23" name="TextBox 22">
             <a:extLst>
               <a:ext uri="{FF2B5EF4-FFF2-40B4-BE49-F238E27FC236}">
-                <a16:creationId xmlns:a16="http://schemas.microsoft.com/office/drawing/2014/main" id="{B955443B-6913-41D9-968B-F81B05FAA252}"/>
+                <a16:creationId xmlns:a16="http://schemas.microsoft.com/office/drawing/2014/main" id="{EDBE40A6-5C05-497D-AC32-F6A3B8B7F492}"/>
               </a:ext>
             </a:extLst>
           </p:cNvPr>
-          <p:cNvSpPr>
-            <a:spLocks noGrp="1"/>
-          </p:cNvSpPr>
-          <p:nvPr>
-            <p:ph idx="1"/>
-          </p:nvPr>
-        </p:nvSpPr>
-        <p:spPr>
-          <a:xfrm>
-            <a:off x="838200" y="1825625"/>
-            <a:ext cx="5255342" cy="4351338"/>
-          </a:xfrm>
-        </p:spPr>
-        <p:txBody>
-          <a:bodyPr vert="horz" lIns="91440" tIns="45720" rIns="91440" bIns="45720" rtlCol="0" anchor="t">
-            <a:normAutofit lnSpcReduction="10000"/>
+          <p:cNvSpPr txBox="1"/>
+          <p:nvPr/>
+        </p:nvSpPr>
+        <p:spPr>
+          <a:xfrm>
+            <a:off x="7550156" y="2089556"/>
+            <a:ext cx="4243633" cy="3785652"/>
+          </a:xfrm>
+          <a:prstGeom prst="rect">
+            <a:avLst/>
+          </a:prstGeom>
+          <a:noFill/>
+        </p:spPr>
+        <p:txBody>
+          <a:bodyPr rot="0" spcFirstLastPara="0" vertOverflow="overflow" horzOverflow="overflow" vert="horz" wrap="square" lIns="91440" tIns="45720" rIns="91440" bIns="45720" numCol="1" spcCol="0" rtlCol="0" fromWordArt="0" anchor="t" anchorCtr="0" forceAA="0" compatLnSpc="1">
+            <a:prstTxWarp prst="textNoShape">
+              <a:avLst/>
+            </a:prstTxWarp>
+            <a:spAutoFit/>
           </a:bodyPr>
           <a:lstStyle/>
           <a:p>
-            <a:pPr marL="0" indent="0">
-              <a:buNone/>
-            </a:pPr>
-            <a:r>
-              <a:rPr lang="en-US" dirty="0">
-                <a:cs typeface="Calibri" panose="020F0502020204030204"/>
-              </a:rPr>
-              <a:t>GitHub is the Facebook for software developers. </a:t>
-            </a:r>
-            <a:endParaRPr lang="en-US">
-              <a:cs typeface="Calibri" panose="020F0502020204030204"/>
-            </a:endParaRPr>
-          </a:p>
-          <a:p>
-            <a:pPr marL="0" indent="0">
-              <a:buNone/>
-            </a:pPr>
-            <a:r>
-              <a:rPr lang="en-US" dirty="0">
-                <a:cs typeface="Calibri" panose="020F0502020204030204"/>
-              </a:rPr>
-              <a:t>Some features include:</a:t>
-            </a:r>
-          </a:p>
-          <a:p>
-            <a:pPr marL="0" indent="0">
-              <a:buNone/>
-            </a:pPr>
-            <a:r>
-              <a:rPr lang="en-US" dirty="0">
-                <a:ea typeface="+mn-lt"/>
-                <a:cs typeface="+mn-lt"/>
-              </a:rPr>
-              <a:t>1. Publishing your project as a repo</a:t>
-            </a:r>
-          </a:p>
-          <a:p>
-            <a:pPr marL="914400" lvl="1" indent="-457200">
-              <a:buFont typeface="Arial"/>
+            <a:r>
+              <a:rPr lang="en-US" sz="2400" b="1" dirty="0" smtClean="0">
+                <a:cs typeface="Calibri"/>
+              </a:rPr>
+              <a:t>Benefits of keeping your code in a VSC:</a:t>
+            </a:r>
+          </a:p>
+          <a:p>
+            <a:pPr marL="342900" indent="-342900">
+              <a:buFont typeface="Arial" panose="020B0604020202020204" pitchFamily="34" charset="0"/>
               <a:buChar char="•"/>
             </a:pPr>
             <a:r>
-              <a:rPr lang="en-US" dirty="0">
-                <a:ea typeface="+mn-lt"/>
-                <a:cs typeface="+mn-lt"/>
-              </a:rPr>
-              <a:t>Lab project site:</a:t>
-            </a:r>
-          </a:p>
-          <a:p>
-            <a:pPr marL="1371600" lvl="2" indent="-457200">
-              <a:buFont typeface="Arial"/>
+              <a:rPr lang="en-US" sz="2400" dirty="0" smtClean="0">
+                <a:cs typeface="Calibri"/>
+              </a:rPr>
+              <a:t>Keep a shared history of all of the changes to your code and easily move back/forward to different versions</a:t>
+            </a:r>
+          </a:p>
+          <a:p>
+            <a:pPr marL="342900" indent="-342900">
+              <a:buFont typeface="Arial" panose="020B0604020202020204" pitchFamily="34" charset="0"/>
               <a:buChar char="•"/>
             </a:pPr>
             <a:r>
-              <a:rPr lang="en-US" dirty="0">
-                <a:ea typeface="+mn-lt"/>
-                <a:cs typeface="+mn-lt"/>
-              </a:rPr>
-              <a:t> </a:t>
-            </a:r>
-            <a:r>
-              <a:rPr lang="en-US" dirty="0">
-                <a:cs typeface="Calibri" panose="020F0502020204030204"/>
-                <a:hlinkClick r:id="rId2"/>
-              </a:rPr>
-              <a:t>https://github.com/sriram-lab</a:t>
-            </a:r>
-            <a:endParaRPr lang="en-US"/>
-          </a:p>
-          <a:p>
-            <a:pPr marL="0" indent="0">
-              <a:buNone/>
+              <a:rPr lang="en-US" sz="2400" dirty="0" smtClean="0">
+                <a:cs typeface="Calibri"/>
+              </a:rPr>
+              <a:t>Container-</a:t>
+            </a:r>
+            <a:r>
+              <a:rPr lang="en-US" sz="2400" dirty="0" err="1" smtClean="0">
+                <a:cs typeface="Calibri"/>
+              </a:rPr>
+              <a:t>izing</a:t>
+            </a:r>
+            <a:r>
+              <a:rPr lang="en-US" sz="2400" dirty="0" smtClean="0">
+                <a:cs typeface="Calibri"/>
+              </a:rPr>
+              <a:t> code</a:t>
+            </a:r>
+          </a:p>
+          <a:p>
+            <a:pPr marL="342900" indent="-342900">
+              <a:buFont typeface="Arial" panose="020B0604020202020204" pitchFamily="34" charset="0"/>
+              <a:buChar char="•"/>
             </a:pPr>
             <a:r>
-              <a:rPr lang="en-US" dirty="0">
-                <a:cs typeface="Calibri" panose="020F0502020204030204"/>
-              </a:rPr>
-              <a:t>2. Copy or fork other people's project's and customize it</a:t>
-            </a:r>
-          </a:p>
-          <a:p>
-            <a:pPr marL="0" indent="0">
-              <a:buNone/>
+              <a:rPr lang="en-US" sz="2400" dirty="0">
+                <a:cs typeface="Calibri"/>
+              </a:rPr>
+              <a:t>Options for large files (&gt; 1GB)</a:t>
+            </a:r>
+          </a:p>
+          <a:p>
+            <a:pPr marL="342900" indent="-342900">
+              <a:buFont typeface="Arial" panose="020B0604020202020204" pitchFamily="34" charset="0"/>
+              <a:buChar char="•"/>
             </a:pPr>
             <a:r>
-              <a:rPr lang="en-US" dirty="0">
-                <a:cs typeface="Calibri" panose="020F0502020204030204"/>
-              </a:rPr>
-              <a:t>3. Share your code with the original project by issuing pull requests</a:t>
-            </a:r>
-          </a:p>
-          <a:p>
-            <a:pPr marL="0" indent="0">
-              <a:buNone/>
-            </a:pPr>
-            <a:endParaRPr lang="en-US" dirty="0">
-              <a:cs typeface="Calibri" panose="020F0502020204030204"/>
-            </a:endParaRPr>
-          </a:p>
-          <a:p>
-            <a:pPr marL="0" indent="0">
-              <a:buNone/>
-            </a:pPr>
-            <a:endParaRPr lang="en-US" dirty="0">
-              <a:cs typeface="Calibri" panose="020F0502020204030204"/>
+              <a:rPr lang="en-US" sz="2400" dirty="0">
+                <a:cs typeface="Calibri"/>
+              </a:rPr>
+              <a:t>Fail-safe in the case of hardware </a:t>
+            </a:r>
+            <a:r>
+              <a:rPr lang="en-US" sz="2400" dirty="0" smtClean="0">
+                <a:cs typeface="Calibri"/>
+              </a:rPr>
+              <a:t>malfunctions</a:t>
+            </a:r>
+            <a:endParaRPr lang="en-US" sz="2400" dirty="0">
+              <a:cs typeface="Calibri"/>
             </a:endParaRPr>
           </a:p>
         </p:txBody>
       </p:sp>
       <p:pic>
         <p:nvPicPr>
-          <p:cNvPr id="5" name="Picture 5" descr="A screenshot of a cell phone&#10;&#10;Description generated with very high confidence">
-            <a:extLst>
-              <a:ext uri="{FF2B5EF4-FFF2-40B4-BE49-F238E27FC236}">
-                <a16:creationId xmlns:a16="http://schemas.microsoft.com/office/drawing/2014/main" id="{6614830E-B573-4618-809A-6CFEC3FC526C}"/>
-              </a:ext>
-            </a:extLst>
-          </p:cNvPr>
+          <p:cNvPr id="5" name="Picture 4"/>
           <p:cNvPicPr>
             <a:picLocks noChangeAspect="1"/>
           </p:cNvPicPr>
           <p:nvPr/>
         </p:nvPicPr>
         <p:blipFill>
-          <a:blip r:embed="rId3"/>
+          <a:blip r:embed="rId2"/>
           <a:stretch>
             <a:fillRect/>
           </a:stretch>
         </p:blipFill>
         <p:spPr>
           <a:xfrm>
-            <a:off x="6147444" y="2356464"/>
-            <a:ext cx="5856748" cy="2345813"/>
+            <a:off x="1330816" y="1572904"/>
+            <a:ext cx="5168458" cy="4828698"/>
           </a:xfrm>
           <a:prstGeom prst="rect">
             <a:avLst/>
@@ -3319,7 +3332,7 @@
     </p:spTree>
     <p:extLst>
       <p:ext uri="{BB962C8B-B14F-4D97-AF65-F5344CB8AC3E}">
-        <p14:creationId xmlns:p14="http://schemas.microsoft.com/office/powerpoint/2010/main" val="472255656"/>
+        <p14:creationId xmlns:p14="http://schemas.microsoft.com/office/powerpoint/2010/main" val="1675255510"/>
       </p:ext>
     </p:extLst>
   </p:cSld>
@@ -3351,6 +3364,1058 @@
           <p:cNvPr id="2" name="Title 1">
             <a:extLst>
               <a:ext uri="{FF2B5EF4-FFF2-40B4-BE49-F238E27FC236}">
+                <a16:creationId xmlns:a16="http://schemas.microsoft.com/office/drawing/2014/main" id="{AF8569FE-036F-464D-9CC5-8E892ECB87E5}"/>
+              </a:ext>
+            </a:extLst>
+          </p:cNvPr>
+          <p:cNvSpPr>
+            <a:spLocks noGrp="1"/>
+          </p:cNvSpPr>
+          <p:nvPr>
+            <p:ph type="title"/>
+          </p:nvPr>
+        </p:nvSpPr>
+        <p:spPr>
+          <a:xfrm>
+            <a:off x="740989" y="365125"/>
+            <a:ext cx="10752316" cy="1325563"/>
+          </a:xfrm>
+        </p:spPr>
+        <p:txBody>
+          <a:bodyPr>
+            <a:normAutofit/>
+          </a:bodyPr>
+          <a:lstStyle/>
+          <a:p>
+            <a:r>
+              <a:rPr lang="en-US" sz="3600" dirty="0" smtClean="0">
+                <a:cs typeface="Calibri Light"/>
+              </a:rPr>
+              <a:t>Applying </a:t>
+            </a:r>
+            <a:r>
+              <a:rPr lang="en-US" sz="3600" dirty="0" err="1" smtClean="0">
+                <a:cs typeface="Calibri Light"/>
+              </a:rPr>
+              <a:t>Git</a:t>
+            </a:r>
+            <a:r>
+              <a:rPr lang="en-US" sz="3600" dirty="0" smtClean="0">
+                <a:cs typeface="Calibri Light"/>
+              </a:rPr>
+              <a:t>| Permanently store your code in a safe place</a:t>
+            </a:r>
+            <a:endParaRPr lang="en-US" sz="3600" dirty="0">
+              <a:cs typeface="Calibri Light"/>
+            </a:endParaRPr>
+          </a:p>
+        </p:txBody>
+      </p:sp>
+      <p:pic>
+        <p:nvPicPr>
+          <p:cNvPr id="4" name="Picture 4" descr="A screenshot of a cell phone&#10;&#10;Description generated with very high confidence">
+            <a:extLst>
+              <a:ext uri="{FF2B5EF4-FFF2-40B4-BE49-F238E27FC236}">
+                <a16:creationId xmlns:a16="http://schemas.microsoft.com/office/drawing/2014/main" id="{AB2009FE-DFFA-4F1A-BC54-7EADC34B6DCF}"/>
+              </a:ext>
+            </a:extLst>
+          </p:cNvPr>
+          <p:cNvPicPr>
+            <a:picLocks noChangeAspect="1"/>
+          </p:cNvPicPr>
+          <p:nvPr/>
+        </p:nvPicPr>
+        <p:blipFill rotWithShape="1">
+          <a:blip r:embed="rId2"/>
+          <a:srcRect t="10182" r="-397"/>
+          <a:stretch/>
+        </p:blipFill>
+        <p:spPr>
+          <a:xfrm>
+            <a:off x="135201" y="2149519"/>
+            <a:ext cx="3522399" cy="3435355"/>
+          </a:xfrm>
+          <a:prstGeom prst="rect">
+            <a:avLst/>
+          </a:prstGeom>
+        </p:spPr>
+      </p:pic>
+      <p:sp>
+        <p:nvSpPr>
+          <p:cNvPr id="10" name="TextBox 9">
+            <a:extLst>
+              <a:ext uri="{FF2B5EF4-FFF2-40B4-BE49-F238E27FC236}">
+                <a16:creationId xmlns:a16="http://schemas.microsoft.com/office/drawing/2014/main" id="{EA29421F-A572-4158-94C8-B8DCDA1BBC56}"/>
+              </a:ext>
+            </a:extLst>
+          </p:cNvPr>
+          <p:cNvSpPr txBox="1"/>
+          <p:nvPr/>
+        </p:nvSpPr>
+        <p:spPr>
+          <a:xfrm>
+            <a:off x="1264624" y="1673330"/>
+            <a:ext cx="1551286" cy="461665"/>
+          </a:xfrm>
+          <a:prstGeom prst="rect">
+            <a:avLst/>
+          </a:prstGeom>
+          <a:noFill/>
+        </p:spPr>
+        <p:txBody>
+          <a:bodyPr rot="0" spcFirstLastPara="0" vertOverflow="overflow" horzOverflow="overflow" vert="horz" wrap="square" lIns="91440" tIns="45720" rIns="91440" bIns="45720" numCol="1" spcCol="0" rtlCol="0" fromWordArt="0" anchor="t" anchorCtr="0" forceAA="0" compatLnSpc="1">
+            <a:prstTxWarp prst="textNoShape">
+              <a:avLst/>
+            </a:prstTxWarp>
+            <a:spAutoFit/>
+          </a:bodyPr>
+          <a:lstStyle/>
+          <a:p>
+            <a:r>
+              <a:rPr lang="en-US" sz="2400" b="1" dirty="0">
+                <a:cs typeface="Calibri"/>
+              </a:rPr>
+              <a:t>Branches</a:t>
+            </a:r>
+          </a:p>
+        </p:txBody>
+      </p:sp>
+      <p:sp>
+        <p:nvSpPr>
+          <p:cNvPr id="11" name="TextBox 10">
+            <a:extLst>
+              <a:ext uri="{FF2B5EF4-FFF2-40B4-BE49-F238E27FC236}">
+                <a16:creationId xmlns:a16="http://schemas.microsoft.com/office/drawing/2014/main" id="{5D6D1D1D-91C4-4962-A88D-8F0FE6066A64}"/>
+              </a:ext>
+            </a:extLst>
+          </p:cNvPr>
+          <p:cNvSpPr txBox="1"/>
+          <p:nvPr/>
+        </p:nvSpPr>
+        <p:spPr>
+          <a:xfrm>
+            <a:off x="5072114" y="3597274"/>
+            <a:ext cx="932425" cy="923330"/>
+          </a:xfrm>
+          <a:prstGeom prst="rect">
+            <a:avLst/>
+          </a:prstGeom>
+          <a:noFill/>
+        </p:spPr>
+        <p:txBody>
+          <a:bodyPr rot="0" spcFirstLastPara="0" vertOverflow="overflow" horzOverflow="overflow" vert="horz" wrap="square" lIns="91440" tIns="45720" rIns="91440" bIns="45720" numCol="1" spcCol="0" rtlCol="0" fromWordArt="0" anchor="t" anchorCtr="0" forceAA="0" compatLnSpc="1">
+            <a:prstTxWarp prst="textNoShape">
+              <a:avLst/>
+            </a:prstTxWarp>
+            <a:spAutoFit/>
+          </a:bodyPr>
+          <a:lstStyle/>
+          <a:p>
+            <a:r>
+              <a:rPr lang="en-US" b="1" dirty="0"/>
+              <a:t>File A</a:t>
+            </a:r>
+            <a:endParaRPr lang="en-US" b="1" dirty="0">
+              <a:cs typeface="Calibri"/>
+            </a:endParaRPr>
+          </a:p>
+          <a:p>
+            <a:r>
+              <a:rPr lang="en-US" b="1" dirty="0">
+                <a:cs typeface="Calibri"/>
+              </a:rPr>
+              <a:t>File B</a:t>
+            </a:r>
+          </a:p>
+          <a:p>
+            <a:r>
+              <a:rPr lang="en-US" b="1" dirty="0">
+                <a:cs typeface="Calibri"/>
+              </a:rPr>
+              <a:t>File C</a:t>
+            </a:r>
+          </a:p>
+        </p:txBody>
+      </p:sp>
+      <p:sp>
+        <p:nvSpPr>
+          <p:cNvPr id="14" name="TextBox 13">
+            <a:extLst>
+              <a:ext uri="{FF2B5EF4-FFF2-40B4-BE49-F238E27FC236}">
+                <a16:creationId xmlns:a16="http://schemas.microsoft.com/office/drawing/2014/main" id="{5CAB5344-EFCA-4931-A2E6-BAD501C0F09A}"/>
+              </a:ext>
+            </a:extLst>
+          </p:cNvPr>
+          <p:cNvSpPr txBox="1"/>
+          <p:nvPr/>
+        </p:nvSpPr>
+        <p:spPr>
+          <a:xfrm>
+            <a:off x="5063920" y="4809919"/>
+            <a:ext cx="932425" cy="1200329"/>
+          </a:xfrm>
+          <a:prstGeom prst="rect">
+            <a:avLst/>
+          </a:prstGeom>
+          <a:noFill/>
+        </p:spPr>
+        <p:txBody>
+          <a:bodyPr rot="0" spcFirstLastPara="0" vertOverflow="overflow" horzOverflow="overflow" vert="horz" wrap="square" lIns="91440" tIns="45720" rIns="91440" bIns="45720" numCol="1" spcCol="0" rtlCol="0" fromWordArt="0" anchor="t" anchorCtr="0" forceAA="0" compatLnSpc="1">
+            <a:prstTxWarp prst="textNoShape">
+              <a:avLst/>
+            </a:prstTxWarp>
+            <a:spAutoFit/>
+          </a:bodyPr>
+          <a:lstStyle/>
+          <a:p>
+            <a:r>
+              <a:rPr lang="en-US" dirty="0"/>
+              <a:t>File A</a:t>
+            </a:r>
+          </a:p>
+          <a:p>
+            <a:r>
+              <a:rPr lang="en-US" dirty="0">
+                <a:cs typeface="Calibri"/>
+              </a:rPr>
+              <a:t>File B</a:t>
+            </a:r>
+          </a:p>
+          <a:p>
+            <a:r>
+              <a:rPr lang="en-US" dirty="0">
+                <a:cs typeface="Calibri"/>
+              </a:rPr>
+              <a:t>File C</a:t>
+            </a:r>
+          </a:p>
+          <a:p>
+            <a:r>
+              <a:rPr lang="en-US" b="1" dirty="0">
+                <a:solidFill>
+                  <a:srgbClr val="FF0000"/>
+                </a:solidFill>
+                <a:cs typeface="Calibri"/>
+              </a:rPr>
+              <a:t>File D</a:t>
+            </a:r>
+          </a:p>
+        </p:txBody>
+      </p:sp>
+      <p:sp>
+        <p:nvSpPr>
+          <p:cNvPr id="15" name="TextBox 14">
+            <a:extLst>
+              <a:ext uri="{FF2B5EF4-FFF2-40B4-BE49-F238E27FC236}">
+                <a16:creationId xmlns:a16="http://schemas.microsoft.com/office/drawing/2014/main" id="{F8646F60-1692-4EF0-8A69-712C4BA25702}"/>
+              </a:ext>
+            </a:extLst>
+          </p:cNvPr>
+          <p:cNvSpPr txBox="1"/>
+          <p:nvPr/>
+        </p:nvSpPr>
+        <p:spPr>
+          <a:xfrm>
+            <a:off x="5063920" y="1884822"/>
+            <a:ext cx="932425" cy="923330"/>
+          </a:xfrm>
+          <a:prstGeom prst="rect">
+            <a:avLst/>
+          </a:prstGeom>
+          <a:noFill/>
+        </p:spPr>
+        <p:txBody>
+          <a:bodyPr rot="0" spcFirstLastPara="0" vertOverflow="overflow" horzOverflow="overflow" vert="horz" wrap="square" lIns="91440" tIns="45720" rIns="91440" bIns="45720" numCol="1" spcCol="0" rtlCol="0" fromWordArt="0" anchor="t" anchorCtr="0" forceAA="0" compatLnSpc="1">
+            <a:prstTxWarp prst="textNoShape">
+              <a:avLst/>
+            </a:prstTxWarp>
+            <a:spAutoFit/>
+          </a:bodyPr>
+          <a:lstStyle/>
+          <a:p>
+            <a:r>
+              <a:rPr lang="en-US" dirty="0"/>
+              <a:t>File A</a:t>
+            </a:r>
+          </a:p>
+          <a:p>
+            <a:r>
+              <a:rPr lang="en-US" b="1" dirty="0">
+                <a:solidFill>
+                  <a:schemeClr val="accent2">
+                    <a:lumMod val="75000"/>
+                  </a:schemeClr>
+                </a:solidFill>
+                <a:cs typeface="Calibri"/>
+              </a:rPr>
+              <a:t>File B'</a:t>
+            </a:r>
+          </a:p>
+          <a:p>
+            <a:r>
+              <a:rPr lang="en-US" b="1" dirty="0">
+                <a:solidFill>
+                  <a:schemeClr val="accent2">
+                    <a:lumMod val="75000"/>
+                  </a:schemeClr>
+                </a:solidFill>
+                <a:cs typeface="Calibri"/>
+              </a:rPr>
+              <a:t>File C"</a:t>
+            </a:r>
+          </a:p>
+        </p:txBody>
+      </p:sp>
+      <p:cxnSp>
+        <p:nvCxnSpPr>
+          <p:cNvPr id="16" name="Straight Arrow Connector 15">
+            <a:extLst>
+              <a:ext uri="{FF2B5EF4-FFF2-40B4-BE49-F238E27FC236}">
+                <a16:creationId xmlns:a16="http://schemas.microsoft.com/office/drawing/2014/main" id="{DEDE22EB-5364-4FD2-A914-991B1E2455AB}"/>
+              </a:ext>
+            </a:extLst>
+          </p:cNvPr>
+          <p:cNvCxnSpPr/>
+          <p:nvPr/>
+        </p:nvCxnSpPr>
+        <p:spPr>
+          <a:xfrm>
+            <a:off x="1264624" y="4101484"/>
+            <a:ext cx="3626207" cy="0"/>
+          </a:xfrm>
+          <a:prstGeom prst="straightConnector1">
+            <a:avLst/>
+          </a:prstGeom>
+          <a:ln w="28575">
+            <a:headEnd type="none" w="med" len="med"/>
+            <a:tailEnd type="arrow" w="med" len="med"/>
+          </a:ln>
+        </p:spPr>
+        <p:style>
+          <a:lnRef idx="1">
+            <a:schemeClr val="accent1"/>
+          </a:lnRef>
+          <a:fillRef idx="0">
+            <a:schemeClr val="accent1"/>
+          </a:fillRef>
+          <a:effectRef idx="0">
+            <a:schemeClr val="accent1"/>
+          </a:effectRef>
+          <a:fontRef idx="minor">
+            <a:schemeClr val="tx1"/>
+          </a:fontRef>
+        </p:style>
+      </p:cxnSp>
+      <p:cxnSp>
+        <p:nvCxnSpPr>
+          <p:cNvPr id="17" name="Straight Arrow Connector 16">
+            <a:extLst>
+              <a:ext uri="{FF2B5EF4-FFF2-40B4-BE49-F238E27FC236}">
+                <a16:creationId xmlns:a16="http://schemas.microsoft.com/office/drawing/2014/main" id="{2EC5C4B8-A2EB-43FB-8C02-C08E70CAFCD9}"/>
+              </a:ext>
+            </a:extLst>
+          </p:cNvPr>
+          <p:cNvCxnSpPr>
+            <a:cxnSpLocks/>
+          </p:cNvCxnSpPr>
+          <p:nvPr/>
+        </p:nvCxnSpPr>
+        <p:spPr>
+          <a:xfrm flipV="1">
+            <a:off x="2391508" y="2364451"/>
+            <a:ext cx="2656333" cy="23562"/>
+          </a:xfrm>
+          <a:prstGeom prst="straightConnector1">
+            <a:avLst/>
+          </a:prstGeom>
+          <a:ln w="28575">
+            <a:headEnd type="none" w="med" len="med"/>
+            <a:tailEnd type="arrow" w="med" len="med"/>
+          </a:ln>
+        </p:spPr>
+        <p:style>
+          <a:lnRef idx="1">
+            <a:schemeClr val="accent1"/>
+          </a:lnRef>
+          <a:fillRef idx="0">
+            <a:schemeClr val="accent1"/>
+          </a:fillRef>
+          <a:effectRef idx="0">
+            <a:schemeClr val="accent1"/>
+          </a:effectRef>
+          <a:fontRef idx="minor">
+            <a:schemeClr val="tx1"/>
+          </a:fontRef>
+        </p:style>
+      </p:cxnSp>
+      <p:sp>
+        <p:nvSpPr>
+          <p:cNvPr id="19" name="TextBox 18">
+            <a:extLst>
+              <a:ext uri="{FF2B5EF4-FFF2-40B4-BE49-F238E27FC236}">
+                <a16:creationId xmlns:a16="http://schemas.microsoft.com/office/drawing/2014/main" id="{04B9635D-6D77-420A-84AA-D023131C22C0}"/>
+              </a:ext>
+            </a:extLst>
+          </p:cNvPr>
+          <p:cNvSpPr txBox="1"/>
+          <p:nvPr/>
+        </p:nvSpPr>
+        <p:spPr>
+          <a:xfrm>
+            <a:off x="4890831" y="3227540"/>
+            <a:ext cx="2849715" cy="369332"/>
+          </a:xfrm>
+          <a:prstGeom prst="rect">
+            <a:avLst/>
+          </a:prstGeom>
+          <a:noFill/>
+        </p:spPr>
+        <p:txBody>
+          <a:bodyPr rot="0" spcFirstLastPara="0" vertOverflow="overflow" horzOverflow="overflow" vert="horz" wrap="square" lIns="91440" tIns="45720" rIns="91440" bIns="45720" numCol="1" spcCol="0" rtlCol="0" fromWordArt="0" anchor="t" anchorCtr="0" forceAA="0" compatLnSpc="1">
+            <a:prstTxWarp prst="textNoShape">
+              <a:avLst/>
+            </a:prstTxWarp>
+            <a:spAutoFit/>
+          </a:bodyPr>
+          <a:lstStyle/>
+          <a:p>
+            <a:r>
+              <a:rPr lang="en-US" b="1" dirty="0"/>
+              <a:t>Version 1.0 - in production</a:t>
+            </a:r>
+            <a:endParaRPr lang="en-US" b="1">
+              <a:cs typeface="Calibri"/>
+            </a:endParaRPr>
+          </a:p>
+        </p:txBody>
+      </p:sp>
+      <p:sp>
+        <p:nvSpPr>
+          <p:cNvPr id="20" name="TextBox 19">
+            <a:extLst>
+              <a:ext uri="{FF2B5EF4-FFF2-40B4-BE49-F238E27FC236}">
+                <a16:creationId xmlns:a16="http://schemas.microsoft.com/office/drawing/2014/main" id="{79E1D5FA-D516-4E7B-ABC4-699F1B3F558B}"/>
+              </a:ext>
+            </a:extLst>
+          </p:cNvPr>
+          <p:cNvSpPr txBox="1"/>
+          <p:nvPr/>
+        </p:nvSpPr>
+        <p:spPr>
+          <a:xfrm>
+            <a:off x="4890831" y="1441346"/>
+            <a:ext cx="2849715" cy="369332"/>
+          </a:xfrm>
+          <a:prstGeom prst="rect">
+            <a:avLst/>
+          </a:prstGeom>
+          <a:noFill/>
+        </p:spPr>
+        <p:txBody>
+          <a:bodyPr rot="0" spcFirstLastPara="0" vertOverflow="overflow" horzOverflow="overflow" vert="horz" wrap="square" lIns="91440" tIns="45720" rIns="91440" bIns="45720" numCol="1" spcCol="0" rtlCol="0" fromWordArt="0" anchor="t" anchorCtr="0" forceAA="0" compatLnSpc="1">
+            <a:prstTxWarp prst="textNoShape">
+              <a:avLst/>
+            </a:prstTxWarp>
+            <a:spAutoFit/>
+          </a:bodyPr>
+          <a:lstStyle/>
+          <a:p>
+            <a:r>
+              <a:rPr lang="en-US" b="1" dirty="0"/>
+              <a:t>Version 1.1 - improvements</a:t>
+            </a:r>
+            <a:endParaRPr lang="en-US" b="1">
+              <a:cs typeface="Calibri"/>
+            </a:endParaRPr>
+          </a:p>
+        </p:txBody>
+      </p:sp>
+      <p:sp>
+        <p:nvSpPr>
+          <p:cNvPr id="21" name="TextBox 20">
+            <a:extLst>
+              <a:ext uri="{FF2B5EF4-FFF2-40B4-BE49-F238E27FC236}">
+                <a16:creationId xmlns:a16="http://schemas.microsoft.com/office/drawing/2014/main" id="{CA554ACF-76AA-42F3-A246-84590B523753}"/>
+              </a:ext>
+            </a:extLst>
+          </p:cNvPr>
+          <p:cNvSpPr txBox="1"/>
+          <p:nvPr/>
+        </p:nvSpPr>
+        <p:spPr>
+          <a:xfrm>
+            <a:off x="4890831" y="4546701"/>
+            <a:ext cx="2849715" cy="369332"/>
+          </a:xfrm>
+          <a:prstGeom prst="rect">
+            <a:avLst/>
+          </a:prstGeom>
+          <a:noFill/>
+        </p:spPr>
+        <p:txBody>
+          <a:bodyPr rot="0" spcFirstLastPara="0" vertOverflow="overflow" horzOverflow="overflow" vert="horz" wrap="square" lIns="91440" tIns="45720" rIns="91440" bIns="45720" numCol="1" spcCol="0" rtlCol="0" fromWordArt="0" anchor="t" anchorCtr="0" forceAA="0" compatLnSpc="1">
+            <a:prstTxWarp prst="textNoShape">
+              <a:avLst/>
+            </a:prstTxWarp>
+            <a:spAutoFit/>
+          </a:bodyPr>
+          <a:lstStyle/>
+          <a:p>
+            <a:r>
+              <a:rPr lang="en-US" b="1" dirty="0"/>
+              <a:t>Version 1.X - experimental</a:t>
+            </a:r>
+            <a:endParaRPr lang="en-US" b="1" dirty="0">
+              <a:cs typeface="Calibri"/>
+            </a:endParaRPr>
+          </a:p>
+        </p:txBody>
+      </p:sp>
+      <p:sp>
+        <p:nvSpPr>
+          <p:cNvPr id="23" name="TextBox 22">
+            <a:extLst>
+              <a:ext uri="{FF2B5EF4-FFF2-40B4-BE49-F238E27FC236}">
+                <a16:creationId xmlns:a16="http://schemas.microsoft.com/office/drawing/2014/main" id="{EDBE40A6-5C05-497D-AC32-F6A3B8B7F492}"/>
+              </a:ext>
+            </a:extLst>
+          </p:cNvPr>
+          <p:cNvSpPr txBox="1"/>
+          <p:nvPr/>
+        </p:nvSpPr>
+        <p:spPr>
+          <a:xfrm>
+            <a:off x="7550156" y="2089556"/>
+            <a:ext cx="4243633" cy="3785652"/>
+          </a:xfrm>
+          <a:prstGeom prst="rect">
+            <a:avLst/>
+          </a:prstGeom>
+          <a:noFill/>
+        </p:spPr>
+        <p:txBody>
+          <a:bodyPr rot="0" spcFirstLastPara="0" vertOverflow="overflow" horzOverflow="overflow" vert="horz" wrap="square" lIns="91440" tIns="45720" rIns="91440" bIns="45720" numCol="1" spcCol="0" rtlCol="0" fromWordArt="0" anchor="t" anchorCtr="0" forceAA="0" compatLnSpc="1">
+            <a:prstTxWarp prst="textNoShape">
+              <a:avLst/>
+            </a:prstTxWarp>
+            <a:spAutoFit/>
+          </a:bodyPr>
+          <a:lstStyle/>
+          <a:p>
+            <a:r>
+              <a:rPr lang="en-US" sz="2400" b="1" dirty="0">
+                <a:cs typeface="Calibri"/>
+              </a:rPr>
+              <a:t>Benefits of keeping your code in a VSC:</a:t>
+            </a:r>
+          </a:p>
+          <a:p>
+            <a:pPr marL="342900" indent="-342900">
+              <a:buFont typeface="Arial" panose="020B0604020202020204" pitchFamily="34" charset="0"/>
+              <a:buChar char="•"/>
+            </a:pPr>
+            <a:r>
+              <a:rPr lang="en-US" sz="2400" dirty="0">
+                <a:cs typeface="Calibri"/>
+              </a:rPr>
+              <a:t>Keep a shared history of all of the changes to your code and easily move back/forward to different versions</a:t>
+            </a:r>
+          </a:p>
+          <a:p>
+            <a:pPr marL="342900" indent="-342900">
+              <a:buFont typeface="Arial" panose="020B0604020202020204" pitchFamily="34" charset="0"/>
+              <a:buChar char="•"/>
+            </a:pPr>
+            <a:r>
+              <a:rPr lang="en-US" sz="2400" dirty="0">
+                <a:cs typeface="Calibri"/>
+              </a:rPr>
+              <a:t>Container-</a:t>
+            </a:r>
+            <a:r>
+              <a:rPr lang="en-US" sz="2400" dirty="0" err="1">
+                <a:cs typeface="Calibri"/>
+              </a:rPr>
+              <a:t>izing</a:t>
+            </a:r>
+            <a:r>
+              <a:rPr lang="en-US" sz="2400" dirty="0">
+                <a:cs typeface="Calibri"/>
+              </a:rPr>
+              <a:t> code</a:t>
+            </a:r>
+          </a:p>
+          <a:p>
+            <a:pPr marL="342900" indent="-342900">
+              <a:buFont typeface="Arial" panose="020B0604020202020204" pitchFamily="34" charset="0"/>
+              <a:buChar char="•"/>
+            </a:pPr>
+            <a:r>
+              <a:rPr lang="en-US" sz="2400" dirty="0">
+                <a:cs typeface="Calibri"/>
+              </a:rPr>
+              <a:t>Options for large files (&gt; 1GB)</a:t>
+            </a:r>
+          </a:p>
+          <a:p>
+            <a:pPr marL="342900" indent="-342900">
+              <a:buFont typeface="Arial" panose="020B0604020202020204" pitchFamily="34" charset="0"/>
+              <a:buChar char="•"/>
+            </a:pPr>
+            <a:r>
+              <a:rPr lang="en-US" sz="2400" dirty="0">
+                <a:cs typeface="Calibri"/>
+              </a:rPr>
+              <a:t>Fail-safe in the case of hardware malfunctions</a:t>
+            </a:r>
+            <a:endParaRPr lang="en-US" sz="2400" dirty="0">
+              <a:cs typeface="Calibri"/>
+            </a:endParaRPr>
+          </a:p>
+        </p:txBody>
+      </p:sp>
+      <p:cxnSp>
+        <p:nvCxnSpPr>
+          <p:cNvPr id="22" name="Straight Arrow Connector 21">
+            <a:extLst>
+              <a:ext uri="{FF2B5EF4-FFF2-40B4-BE49-F238E27FC236}">
+                <a16:creationId xmlns:a16="http://schemas.microsoft.com/office/drawing/2014/main" id="{DEDE22EB-5364-4FD2-A914-991B1E2455AB}"/>
+              </a:ext>
+            </a:extLst>
+          </p:cNvPr>
+          <p:cNvCxnSpPr/>
+          <p:nvPr/>
+        </p:nvCxnSpPr>
+        <p:spPr>
+          <a:xfrm>
+            <a:off x="1329520" y="5410083"/>
+            <a:ext cx="3626207" cy="0"/>
+          </a:xfrm>
+          <a:prstGeom prst="straightConnector1">
+            <a:avLst/>
+          </a:prstGeom>
+          <a:ln w="28575">
+            <a:headEnd type="none" w="med" len="med"/>
+            <a:tailEnd type="arrow" w="med" len="med"/>
+          </a:ln>
+        </p:spPr>
+        <p:style>
+          <a:lnRef idx="1">
+            <a:schemeClr val="accent1"/>
+          </a:lnRef>
+          <a:fillRef idx="0">
+            <a:schemeClr val="accent1"/>
+          </a:fillRef>
+          <a:effectRef idx="0">
+            <a:schemeClr val="accent1"/>
+          </a:effectRef>
+          <a:fontRef idx="minor">
+            <a:schemeClr val="tx1"/>
+          </a:fontRef>
+        </p:style>
+      </p:cxnSp>
+    </p:spTree>
+    <p:extLst>
+      <p:ext uri="{BB962C8B-B14F-4D97-AF65-F5344CB8AC3E}">
+        <p14:creationId xmlns:p14="http://schemas.microsoft.com/office/powerpoint/2010/main" val="3771910790"/>
+      </p:ext>
+    </p:extLst>
+  </p:cSld>
+  <p:clrMapOvr>
+    <a:masterClrMapping/>
+  </p:clrMapOvr>
+</p:sld>
+</file>
+
+<file path=ppt/slides/slide12.xml><?xml version="1.0" encoding="utf-8"?>
+<p:sld xmlns:a="http://schemas.openxmlformats.org/drawingml/2006/main" xmlns:r="http://schemas.openxmlformats.org/officeDocument/2006/relationships" xmlns:p="http://schemas.openxmlformats.org/presentationml/2006/main">
+  <p:cSld>
+    <p:spTree>
+      <p:nvGrpSpPr>
+        <p:cNvPr id="1" name=""/>
+        <p:cNvGrpSpPr/>
+        <p:nvPr/>
+      </p:nvGrpSpPr>
+      <p:grpSpPr>
+        <a:xfrm>
+          <a:off x="0" y="0"/>
+          <a:ext cx="0" cy="0"/>
+          <a:chOff x="0" y="0"/>
+          <a:chExt cx="0" cy="0"/>
+        </a:xfrm>
+      </p:grpSpPr>
+      <p:pic>
+        <p:nvPicPr>
+          <p:cNvPr id="8" name="Picture 7"/>
+          <p:cNvPicPr>
+            <a:picLocks noChangeAspect="1"/>
+          </p:cNvPicPr>
+          <p:nvPr/>
+        </p:nvPicPr>
+        <p:blipFill>
+          <a:blip r:embed="rId2"/>
+          <a:stretch>
+            <a:fillRect/>
+          </a:stretch>
+        </p:blipFill>
+        <p:spPr>
+          <a:xfrm>
+            <a:off x="1509712" y="2150305"/>
+            <a:ext cx="9172575" cy="4076700"/>
+          </a:xfrm>
+          <a:prstGeom prst="rect">
+            <a:avLst/>
+          </a:prstGeom>
+        </p:spPr>
+      </p:pic>
+      <p:sp>
+        <p:nvSpPr>
+          <p:cNvPr id="9" name="Title 8"/>
+          <p:cNvSpPr>
+            <a:spLocks noGrp="1"/>
+          </p:cNvSpPr>
+          <p:nvPr>
+            <p:ph type="title"/>
+          </p:nvPr>
+        </p:nvSpPr>
+        <p:spPr/>
+        <p:txBody>
+          <a:bodyPr/>
+          <a:lstStyle/>
+          <a:p>
+            <a:r>
+              <a:rPr lang="en-US" dirty="0">
+                <a:cs typeface="Calibri Light"/>
+              </a:rPr>
+              <a:t>Applying </a:t>
+            </a:r>
+            <a:r>
+              <a:rPr lang="en-US" dirty="0" err="1">
+                <a:cs typeface="Calibri Light"/>
+              </a:rPr>
+              <a:t>Git</a:t>
+            </a:r>
+            <a:r>
+              <a:rPr lang="en-US" dirty="0" smtClean="0">
+                <a:cs typeface="Calibri Light"/>
+              </a:rPr>
+              <a:t>| Sharing code</a:t>
+            </a:r>
+            <a:endParaRPr lang="en-US" dirty="0"/>
+          </a:p>
+        </p:txBody>
+      </p:sp>
+      <p:sp>
+        <p:nvSpPr>
+          <p:cNvPr id="10" name="TextBox 9"/>
+          <p:cNvSpPr txBox="1"/>
+          <p:nvPr/>
+        </p:nvSpPr>
+        <p:spPr>
+          <a:xfrm>
+            <a:off x="1509712" y="1627085"/>
+            <a:ext cx="6709081" cy="523220"/>
+          </a:xfrm>
+          <a:prstGeom prst="rect">
+            <a:avLst/>
+          </a:prstGeom>
+          <a:noFill/>
+        </p:spPr>
+        <p:txBody>
+          <a:bodyPr wrap="none" rtlCol="0">
+            <a:spAutoFit/>
+          </a:bodyPr>
+          <a:lstStyle/>
+          <a:p>
+            <a:r>
+              <a:rPr lang="en-US" sz="2800" dirty="0" smtClean="0"/>
+              <a:t>1. Easy to share and update software via URL</a:t>
+            </a:r>
+            <a:endParaRPr lang="en-US" sz="2800" dirty="0"/>
+          </a:p>
+        </p:txBody>
+      </p:sp>
+    </p:spTree>
+    <p:extLst>
+      <p:ext uri="{BB962C8B-B14F-4D97-AF65-F5344CB8AC3E}">
+        <p14:creationId xmlns:p14="http://schemas.microsoft.com/office/powerpoint/2010/main" val="2095884746"/>
+      </p:ext>
+    </p:extLst>
+  </p:cSld>
+  <p:clrMapOvr>
+    <a:masterClrMapping/>
+  </p:clrMapOvr>
+</p:sld>
+</file>
+
+<file path=ppt/slides/slide13.xml><?xml version="1.0" encoding="utf-8"?>
+<p:sld xmlns:a="http://schemas.openxmlformats.org/drawingml/2006/main" xmlns:r="http://schemas.openxmlformats.org/officeDocument/2006/relationships" xmlns:p="http://schemas.openxmlformats.org/presentationml/2006/main">
+  <p:cSld>
+    <p:spTree>
+      <p:nvGrpSpPr>
+        <p:cNvPr id="1" name=""/>
+        <p:cNvGrpSpPr/>
+        <p:nvPr/>
+      </p:nvGrpSpPr>
+      <p:grpSpPr>
+        <a:xfrm>
+          <a:off x="0" y="0"/>
+          <a:ext cx="0" cy="0"/>
+          <a:chOff x="0" y="0"/>
+          <a:chExt cx="0" cy="0"/>
+        </a:xfrm>
+      </p:grpSpPr>
+      <p:sp>
+        <p:nvSpPr>
+          <p:cNvPr id="9" name="Title 8"/>
+          <p:cNvSpPr>
+            <a:spLocks noGrp="1"/>
+          </p:cNvSpPr>
+          <p:nvPr>
+            <p:ph type="title"/>
+          </p:nvPr>
+        </p:nvSpPr>
+        <p:spPr/>
+        <p:txBody>
+          <a:bodyPr/>
+          <a:lstStyle/>
+          <a:p>
+            <a:r>
+              <a:rPr lang="en-US" dirty="0">
+                <a:cs typeface="Calibri Light"/>
+              </a:rPr>
+              <a:t>Applying </a:t>
+            </a:r>
+            <a:r>
+              <a:rPr lang="en-US" dirty="0" err="1">
+                <a:cs typeface="Calibri Light"/>
+              </a:rPr>
+              <a:t>Git</a:t>
+            </a:r>
+            <a:r>
+              <a:rPr lang="en-US" dirty="0" smtClean="0">
+                <a:cs typeface="Calibri Light"/>
+              </a:rPr>
+              <a:t>| Sharing code</a:t>
+            </a:r>
+            <a:endParaRPr lang="en-US" dirty="0"/>
+          </a:p>
+        </p:txBody>
+      </p:sp>
+      <p:sp>
+        <p:nvSpPr>
+          <p:cNvPr id="5" name="TextBox 4"/>
+          <p:cNvSpPr txBox="1"/>
+          <p:nvPr/>
+        </p:nvSpPr>
+        <p:spPr>
+          <a:xfrm>
+            <a:off x="838200" y="1575426"/>
+            <a:ext cx="6109173" cy="523220"/>
+          </a:xfrm>
+          <a:prstGeom prst="rect">
+            <a:avLst/>
+          </a:prstGeom>
+          <a:noFill/>
+        </p:spPr>
+        <p:txBody>
+          <a:bodyPr wrap="none" rtlCol="0">
+            <a:spAutoFit/>
+          </a:bodyPr>
+          <a:lstStyle/>
+          <a:p>
+            <a:r>
+              <a:rPr lang="en-US" sz="2800" dirty="0"/>
+              <a:t>2</a:t>
+            </a:r>
+            <a:r>
+              <a:rPr lang="en-US" sz="2800" dirty="0" smtClean="0"/>
+              <a:t>. Code transparency and reproducibility</a:t>
+            </a:r>
+            <a:endParaRPr lang="en-US" sz="2800" dirty="0"/>
+          </a:p>
+        </p:txBody>
+      </p:sp>
+      <p:pic>
+        <p:nvPicPr>
+          <p:cNvPr id="4" name="Picture 3"/>
+          <p:cNvPicPr>
+            <a:picLocks noChangeAspect="1"/>
+          </p:cNvPicPr>
+          <p:nvPr/>
+        </p:nvPicPr>
+        <p:blipFill>
+          <a:blip r:embed="rId2"/>
+          <a:stretch>
+            <a:fillRect/>
+          </a:stretch>
+        </p:blipFill>
+        <p:spPr>
+          <a:xfrm>
+            <a:off x="1795462" y="2019300"/>
+            <a:ext cx="8601075" cy="4838700"/>
+          </a:xfrm>
+          <a:prstGeom prst="rect">
+            <a:avLst/>
+          </a:prstGeom>
+        </p:spPr>
+      </p:pic>
+    </p:spTree>
+    <p:extLst>
+      <p:ext uri="{BB962C8B-B14F-4D97-AF65-F5344CB8AC3E}">
+        <p14:creationId xmlns:p14="http://schemas.microsoft.com/office/powerpoint/2010/main" val="1744723459"/>
+      </p:ext>
+    </p:extLst>
+  </p:cSld>
+  <p:clrMapOvr>
+    <a:masterClrMapping/>
+  </p:clrMapOvr>
+</p:sld>
+</file>
+
+<file path=ppt/slides/slide14.xml><?xml version="1.0" encoding="utf-8"?>
+<p:sld xmlns:a="http://schemas.openxmlformats.org/drawingml/2006/main" xmlns:r="http://schemas.openxmlformats.org/officeDocument/2006/relationships" xmlns:p="http://schemas.openxmlformats.org/presentationml/2006/main">
+  <p:cSld>
+    <p:spTree>
+      <p:nvGrpSpPr>
+        <p:cNvPr id="1" name=""/>
+        <p:cNvGrpSpPr/>
+        <p:nvPr/>
+      </p:nvGrpSpPr>
+      <p:grpSpPr>
+        <a:xfrm>
+          <a:off x="0" y="0"/>
+          <a:ext cx="0" cy="0"/>
+          <a:chOff x="0" y="0"/>
+          <a:chExt cx="0" cy="0"/>
+        </a:xfrm>
+      </p:grpSpPr>
+      <p:sp>
+        <p:nvSpPr>
+          <p:cNvPr id="9" name="Title 8"/>
+          <p:cNvSpPr>
+            <a:spLocks noGrp="1"/>
+          </p:cNvSpPr>
+          <p:nvPr>
+            <p:ph type="title"/>
+          </p:nvPr>
+        </p:nvSpPr>
+        <p:spPr/>
+        <p:txBody>
+          <a:bodyPr/>
+          <a:lstStyle/>
+          <a:p>
+            <a:r>
+              <a:rPr lang="en-US" dirty="0">
+                <a:cs typeface="Calibri Light"/>
+              </a:rPr>
+              <a:t>Applying </a:t>
+            </a:r>
+            <a:r>
+              <a:rPr lang="en-US" dirty="0" err="1">
+                <a:cs typeface="Calibri Light"/>
+              </a:rPr>
+              <a:t>Git</a:t>
+            </a:r>
+            <a:r>
+              <a:rPr lang="en-US" dirty="0" smtClean="0">
+                <a:cs typeface="Calibri Light"/>
+              </a:rPr>
+              <a:t>| Sharing code</a:t>
+            </a:r>
+            <a:endParaRPr lang="en-US" dirty="0"/>
+          </a:p>
+        </p:txBody>
+      </p:sp>
+      <p:sp>
+        <p:nvSpPr>
+          <p:cNvPr id="7" name="TextBox 6"/>
+          <p:cNvSpPr txBox="1"/>
+          <p:nvPr/>
+        </p:nvSpPr>
+        <p:spPr>
+          <a:xfrm>
+            <a:off x="838200" y="1690688"/>
+            <a:ext cx="3062441" cy="523220"/>
+          </a:xfrm>
+          <a:prstGeom prst="rect">
+            <a:avLst/>
+          </a:prstGeom>
+          <a:noFill/>
+        </p:spPr>
+        <p:txBody>
+          <a:bodyPr wrap="none" rtlCol="0">
+            <a:spAutoFit/>
+          </a:bodyPr>
+          <a:lstStyle/>
+          <a:p>
+            <a:r>
+              <a:rPr lang="en-US" sz="2800" dirty="0" smtClean="0"/>
+              <a:t>3. Large community</a:t>
+            </a:r>
+            <a:endParaRPr lang="en-US" sz="2800" dirty="0"/>
+          </a:p>
+        </p:txBody>
+      </p:sp>
+      <p:pic>
+        <p:nvPicPr>
+          <p:cNvPr id="3" name="Picture 2"/>
+          <p:cNvPicPr>
+            <a:picLocks noChangeAspect="1"/>
+          </p:cNvPicPr>
+          <p:nvPr/>
+        </p:nvPicPr>
+        <p:blipFill>
+          <a:blip r:embed="rId2"/>
+          <a:stretch>
+            <a:fillRect/>
+          </a:stretch>
+        </p:blipFill>
+        <p:spPr>
+          <a:xfrm>
+            <a:off x="4180010" y="1490331"/>
+            <a:ext cx="8011990" cy="5367669"/>
+          </a:xfrm>
+          <a:prstGeom prst="rect">
+            <a:avLst/>
+          </a:prstGeom>
+        </p:spPr>
+      </p:pic>
+    </p:spTree>
+    <p:extLst>
+      <p:ext uri="{BB962C8B-B14F-4D97-AF65-F5344CB8AC3E}">
+        <p14:creationId xmlns:p14="http://schemas.microsoft.com/office/powerpoint/2010/main" val="3903016009"/>
+      </p:ext>
+    </p:extLst>
+  </p:cSld>
+  <p:clrMapOvr>
+    <a:masterClrMapping/>
+  </p:clrMapOvr>
+</p:sld>
+</file>
+
+<file path=ppt/slides/slide15.xml><?xml version="1.0" encoding="utf-8"?>
+<p:sld xmlns:a="http://schemas.openxmlformats.org/drawingml/2006/main" xmlns:r="http://schemas.openxmlformats.org/officeDocument/2006/relationships" xmlns:p="http://schemas.openxmlformats.org/presentationml/2006/main">
+  <p:cSld>
+    <p:spTree>
+      <p:nvGrpSpPr>
+        <p:cNvPr id="1" name=""/>
+        <p:cNvGrpSpPr/>
+        <p:nvPr/>
+      </p:nvGrpSpPr>
+      <p:grpSpPr>
+        <a:xfrm>
+          <a:off x="0" y="0"/>
+          <a:ext cx="0" cy="0"/>
+          <a:chOff x="0" y="0"/>
+          <a:chExt cx="0" cy="0"/>
+        </a:xfrm>
+      </p:grpSpPr>
+      <p:sp>
+        <p:nvSpPr>
+          <p:cNvPr id="2" name="Title 1">
+            <a:extLst>
+              <a:ext uri="{FF2B5EF4-FFF2-40B4-BE49-F238E27FC236}">
                 <a16:creationId xmlns:a16="http://schemas.microsoft.com/office/drawing/2014/main" id="{1D5908A2-3F89-4224-84F4-CDF54308673D}"/>
               </a:ext>
             </a:extLst>
@@ -3371,9 +4436,14 @@
               <a:rPr lang="en-US" dirty="0">
                 <a:ea typeface="+mj-lt"/>
                 <a:cs typeface="+mj-lt"/>
+                <a:hlinkClick r:id="rId2"/>
               </a:rPr>
               <a:t>Useful features on GitHub</a:t>
             </a:r>
+            <a:endParaRPr lang="en-US" dirty="0">
+              <a:ea typeface="+mj-lt"/>
+              <a:cs typeface="+mj-lt"/>
+            </a:endParaRPr>
           </a:p>
         </p:txBody>
       </p:sp>
@@ -3452,7 +4522,7 @@
 </p:sld>
 </file>
 
-<file path=ppt/slides/slide12.xml><?xml version="1.0" encoding="utf-8"?>
+<file path=ppt/slides/slide16.xml><?xml version="1.0" encoding="utf-8"?>
 <p:sld xmlns:a="http://schemas.openxmlformats.org/drawingml/2006/main" xmlns:r="http://schemas.openxmlformats.org/officeDocument/2006/relationships" xmlns:p="http://schemas.openxmlformats.org/presentationml/2006/main">
   <p:cSld>
     <p:spTree>
@@ -3669,7 +4739,7 @@
           <a:lstStyle/>
           <a:p>
             <a:r>
-              <a:rPr lang="en-US" dirty="0">
+              <a:rPr lang="en-US" dirty="0" smtClean="0">
                 <a:cs typeface="Calibri Light"/>
               </a:rPr>
               <a:t>Outline</a:t>
@@ -3705,7 +4775,7 @@
               <a:rPr lang="en-US" dirty="0">
                 <a:cs typeface="Calibri"/>
               </a:rPr>
-              <a:t>How I use version control software on a daily</a:t>
+              <a:t>What is version control?</a:t>
             </a:r>
             <a:endParaRPr lang="en-US" dirty="0"/>
           </a:p>
@@ -3715,72 +4785,218 @@
               <a:rPr lang="en-US" dirty="0">
                 <a:cs typeface="Calibri"/>
               </a:rPr>
-              <a:t>Team management and productivity</a:t>
-            </a:r>
-          </a:p>
-          <a:p>
-            <a:pPr lvl="1"/>
+              <a:t>What is </a:t>
+            </a:r>
+            <a:r>
+              <a:rPr lang="en-US" dirty="0" err="1">
+                <a:cs typeface="Calibri"/>
+              </a:rPr>
+              <a:t>Git</a:t>
+            </a:r>
+            <a:r>
+              <a:rPr lang="en-US" dirty="0" smtClean="0">
+                <a:cs typeface="Calibri"/>
+              </a:rPr>
+              <a:t>?</a:t>
+            </a:r>
+          </a:p>
+          <a:p>
             <a:r>
               <a:rPr lang="en-US" dirty="0">
                 <a:cs typeface="Calibri"/>
               </a:rPr>
-              <a:t>Expanding / keeping multiple versions of software</a:t>
-            </a:r>
-          </a:p>
-          <a:p>
-            <a:pPr lvl="1"/>
+              <a:t>What is GitHub</a:t>
+            </a:r>
+            <a:r>
+              <a:rPr lang="en-US" dirty="0" smtClean="0">
+                <a:cs typeface="Calibri"/>
+              </a:rPr>
+              <a:t>?</a:t>
+            </a:r>
+            <a:endParaRPr lang="en-US" dirty="0">
+              <a:cs typeface="Calibri"/>
+            </a:endParaRPr>
+          </a:p>
+          <a:p>
+            <a:r>
+              <a:rPr lang="en-US" dirty="0" smtClean="0">
+                <a:cs typeface="Calibri"/>
+              </a:rPr>
+              <a:t>How </a:t>
+            </a:r>
             <a:r>
               <a:rPr lang="en-US" dirty="0">
                 <a:cs typeface="Calibri"/>
               </a:rPr>
-              <a:t>Sharing and distributing live code</a:t>
-            </a:r>
-          </a:p>
-          <a:p>
+              <a:t>I use </a:t>
+            </a:r>
+            <a:r>
+              <a:rPr lang="en-US" dirty="0" err="1" smtClean="0">
+                <a:cs typeface="Calibri"/>
+              </a:rPr>
+              <a:t>Git</a:t>
+            </a:r>
+            <a:r>
+              <a:rPr lang="en-US" dirty="0" smtClean="0">
+                <a:cs typeface="Calibri"/>
+              </a:rPr>
+              <a:t> and GitHub on </a:t>
+            </a:r>
             <a:r>
               <a:rPr lang="en-US" dirty="0">
                 <a:cs typeface="Calibri"/>
               </a:rPr>
-              <a:t>What is version control?</a:t>
+              <a:t>a daily</a:t>
             </a:r>
             <a:endParaRPr lang="en-US" dirty="0"/>
           </a:p>
           <a:p>
-            <a:pPr lvl="1"/>
+            <a:r>
+              <a:rPr lang="en-US" dirty="0" smtClean="0">
+                <a:cs typeface="Calibri"/>
+              </a:rPr>
+              <a:t>Useful </a:t>
+            </a:r>
             <a:r>
               <a:rPr lang="en-US" dirty="0">
                 <a:cs typeface="Calibri"/>
               </a:rPr>
-              <a:t>What is Git?</a:t>
-            </a:r>
-          </a:p>
-          <a:p>
-            <a:pPr lvl="1"/>
+              <a:t>GitHub features</a:t>
+            </a:r>
+          </a:p>
+          <a:p>
             <a:r>
               <a:rPr lang="en-US" dirty="0">
                 <a:cs typeface="Calibri"/>
               </a:rPr>
-              <a:t>What is GitHub?</a:t>
-            </a:r>
-          </a:p>
-          <a:p>
-            <a:r>
-              <a:rPr lang="en-US" dirty="0">
-                <a:cs typeface="Calibri"/>
-              </a:rPr>
-              <a:t>Useful GitHub features</a:t>
-            </a:r>
-          </a:p>
-          <a:p>
-            <a:r>
-              <a:rPr lang="en-US" dirty="0">
-                <a:cs typeface="Calibri"/>
-              </a:rPr>
               <a:t>Summary and resources </a:t>
             </a:r>
           </a:p>
         </p:txBody>
       </p:sp>
+      <p:pic>
+        <p:nvPicPr>
+          <p:cNvPr id="1026" name="Picture 2" descr="Image result for git"/>
+          <p:cNvPicPr>
+            <a:picLocks noChangeAspect="1" noChangeArrowheads="1"/>
+          </p:cNvPicPr>
+          <p:nvPr/>
+        </p:nvPicPr>
+        <p:blipFill>
+          <a:blip r:embed="rId2">
+            <a:extLst>
+              <a:ext uri="{28A0092B-C50C-407E-A947-70E740481C1C}">
+                <a14:useLocalDpi xmlns:a14="http://schemas.microsoft.com/office/drawing/2010/main" val="0"/>
+              </a:ext>
+            </a:extLst>
+          </a:blip>
+          <a:srcRect/>
+          <a:stretch>
+            <a:fillRect/>
+          </a:stretch>
+        </p:blipFill>
+        <p:spPr bwMode="auto">
+          <a:xfrm>
+            <a:off x="9720030" y="667360"/>
+            <a:ext cx="1813902" cy="1813902"/>
+          </a:xfrm>
+          <a:prstGeom prst="rect">
+            <a:avLst/>
+          </a:prstGeom>
+          <a:noFill/>
+          <a:extLst>
+            <a:ext uri="{909E8E84-426E-40DD-AFC4-6F175D3DCCD1}">
+              <a14:hiddenFill xmlns:a14="http://schemas.microsoft.com/office/drawing/2010/main">
+                <a:solidFill>
+                  <a:srgbClr val="FFFFFF"/>
+                </a:solidFill>
+              </a14:hiddenFill>
+            </a:ext>
+          </a:extLst>
+        </p:spPr>
+      </p:pic>
+      <p:pic>
+        <p:nvPicPr>
+          <p:cNvPr id="1028" name="Picture 4" descr="Image result for git"/>
+          <p:cNvPicPr>
+            <a:picLocks noChangeAspect="1" noChangeArrowheads="1"/>
+          </p:cNvPicPr>
+          <p:nvPr/>
+        </p:nvPicPr>
+        <p:blipFill>
+          <a:blip r:embed="rId3">
+            <a:extLst>
+              <a:ext uri="{28A0092B-C50C-407E-A947-70E740481C1C}">
+                <a14:useLocalDpi xmlns:a14="http://schemas.microsoft.com/office/drawing/2010/main" val="0"/>
+              </a:ext>
+            </a:extLst>
+          </a:blip>
+          <a:srcRect/>
+          <a:stretch>
+            <a:fillRect/>
+          </a:stretch>
+        </p:blipFill>
+        <p:spPr bwMode="auto">
+          <a:xfrm>
+            <a:off x="6597833" y="3015029"/>
+            <a:ext cx="5734050" cy="3695701"/>
+          </a:xfrm>
+          <a:prstGeom prst="rect">
+            <a:avLst/>
+          </a:prstGeom>
+          <a:noFill/>
+          <a:extLst>
+            <a:ext uri="{909E8E84-426E-40DD-AFC4-6F175D3DCCD1}">
+              <a14:hiddenFill xmlns:a14="http://schemas.microsoft.com/office/drawing/2010/main">
+                <a:solidFill>
+                  <a:srgbClr val="FFFFFF"/>
+                </a:solidFill>
+              </a14:hiddenFill>
+            </a:ext>
+          </a:extLst>
+        </p:spPr>
+      </p:pic>
+      <p:pic>
+        <p:nvPicPr>
+          <p:cNvPr id="1032" name="Picture 8" descr="Image result for github"/>
+          <p:cNvPicPr>
+            <a:picLocks noChangeAspect="1" noChangeArrowheads="1"/>
+          </p:cNvPicPr>
+          <p:nvPr/>
+        </p:nvPicPr>
+        <p:blipFill>
+          <a:blip r:embed="rId4">
+            <a:extLst>
+              <a:ext uri="{28A0092B-C50C-407E-A947-70E740481C1C}">
+                <a14:useLocalDpi xmlns:a14="http://schemas.microsoft.com/office/drawing/2010/main" val="0"/>
+              </a:ext>
+            </a:extLst>
+          </a:blip>
+          <a:srcRect/>
+          <a:stretch>
+            <a:fillRect/>
+          </a:stretch>
+        </p:blipFill>
+        <p:spPr bwMode="auto">
+          <a:xfrm>
+            <a:off x="7487822" y="571390"/>
+            <a:ext cx="1948900" cy="1948900"/>
+          </a:xfrm>
+          <a:prstGeom prst="rect">
+            <a:avLst/>
+          </a:prstGeom>
+          <a:noFill/>
+          <a:extLst>
+            <a:ext uri="{909E8E84-426E-40DD-AFC4-6F175D3DCCD1}">
+              <a14:hiddenFill xmlns:a14="http://schemas.microsoft.com/office/drawing/2010/main">
+                <a:solidFill>
+                  <a:srgbClr val="FFFFFF"/>
+                </a:solidFill>
+              </a14:hiddenFill>
+            </a:ext>
+          </a:extLst>
+        </p:spPr>
+      </p:pic>
     </p:spTree>
     <p:extLst>
       <p:ext uri="{BB962C8B-B14F-4D97-AF65-F5344CB8AC3E}">
@@ -3816,7 +5032,7 @@
           <p:cNvPr id="2" name="Title 1">
             <a:extLst>
               <a:ext uri="{FF2B5EF4-FFF2-40B4-BE49-F238E27FC236}">
-                <a16:creationId xmlns:a16="http://schemas.microsoft.com/office/drawing/2014/main" id="{AF8569FE-036F-464D-9CC5-8E892ECB87E5}"/>
+                <a16:creationId xmlns:a16="http://schemas.microsoft.com/office/drawing/2014/main" id="{38902C25-7A27-4120-8920-F9F8C91EB3DD}"/>
               </a:ext>
             </a:extLst>
           </p:cNvPr>
@@ -3829,56 +5045,206 @@
         </p:nvSpPr>
         <p:spPr/>
         <p:txBody>
-          <a:bodyPr>
-            <a:normAutofit/>
-          </a:bodyPr>
-          <a:lstStyle/>
-          <a:p>
-            <a:r>
-              <a:rPr lang="en-US" sz="3600" dirty="0">
+          <a:bodyPr/>
+          <a:lstStyle/>
+          <a:p>
+            <a:r>
+              <a:rPr lang="en-US" dirty="0">
                 <a:cs typeface="Calibri Light"/>
               </a:rPr>
-              <a:t>How I use VC | 1. Team management and productivity </a:t>
-            </a:r>
-          </a:p>
-        </p:txBody>
-      </p:sp>
-      <p:pic>
-        <p:nvPicPr>
-          <p:cNvPr id="4" name="Picture 4" descr="A close up of text on a white background&#10;&#10;Description generated with high confidence">
+              <a:t>What is version control?</a:t>
+            </a:r>
+            <a:endParaRPr lang="en-US" dirty="0"/>
+          </a:p>
+        </p:txBody>
+      </p:sp>
+      <p:sp>
+        <p:nvSpPr>
+          <p:cNvPr id="3" name="Content Placeholder 2">
             <a:extLst>
               <a:ext uri="{FF2B5EF4-FFF2-40B4-BE49-F238E27FC236}">
-                <a16:creationId xmlns:a16="http://schemas.microsoft.com/office/drawing/2014/main" id="{A97ADA7D-E4E6-46AC-B4EC-1CC1CDB53F60}"/>
+                <a16:creationId xmlns:a16="http://schemas.microsoft.com/office/drawing/2014/main" id="{E51C1ED7-578D-421F-843D-429F174BAA11}"/>
               </a:ext>
             </a:extLst>
           </p:cNvPr>
-          <p:cNvPicPr>
-            <a:picLocks noChangeAspect="1"/>
-          </p:cNvPicPr>
+          <p:cNvSpPr>
+            <a:spLocks noGrp="1"/>
+          </p:cNvSpPr>
+          <p:nvPr>
+            <p:ph idx="1"/>
+          </p:nvPr>
+        </p:nvSpPr>
+        <p:spPr>
+          <a:xfrm>
+            <a:off x="838200" y="1825625"/>
+            <a:ext cx="5435600" cy="4351338"/>
+          </a:xfrm>
+        </p:spPr>
+        <p:txBody>
+          <a:bodyPr vert="horz" lIns="91440" tIns="45720" rIns="91440" bIns="45720" rtlCol="0" anchor="t">
+            <a:normAutofit fontScale="70000" lnSpcReduction="20000"/>
+          </a:bodyPr>
+          <a:lstStyle/>
+          <a:p>
+            <a:pPr marL="0" indent="0">
+              <a:buNone/>
+            </a:pPr>
+            <a:r>
+              <a:rPr lang="en-US" sz="3100" b="1" dirty="0">
+                <a:cs typeface="Calibri" panose="020F0502020204030204"/>
+              </a:rPr>
+              <a:t>Version control systems</a:t>
+            </a:r>
+            <a:r>
+              <a:rPr lang="en-US" sz="3100" dirty="0">
+                <a:cs typeface="Calibri" panose="020F0502020204030204"/>
+              </a:rPr>
+              <a:t> are software that allows teams to manage changes in code over time.</a:t>
+            </a:r>
+          </a:p>
+          <a:p>
+            <a:pPr marL="0" indent="0">
+              <a:buNone/>
+            </a:pPr>
+            <a:endParaRPr lang="en-US" sz="1100" dirty="0">
+              <a:cs typeface="Calibri" panose="020F0502020204030204"/>
+            </a:endParaRPr>
+          </a:p>
+          <a:p>
+            <a:pPr marL="0" indent="0">
+              <a:buNone/>
+            </a:pPr>
+            <a:r>
+              <a:rPr lang="en-US" b="1" dirty="0">
+                <a:cs typeface="Calibri" panose="020F0502020204030204"/>
+              </a:rPr>
+              <a:t>Benefits of VC:</a:t>
+            </a:r>
+          </a:p>
+          <a:p>
+            <a:pPr marL="514350" indent="-514350">
+              <a:buAutoNum type="arabicPeriod"/>
+            </a:pPr>
+            <a:r>
+              <a:rPr lang="en-US" sz="3100" dirty="0">
+                <a:cs typeface="Calibri" panose="020F0502020204030204"/>
+              </a:rPr>
+              <a:t>Keep a complete history of every </a:t>
+            </a:r>
+            <a:r>
+              <a:rPr lang="en-US" sz="3100" dirty="0" smtClean="0">
+                <a:cs typeface="Calibri" panose="020F0502020204030204"/>
+              </a:rPr>
+              <a:t>file / can recover different file versions easily</a:t>
+            </a:r>
+            <a:endParaRPr lang="en-US" sz="3100" dirty="0">
+              <a:cs typeface="Calibri" panose="020F0502020204030204"/>
+            </a:endParaRPr>
+          </a:p>
+          <a:p>
+            <a:pPr marL="514350" indent="-514350">
+              <a:buAutoNum type="arabicPeriod"/>
+            </a:pPr>
+            <a:r>
+              <a:rPr lang="en-US" sz="3100" dirty="0">
+                <a:cs typeface="Calibri" panose="020F0502020204030204"/>
+              </a:rPr>
+              <a:t>Independent containers (branches) for different projects and a way </a:t>
+            </a:r>
+            <a:r>
+              <a:rPr lang="en-US" sz="3100" dirty="0" smtClean="0">
+                <a:cs typeface="Calibri" panose="020F0502020204030204"/>
+              </a:rPr>
+              <a:t>to sync /  </a:t>
+            </a:r>
+            <a:r>
+              <a:rPr lang="en-US" sz="3100" dirty="0">
+                <a:cs typeface="Calibri" panose="020F0502020204030204"/>
+              </a:rPr>
+              <a:t>merge these </a:t>
+            </a:r>
+            <a:r>
+              <a:rPr lang="en-US" sz="3100" dirty="0" smtClean="0">
+                <a:cs typeface="Calibri" panose="020F0502020204030204"/>
+              </a:rPr>
+              <a:t>branches </a:t>
+            </a:r>
+            <a:r>
+              <a:rPr lang="en-US" sz="3100" dirty="0" smtClean="0">
+                <a:cs typeface="Calibri" panose="020F0502020204030204"/>
+              </a:rPr>
+              <a:t>for collaborations</a:t>
+            </a:r>
+            <a:endParaRPr lang="en-US" sz="3100" dirty="0">
+              <a:cs typeface="Calibri" panose="020F0502020204030204"/>
+            </a:endParaRPr>
+          </a:p>
+          <a:p>
+            <a:pPr marL="514350" indent="-514350">
+              <a:buAutoNum type="arabicPeriod"/>
+            </a:pPr>
+            <a:r>
+              <a:rPr lang="en-US" sz="3100" dirty="0">
+                <a:cs typeface="Calibri" panose="020F0502020204030204"/>
+              </a:rPr>
+              <a:t>Tons of open source tools to help develop better </a:t>
+            </a:r>
+            <a:r>
+              <a:rPr lang="en-US" sz="3100" dirty="0" smtClean="0">
+                <a:cs typeface="Calibri" panose="020F0502020204030204"/>
+              </a:rPr>
+              <a:t>code, automate tasks, etc.</a:t>
+            </a:r>
+          </a:p>
+        </p:txBody>
+      </p:sp>
+      <p:sp>
+        <p:nvSpPr>
+          <p:cNvPr id="4" name="TextBox 3">
+            <a:extLst>
+              <a:ext uri="{FF2B5EF4-FFF2-40B4-BE49-F238E27FC236}">
+                <a16:creationId xmlns:a16="http://schemas.microsoft.com/office/drawing/2014/main" id="{EC78E7FE-EA2D-4952-BCC8-3294C624CE88}"/>
+              </a:ext>
+            </a:extLst>
+          </p:cNvPr>
+          <p:cNvSpPr txBox="1"/>
           <p:nvPr/>
-        </p:nvPicPr>
-        <p:blipFill>
-          <a:blip r:embed="rId2"/>
-          <a:stretch>
-            <a:fillRect/>
-          </a:stretch>
-        </p:blipFill>
-        <p:spPr>
-          <a:xfrm>
-            <a:off x="3569110" y="1490470"/>
-            <a:ext cx="4955458" cy="2508739"/>
+        </p:nvSpPr>
+        <p:spPr>
+          <a:xfrm>
+            <a:off x="834320" y="6422938"/>
+            <a:ext cx="3549722" cy="246221"/>
           </a:xfrm>
           <a:prstGeom prst="rect">
             <a:avLst/>
           </a:prstGeom>
-        </p:spPr>
-      </p:pic>
+          <a:noFill/>
+        </p:spPr>
+        <p:txBody>
+          <a:bodyPr rot="0" spcFirstLastPara="0" vertOverflow="overflow" horzOverflow="overflow" vert="horz" wrap="square" lIns="91440" tIns="45720" rIns="91440" bIns="45720" numCol="1" spcCol="0" rtlCol="0" fromWordArt="0" anchor="t" anchorCtr="0" forceAA="0" compatLnSpc="1">
+            <a:prstTxWarp prst="textNoShape">
+              <a:avLst/>
+            </a:prstTxWarp>
+            <a:spAutoFit/>
+          </a:bodyPr>
+          <a:lstStyle/>
+          <a:p>
+            <a:r>
+              <a:rPr lang="en-US" sz="1000" dirty="0">
+                <a:hlinkClick r:id="rId2"/>
+              </a:rPr>
+              <a:t>https://www.atlassian.com/git/tutorials/what-is-version-control</a:t>
+            </a:r>
+            <a:endParaRPr lang="en-US" sz="1000" dirty="0"/>
+          </a:p>
+        </p:txBody>
+      </p:sp>
       <p:pic>
         <p:nvPicPr>
-          <p:cNvPr id="6" name="Picture 6" descr="A person wearing glasses and smiling at the camera&#10;&#10;Description generated with very high confidence">
+          <p:cNvPr id="5" name="Picture 5" descr="A picture containing object&#10;&#10;Description generated with very high confidence">
             <a:extLst>
               <a:ext uri="{FF2B5EF4-FFF2-40B4-BE49-F238E27FC236}">
-                <a16:creationId xmlns:a16="http://schemas.microsoft.com/office/drawing/2014/main" id="{062A100A-97CC-4FE4-AD22-657F23AAFBE9}"/>
+                <a16:creationId xmlns:a16="http://schemas.microsoft.com/office/drawing/2014/main" id="{6A68A9D0-532E-4EA6-8280-A37065C6A695}"/>
               </a:ext>
             </a:extLst>
           </p:cNvPr>
@@ -3895,98 +5261,239 @@
         </p:blipFill>
         <p:spPr>
           <a:xfrm>
-            <a:off x="1534769" y="1657465"/>
-            <a:ext cx="1515339" cy="1461908"/>
+            <a:off x="7139796" y="2965804"/>
+            <a:ext cx="4310332" cy="1544619"/>
           </a:xfrm>
           <a:prstGeom prst="rect">
             <a:avLst/>
           </a:prstGeom>
         </p:spPr>
       </p:pic>
-      <p:pic>
-        <p:nvPicPr>
-          <p:cNvPr id="8" name="Picture 8" descr="A person wearing a suit and tie&#10;&#10;Description generated with very high confidence">
+      <p:sp>
+        <p:nvSpPr>
+          <p:cNvPr id="7" name="TextBox 6">
             <a:extLst>
               <a:ext uri="{FF2B5EF4-FFF2-40B4-BE49-F238E27FC236}">
-                <a16:creationId xmlns:a16="http://schemas.microsoft.com/office/drawing/2014/main" id="{D3A1478A-0276-4BAF-AD32-A31943BAB53A}"/>
+                <a16:creationId xmlns:a16="http://schemas.microsoft.com/office/drawing/2014/main" id="{0FA5F32D-45BF-419C-9E4D-C454A7EE825A}"/>
               </a:ext>
             </a:extLst>
           </p:cNvPr>
-          <p:cNvPicPr>
-            <a:picLocks noChangeAspect="1"/>
-          </p:cNvPicPr>
+          <p:cNvSpPr txBox="1"/>
           <p:nvPr/>
-        </p:nvPicPr>
-        <p:blipFill>
-          <a:blip r:embed="rId4"/>
-          <a:stretch>
-            <a:fillRect/>
-          </a:stretch>
-        </p:blipFill>
-        <p:spPr>
-          <a:xfrm>
-            <a:off x="8849852" y="1586292"/>
-            <a:ext cx="1636486" cy="1612743"/>
+        </p:nvSpPr>
+        <p:spPr>
+          <a:xfrm>
+            <a:off x="6975024" y="5132628"/>
+            <a:ext cx="1506748" cy="369332"/>
           </a:xfrm>
           <a:prstGeom prst="rect">
             <a:avLst/>
           </a:prstGeom>
-        </p:spPr>
-      </p:pic>
-      <p:pic>
-        <p:nvPicPr>
-          <p:cNvPr id="10" name="Picture 10" descr="A person smiling for the camera&#10;&#10;Description generated with very high confidence">
+          <a:noFill/>
+        </p:spPr>
+        <p:txBody>
+          <a:bodyPr rot="0" spcFirstLastPara="0" vertOverflow="overflow" horzOverflow="overflow" vert="horz" wrap="square" lIns="91440" tIns="45720" rIns="91440" bIns="45720" numCol="1" spcCol="0" rtlCol="0" fromWordArt="0" anchor="t" anchorCtr="0" forceAA="0" compatLnSpc="1">
+            <a:prstTxWarp prst="textNoShape">
+              <a:avLst/>
+            </a:prstTxWarp>
+            <a:spAutoFit/>
+          </a:bodyPr>
+          <a:lstStyle/>
+          <a:p>
+            <a:r>
+              <a:rPr lang="en-US" dirty="0"/>
+              <a:t>Initial </a:t>
+            </a:r>
+            <a:r>
+              <a:rPr lang="en-US" dirty="0" smtClean="0"/>
+              <a:t>commit</a:t>
+            </a:r>
+            <a:endParaRPr lang="en-US" dirty="0"/>
+          </a:p>
+        </p:txBody>
+      </p:sp>
+      <p:sp>
+        <p:nvSpPr>
+          <p:cNvPr id="8" name="TextBox 7">
             <a:extLst>
               <a:ext uri="{FF2B5EF4-FFF2-40B4-BE49-F238E27FC236}">
-                <a16:creationId xmlns:a16="http://schemas.microsoft.com/office/drawing/2014/main" id="{8036241E-68C3-4E67-A3B9-7764D2E6C4E3}"/>
+                <a16:creationId xmlns:a16="http://schemas.microsoft.com/office/drawing/2014/main" id="{4066E795-9943-4B64-930E-10BC6C202A00}"/>
               </a:ext>
             </a:extLst>
           </p:cNvPr>
-          <p:cNvPicPr>
-            <a:picLocks noChangeAspect="1"/>
-          </p:cNvPicPr>
+          <p:cNvSpPr txBox="1"/>
           <p:nvPr/>
-        </p:nvPicPr>
-        <p:blipFill>
-          <a:blip r:embed="rId5"/>
-          <a:stretch>
-            <a:fillRect/>
-          </a:stretch>
-        </p:blipFill>
-        <p:spPr>
-          <a:xfrm>
-            <a:off x="8818248" y="3298116"/>
-            <a:ext cx="1672772" cy="1609607"/>
+        </p:nvSpPr>
+        <p:spPr>
+          <a:xfrm>
+            <a:off x="8204110" y="1614407"/>
+            <a:ext cx="1642549" cy="646331"/>
           </a:xfrm>
           <a:prstGeom prst="rect">
             <a:avLst/>
           </a:prstGeom>
-        </p:spPr>
-      </p:pic>
-      <p:sp>
-        <p:nvSpPr>
-          <p:cNvPr id="12" name="Left Brace 11">
+          <a:noFill/>
+        </p:spPr>
+        <p:txBody>
+          <a:bodyPr rot="0" spcFirstLastPara="0" vertOverflow="overflow" horzOverflow="overflow" vert="horz" wrap="square" lIns="91440" tIns="45720" rIns="91440" bIns="45720" numCol="1" spcCol="0" rtlCol="0" fromWordArt="0" anchor="t" anchorCtr="0" forceAA="0" compatLnSpc="1">
+            <a:prstTxWarp prst="textNoShape">
+              <a:avLst/>
+            </a:prstTxWarp>
+            <a:spAutoFit/>
+          </a:bodyPr>
+          <a:lstStyle/>
+          <a:p>
+            <a:pPr algn="ctr"/>
+            <a:r>
+              <a:rPr lang="en-US" dirty="0" smtClean="0">
+                <a:cs typeface="Calibri"/>
+              </a:rPr>
+              <a:t>New features branch</a:t>
+            </a:r>
+            <a:endParaRPr lang="en-US" dirty="0"/>
+          </a:p>
+        </p:txBody>
+      </p:sp>
+      <p:sp>
+        <p:nvSpPr>
+          <p:cNvPr id="9" name="TextBox 8">
             <a:extLst>
               <a:ext uri="{FF2B5EF4-FFF2-40B4-BE49-F238E27FC236}">
-                <a16:creationId xmlns:a16="http://schemas.microsoft.com/office/drawing/2014/main" id="{C44544D7-4866-472A-AA6C-5E2398C6FAEF}"/>
+                <a16:creationId xmlns:a16="http://schemas.microsoft.com/office/drawing/2014/main" id="{B961A0F3-5208-473C-88DD-65FA58507C29}"/>
               </a:ext>
             </a:extLst>
           </p:cNvPr>
-          <p:cNvSpPr/>
+          <p:cNvSpPr txBox="1"/>
           <p:nvPr/>
         </p:nvSpPr>
         <p:spPr>
           <a:xfrm>
-            <a:off x="3134146" y="1898446"/>
-            <a:ext cx="326279" cy="817892"/>
-          </a:xfrm>
-          <a:prstGeom prst="leftBrace">
+            <a:off x="8543170" y="5136414"/>
+            <a:ext cx="964428" cy="369332"/>
+          </a:xfrm>
+          <a:prstGeom prst="rect">
             <a:avLst/>
           </a:prstGeom>
-          <a:ln w="28575">
-            <a:solidFill>
-              <a:srgbClr val="7030A0"/>
-            </a:solidFill>
+          <a:noFill/>
+        </p:spPr>
+        <p:txBody>
+          <a:bodyPr rot="0" spcFirstLastPara="0" vertOverflow="overflow" horzOverflow="overflow" vert="horz" wrap="square" lIns="91440" tIns="45720" rIns="91440" bIns="45720" numCol="1" spcCol="0" rtlCol="0" fromWordArt="0" anchor="t" anchorCtr="0" forceAA="0" compatLnSpc="1">
+            <a:prstTxWarp prst="textNoShape">
+              <a:avLst/>
+            </a:prstTxWarp>
+            <a:spAutoFit/>
+          </a:bodyPr>
+          <a:lstStyle/>
+          <a:p>
+            <a:r>
+              <a:rPr lang="en-US" dirty="0">
+                <a:cs typeface="Calibri"/>
+              </a:rPr>
+              <a:t>Fix bugs</a:t>
+            </a:r>
+          </a:p>
+        </p:txBody>
+      </p:sp>
+      <p:sp>
+        <p:nvSpPr>
+          <p:cNvPr id="10" name="TextBox 9">
+            <a:extLst>
+              <a:ext uri="{FF2B5EF4-FFF2-40B4-BE49-F238E27FC236}">
+                <a16:creationId xmlns:a16="http://schemas.microsoft.com/office/drawing/2014/main" id="{62BA6B79-45D0-42C6-A683-2CE887B9A0A1}"/>
+              </a:ext>
+            </a:extLst>
+          </p:cNvPr>
+          <p:cNvSpPr txBox="1"/>
+          <p:nvPr/>
+        </p:nvSpPr>
+        <p:spPr>
+          <a:xfrm>
+            <a:off x="10408921" y="1813142"/>
+            <a:ext cx="1276710" cy="369332"/>
+          </a:xfrm>
+          <a:prstGeom prst="rect">
+            <a:avLst/>
+          </a:prstGeom>
+          <a:noFill/>
+        </p:spPr>
+        <p:txBody>
+          <a:bodyPr rot="0" spcFirstLastPara="0" vertOverflow="overflow" horzOverflow="overflow" vert="horz" wrap="square" lIns="91440" tIns="45720" rIns="91440" bIns="45720" numCol="1" spcCol="0" rtlCol="0" fromWordArt="0" anchor="t" anchorCtr="0" forceAA="0" compatLnSpc="1">
+            <a:prstTxWarp prst="textNoShape">
+              <a:avLst/>
+            </a:prstTxWarp>
+            <a:spAutoFit/>
+          </a:bodyPr>
+          <a:lstStyle/>
+          <a:p>
+            <a:pPr algn="ctr"/>
+            <a:r>
+              <a:rPr lang="en-US" dirty="0" smtClean="0"/>
+              <a:t>Version 1</a:t>
+            </a:r>
+            <a:endParaRPr lang="en-US" dirty="0"/>
+          </a:p>
+        </p:txBody>
+      </p:sp>
+      <p:sp>
+        <p:nvSpPr>
+          <p:cNvPr id="11" name="TextBox 10">
+            <a:extLst>
+              <a:ext uri="{FF2B5EF4-FFF2-40B4-BE49-F238E27FC236}">
+                <a16:creationId xmlns:a16="http://schemas.microsoft.com/office/drawing/2014/main" id="{077C203A-1D4B-42EF-8303-02EBBE73460C}"/>
+              </a:ext>
+            </a:extLst>
+          </p:cNvPr>
+          <p:cNvSpPr txBox="1"/>
+          <p:nvPr/>
+        </p:nvSpPr>
+        <p:spPr>
+          <a:xfrm>
+            <a:off x="9397199" y="5002209"/>
+            <a:ext cx="1195001" cy="646331"/>
+          </a:xfrm>
+          <a:prstGeom prst="rect">
+            <a:avLst/>
+          </a:prstGeom>
+          <a:noFill/>
+        </p:spPr>
+        <p:txBody>
+          <a:bodyPr rot="0" spcFirstLastPara="0" vertOverflow="overflow" horzOverflow="overflow" vert="horz" wrap="square" lIns="91440" tIns="45720" rIns="91440" bIns="45720" numCol="1" spcCol="0" rtlCol="0" fromWordArt="0" anchor="t" anchorCtr="0" forceAA="0" compatLnSpc="1">
+            <a:prstTxWarp prst="textNoShape">
+              <a:avLst/>
+            </a:prstTxWarp>
+            <a:spAutoFit/>
+          </a:bodyPr>
+          <a:lstStyle/>
+          <a:p>
+            <a:pPr algn="ctr"/>
+            <a:r>
+              <a:rPr lang="en-US" dirty="0" smtClean="0">
+                <a:cs typeface="Calibri"/>
+              </a:rPr>
+              <a:t>Optimized things</a:t>
+            </a:r>
+            <a:endParaRPr lang="en-US" dirty="0">
+              <a:cs typeface="Calibri"/>
+            </a:endParaRPr>
+          </a:p>
+        </p:txBody>
+      </p:sp>
+      <p:cxnSp>
+        <p:nvCxnSpPr>
+          <p:cNvPr id="12" name="Straight Arrow Connector 11"/>
+          <p:cNvCxnSpPr/>
+          <p:nvPr/>
+        </p:nvCxnSpPr>
+        <p:spPr>
+          <a:xfrm flipV="1">
+            <a:off x="7629623" y="4262511"/>
+            <a:ext cx="0" cy="739698"/>
+          </a:xfrm>
+          <a:prstGeom prst="straightConnector1">
+            <a:avLst/>
+          </a:prstGeom>
+          <a:ln w="38100">
+            <a:tailEnd type="triangle"/>
           </a:ln>
         </p:spPr>
         <p:style>
@@ -4003,43 +5510,23 @@
             <a:schemeClr val="tx1"/>
           </a:fontRef>
         </p:style>
-        <p:txBody>
-          <a:bodyPr rtlCol="0" anchor="ctr"/>
-          <a:lstStyle/>
-          <a:p>
-            <a:pPr algn="ctr"/>
-            <a:endParaRPr lang="en-US">
-              <a:solidFill>
-                <a:srgbClr val="7030A0"/>
-              </a:solidFill>
-            </a:endParaRPr>
-          </a:p>
-        </p:txBody>
-      </p:sp>
-      <p:sp>
-        <p:nvSpPr>
-          <p:cNvPr id="13" name="Left Brace 12">
-            <a:extLst>
-              <a:ext uri="{FF2B5EF4-FFF2-40B4-BE49-F238E27FC236}">
-                <a16:creationId xmlns:a16="http://schemas.microsoft.com/office/drawing/2014/main" id="{5E4DC4A0-FA56-42B2-82EB-B483AE56F63B}"/>
-              </a:ext>
-            </a:extLst>
-          </p:cNvPr>
-          <p:cNvSpPr/>
+      </p:cxnSp>
+      <p:cxnSp>
+        <p:nvCxnSpPr>
+          <p:cNvPr id="13" name="Straight Arrow Connector 12"/>
+          <p:cNvCxnSpPr/>
           <p:nvPr/>
-        </p:nvSpPr>
-        <p:spPr>
-          <a:xfrm flipH="1">
-            <a:off x="8570053" y="2606673"/>
-            <a:ext cx="229420" cy="368710"/>
-          </a:xfrm>
-          <a:prstGeom prst="leftBrace">
+        </p:nvCxnSpPr>
+        <p:spPr>
+          <a:xfrm flipV="1">
+            <a:off x="9073092" y="4276579"/>
+            <a:ext cx="0" cy="739698"/>
+          </a:xfrm>
+          <a:prstGeom prst="straightConnector1">
             <a:avLst/>
           </a:prstGeom>
-          <a:ln w="28575">
-            <a:solidFill>
-              <a:srgbClr val="00B050"/>
-            </a:solidFill>
+          <a:ln w="38100">
+            <a:tailEnd type="triangle"/>
           </a:ln>
         </p:spPr>
         <p:style>
@@ -4056,77 +5543,23 @@
             <a:schemeClr val="tx1"/>
           </a:fontRef>
         </p:style>
-        <p:txBody>
-          <a:bodyPr rtlCol="0" anchor="ctr"/>
-          <a:lstStyle/>
-          <a:p>
-            <a:pPr algn="ctr"/>
-            <a:endParaRPr lang="en-US"/>
-          </a:p>
-        </p:txBody>
-      </p:sp>
-      <p:sp>
-        <p:nvSpPr>
-          <p:cNvPr id="14" name="TextBox 13">
-            <a:extLst>
-              <a:ext uri="{FF2B5EF4-FFF2-40B4-BE49-F238E27FC236}">
-                <a16:creationId xmlns:a16="http://schemas.microsoft.com/office/drawing/2014/main" id="{D77E0655-5149-43CC-A314-BD45E5554BCD}"/>
-              </a:ext>
-            </a:extLst>
-          </p:cNvPr>
-          <p:cNvSpPr txBox="1"/>
+      </p:cxnSp>
+      <p:cxnSp>
+        <p:nvCxnSpPr>
+          <p:cNvPr id="14" name="Straight Arrow Connector 13"/>
+          <p:cNvCxnSpPr/>
           <p:nvPr/>
-        </p:nvSpPr>
-        <p:spPr>
-          <a:xfrm>
-            <a:off x="7402666" y="1454149"/>
-            <a:ext cx="1112683" cy="369332"/>
-          </a:xfrm>
-          <a:prstGeom prst="rect">
+        </p:nvCxnSpPr>
+        <p:spPr>
+          <a:xfrm flipV="1">
+            <a:off x="9689725" y="4290647"/>
+            <a:ext cx="0" cy="739698"/>
+          </a:xfrm>
+          <a:prstGeom prst="straightConnector1">
             <a:avLst/>
           </a:prstGeom>
-          <a:noFill/>
-        </p:spPr>
-        <p:txBody>
-          <a:bodyPr rot="0" spcFirstLastPara="0" vertOverflow="overflow" horzOverflow="overflow" vert="horz" wrap="square" lIns="91440" tIns="45720" rIns="91440" bIns="45720" numCol="1" spcCol="0" rtlCol="0" fromWordArt="0" anchor="t" anchorCtr="0" forceAA="0" compatLnSpc="1">
-            <a:prstTxWarp prst="textNoShape">
-              <a:avLst/>
-            </a:prstTxWarp>
-            <a:spAutoFit/>
-          </a:bodyPr>
-          <a:lstStyle/>
-          <a:p>
-            <a:r>
-              <a:rPr lang="en-US" dirty="0"/>
-              <a:t>July 2019</a:t>
-            </a:r>
-          </a:p>
-        </p:txBody>
-      </p:sp>
-      <p:sp>
-        <p:nvSpPr>
-          <p:cNvPr id="15" name="Left Brace 14">
-            <a:extLst>
-              <a:ext uri="{FF2B5EF4-FFF2-40B4-BE49-F238E27FC236}">
-                <a16:creationId xmlns:a16="http://schemas.microsoft.com/office/drawing/2014/main" id="{A362DCE7-A812-442A-8E9B-CEDDC3B3590D}"/>
-              </a:ext>
-            </a:extLst>
-          </p:cNvPr>
-          <p:cNvSpPr/>
-          <p:nvPr/>
-        </p:nvSpPr>
-        <p:spPr>
-          <a:xfrm rot="10800000">
-            <a:off x="8569029" y="3367649"/>
-            <a:ext cx="188451" cy="393290"/>
-          </a:xfrm>
-          <a:prstGeom prst="leftBrace">
-            <a:avLst/>
-          </a:prstGeom>
-          <a:ln w="28575">
-            <a:solidFill>
-              <a:srgbClr val="FF0000"/>
-            </a:solidFill>
+          <a:ln w="38100">
+            <a:tailEnd type="triangle"/>
           </a:ln>
         </p:spPr>
         <p:style>
@@ -4143,21 +5576,46 @@
             <a:schemeClr val="tx1"/>
           </a:fontRef>
         </p:style>
-        <p:txBody>
-          <a:bodyPr rtlCol="0" anchor="ctr"/>
-          <a:lstStyle/>
-          <a:p>
-            <a:pPr algn="ctr"/>
-            <a:endParaRPr lang="en-US"/>
-          </a:p>
-        </p:txBody>
-      </p:sp>
-      <p:sp>
-        <p:nvSpPr>
-          <p:cNvPr id="16" name="TextBox 15">
+      </p:cxnSp>
+      <p:cxnSp>
+        <p:nvCxnSpPr>
+          <p:cNvPr id="15" name="Straight Arrow Connector 14"/>
+          <p:cNvCxnSpPr/>
+          <p:nvPr/>
+        </p:nvCxnSpPr>
+        <p:spPr>
+          <a:xfrm>
+            <a:off x="7552851" y="6018389"/>
+            <a:ext cx="3518423" cy="0"/>
+          </a:xfrm>
+          <a:prstGeom prst="straightConnector1">
+            <a:avLst/>
+          </a:prstGeom>
+          <a:ln w="38100">
+            <a:tailEnd type="triangle"/>
+          </a:ln>
+        </p:spPr>
+        <p:style>
+          <a:lnRef idx="1">
+            <a:schemeClr val="accent1"/>
+          </a:lnRef>
+          <a:fillRef idx="0">
+            <a:schemeClr val="accent1"/>
+          </a:fillRef>
+          <a:effectRef idx="0">
+            <a:schemeClr val="accent1"/>
+          </a:effectRef>
+          <a:fontRef idx="minor">
+            <a:schemeClr val="tx1"/>
+          </a:fontRef>
+        </p:style>
+      </p:cxnSp>
+      <p:sp>
+        <p:nvSpPr>
+          <p:cNvPr id="17" name="TextBox 16">
             <a:extLst>
               <a:ext uri="{FF2B5EF4-FFF2-40B4-BE49-F238E27FC236}">
-                <a16:creationId xmlns:a16="http://schemas.microsoft.com/office/drawing/2014/main" id="{C3907CED-131A-4312-8349-58AC7B622A27}"/>
+                <a16:creationId xmlns:a16="http://schemas.microsoft.com/office/drawing/2014/main" id="{0FA5F32D-45BF-419C-9E4D-C454A7EE825A}"/>
               </a:ext>
             </a:extLst>
           </p:cNvPr>
@@ -4166,8 +5624,8 @@
         </p:nvSpPr>
         <p:spPr>
           <a:xfrm>
-            <a:off x="1406012" y="5052141"/>
-            <a:ext cx="9232486" cy="1200329"/>
+            <a:off x="8918275" y="6053606"/>
+            <a:ext cx="753374" cy="369332"/>
           </a:xfrm>
           <a:prstGeom prst="rect">
             <a:avLst/>
@@ -4183,76 +5641,123 @@
           </a:bodyPr>
           <a:lstStyle/>
           <a:p>
-            <a:pPr marL="342900" indent="-342900">
-              <a:buAutoNum type="arabicPeriod"/>
-            </a:pPr>
-            <a:r>
-              <a:rPr lang="en-US" sz="2400" dirty="0">
-                <a:ea typeface="+mn-lt"/>
-                <a:cs typeface="+mn-lt"/>
-              </a:rPr>
-              <a:t>Maintain different versions of code for each person</a:t>
-            </a:r>
-          </a:p>
-          <a:p>
-            <a:pPr marL="342900" indent="-342900">
-              <a:buAutoNum type="arabicPeriod"/>
-            </a:pPr>
-            <a:r>
-              <a:rPr lang="en-US" sz="2400" dirty="0">
-                <a:ea typeface="+mn-lt"/>
-                <a:cs typeface="+mn-lt"/>
-              </a:rPr>
-              <a:t>Allow us (as a group) to merge, share, and review each other's code</a:t>
-            </a:r>
-          </a:p>
-          <a:p>
-            <a:pPr marL="342900" indent="-342900">
-              <a:buAutoNum type="arabicPeriod"/>
-            </a:pPr>
-            <a:r>
-              <a:rPr lang="en-US" sz="2400" dirty="0">
-                <a:ea typeface="+mn-lt"/>
-                <a:cs typeface="+mn-lt"/>
-              </a:rPr>
-              <a:t>Has productivity tools for teams (</a:t>
-            </a:r>
-            <a:r>
-              <a:rPr lang="en-US" sz="2400" dirty="0" err="1">
-                <a:ea typeface="+mn-lt"/>
-                <a:cs typeface="+mn-lt"/>
-              </a:rPr>
-              <a:t>ie</a:t>
-            </a:r>
-            <a:r>
-              <a:rPr lang="en-US" sz="2400" dirty="0">
-                <a:ea typeface="+mn-lt"/>
-                <a:cs typeface="+mn-lt"/>
-              </a:rPr>
-              <a:t> SCRUM boards, To-Do lists, </a:t>
-            </a:r>
-            <a:r>
-              <a:rPr lang="en-US" sz="2400" dirty="0" err="1">
-                <a:ea typeface="+mn-lt"/>
-                <a:cs typeface="+mn-lt"/>
-              </a:rPr>
-              <a:t>etc</a:t>
-            </a:r>
-            <a:r>
-              <a:rPr lang="en-US" sz="2400" dirty="0">
-                <a:ea typeface="+mn-lt"/>
-                <a:cs typeface="+mn-lt"/>
-              </a:rPr>
-              <a:t>)</a:t>
+            <a:r>
+              <a:rPr lang="en-US" dirty="0" smtClean="0"/>
+              <a:t>Time </a:t>
             </a:r>
             <a:endParaRPr lang="en-US" dirty="0"/>
           </a:p>
         </p:txBody>
       </p:sp>
+      <p:cxnSp>
+        <p:nvCxnSpPr>
+          <p:cNvPr id="19" name="Straight Arrow Connector 18"/>
+          <p:cNvCxnSpPr/>
+          <p:nvPr/>
+        </p:nvCxnSpPr>
+        <p:spPr>
+          <a:xfrm>
+            <a:off x="9025385" y="2334484"/>
+            <a:ext cx="0" cy="739698"/>
+          </a:xfrm>
+          <a:prstGeom prst="straightConnector1">
+            <a:avLst/>
+          </a:prstGeom>
+          <a:ln w="38100">
+            <a:tailEnd type="triangle"/>
+          </a:ln>
+        </p:spPr>
+        <p:style>
+          <a:lnRef idx="1">
+            <a:schemeClr val="accent1"/>
+          </a:lnRef>
+          <a:fillRef idx="0">
+            <a:schemeClr val="accent1"/>
+          </a:fillRef>
+          <a:effectRef idx="0">
+            <a:schemeClr val="accent1"/>
+          </a:effectRef>
+          <a:fontRef idx="minor">
+            <a:schemeClr val="tx1"/>
+          </a:fontRef>
+        </p:style>
+      </p:cxnSp>
+      <p:cxnSp>
+        <p:nvCxnSpPr>
+          <p:cNvPr id="20" name="Straight Arrow Connector 19"/>
+          <p:cNvCxnSpPr/>
+          <p:nvPr/>
+        </p:nvCxnSpPr>
+        <p:spPr>
+          <a:xfrm>
+            <a:off x="11034721" y="2306905"/>
+            <a:ext cx="0" cy="739698"/>
+          </a:xfrm>
+          <a:prstGeom prst="straightConnector1">
+            <a:avLst/>
+          </a:prstGeom>
+          <a:ln w="38100">
+            <a:tailEnd type="triangle"/>
+          </a:ln>
+        </p:spPr>
+        <p:style>
+          <a:lnRef idx="1">
+            <a:schemeClr val="accent1"/>
+          </a:lnRef>
+          <a:fillRef idx="0">
+            <a:schemeClr val="accent1"/>
+          </a:fillRef>
+          <a:effectRef idx="0">
+            <a:schemeClr val="accent1"/>
+          </a:effectRef>
+          <a:fontRef idx="minor">
+            <a:schemeClr val="tx1"/>
+          </a:fontRef>
+        </p:style>
+      </p:cxnSp>
+      <p:cxnSp>
+        <p:nvCxnSpPr>
+          <p:cNvPr id="21" name="Straight Arrow Connector 20"/>
+          <p:cNvCxnSpPr/>
+          <p:nvPr/>
+        </p:nvCxnSpPr>
+        <p:spPr>
+          <a:xfrm>
+            <a:off x="11339732" y="3378353"/>
+            <a:ext cx="637475" cy="0"/>
+          </a:xfrm>
+          <a:prstGeom prst="straightConnector1">
+            <a:avLst/>
+          </a:prstGeom>
+          <a:ln w="38100">
+            <a:solidFill>
+              <a:schemeClr val="bg2">
+                <a:lumMod val="75000"/>
+              </a:schemeClr>
+            </a:solidFill>
+            <a:prstDash val="sysDot"/>
+            <a:tailEnd type="triangle"/>
+          </a:ln>
+        </p:spPr>
+        <p:style>
+          <a:lnRef idx="1">
+            <a:schemeClr val="accent1"/>
+          </a:lnRef>
+          <a:fillRef idx="0">
+            <a:schemeClr val="accent1"/>
+          </a:fillRef>
+          <a:effectRef idx="0">
+            <a:schemeClr val="accent1"/>
+          </a:effectRef>
+          <a:fontRef idx="minor">
+            <a:schemeClr val="tx1"/>
+          </a:fontRef>
+        </p:style>
+      </p:cxnSp>
     </p:spTree>
     <p:extLst>
       <p:ext uri="{BB962C8B-B14F-4D97-AF65-F5344CB8AC3E}">
-        <p14:creationId xmlns:p14="http://schemas.microsoft.com/office/powerpoint/2010/main" val="3355191109"/>
+        <p14:creationId xmlns:p14="http://schemas.microsoft.com/office/powerpoint/2010/main" val="3324906449"/>
       </p:ext>
     </p:extLst>
   </p:cSld>
@@ -4284,7 +5789,7 @@
           <p:cNvPr id="2" name="Title 1">
             <a:extLst>
               <a:ext uri="{FF2B5EF4-FFF2-40B4-BE49-F238E27FC236}">
-                <a16:creationId xmlns:a16="http://schemas.microsoft.com/office/drawing/2014/main" id="{AF8569FE-036F-464D-9CC5-8E892ECB87E5}"/>
+                <a16:creationId xmlns:a16="http://schemas.microsoft.com/office/drawing/2014/main" id="{0F0E7B14-AF48-47EE-A9A1-6977F252E0F6}"/>
               </a:ext>
             </a:extLst>
           </p:cNvPr>
@@ -4297,26 +5802,25 @@
         </p:nvSpPr>
         <p:spPr/>
         <p:txBody>
-          <a:bodyPr>
-            <a:normAutofit/>
-          </a:bodyPr>
-          <a:lstStyle/>
-          <a:p>
-            <a:r>
-              <a:rPr lang="en-US" sz="3600" dirty="0">
+          <a:bodyPr/>
+          <a:lstStyle/>
+          <a:p>
+            <a:r>
+              <a:rPr lang="en-US" dirty="0">
                 <a:cs typeface="Calibri Light"/>
               </a:rPr>
-              <a:t>How I use VC | 2. Expanding software features safely</a:t>
-            </a:r>
+              <a:t>What is Git?</a:t>
+            </a:r>
+            <a:endParaRPr lang="en-US" dirty="0"/>
           </a:p>
         </p:txBody>
       </p:sp>
       <p:pic>
         <p:nvPicPr>
-          <p:cNvPr id="4" name="Picture 4" descr="A screenshot of a cell phone&#10;&#10;Description generated with very high confidence">
+          <p:cNvPr id="6" name="Picture 6" descr="A screenshot of a cell phone&#10;&#10;Description generated with very high confidence">
             <a:extLst>
               <a:ext uri="{FF2B5EF4-FFF2-40B4-BE49-F238E27FC236}">
-                <a16:creationId xmlns:a16="http://schemas.microsoft.com/office/drawing/2014/main" id="{AB2009FE-DFFA-4F1A-BC54-7EADC34B6DCF}"/>
+                <a16:creationId xmlns:a16="http://schemas.microsoft.com/office/drawing/2014/main" id="{C2B32DD8-A45D-4162-A553-98E3ED76A446}"/>
               </a:ext>
             </a:extLst>
           </p:cNvPr>
@@ -4327,13 +5831,13 @@
         </p:nvPicPr>
         <p:blipFill rotWithShape="1">
           <a:blip r:embed="rId2"/>
-          <a:srcRect t="10182" r="-397"/>
+          <a:srcRect b="45156"/>
           <a:stretch/>
         </p:blipFill>
         <p:spPr>
           <a:xfrm>
-            <a:off x="740989" y="2970708"/>
-            <a:ext cx="2074615" cy="2023348"/>
+            <a:off x="4357083" y="131463"/>
+            <a:ext cx="7782540" cy="3610543"/>
           </a:xfrm>
           <a:prstGeom prst="rect">
             <a:avLst/>
@@ -4342,10 +5846,10 @@
       </p:pic>
       <p:sp>
         <p:nvSpPr>
-          <p:cNvPr id="10" name="TextBox 9">
+          <p:cNvPr id="8" name="TextBox 7">
             <a:extLst>
               <a:ext uri="{FF2B5EF4-FFF2-40B4-BE49-F238E27FC236}">
-                <a16:creationId xmlns:a16="http://schemas.microsoft.com/office/drawing/2014/main" id="{EA29421F-A572-4158-94C8-B8DCDA1BBC56}"/>
+                <a16:creationId xmlns:a16="http://schemas.microsoft.com/office/drawing/2014/main" id="{5A3F5055-D2C0-41D6-9D02-9C610C16B22E}"/>
               </a:ext>
             </a:extLst>
           </p:cNvPr>
@@ -4354,8 +5858,8 @@
         </p:nvSpPr>
         <p:spPr>
           <a:xfrm>
-            <a:off x="1233948" y="2626851"/>
-            <a:ext cx="1104491" cy="369332"/>
+            <a:off x="838200" y="1621177"/>
+            <a:ext cx="3518883" cy="5016758"/>
           </a:xfrm>
           <a:prstGeom prst="rect">
             <a:avLst/>
@@ -4372,20 +5876,164 @@
           <a:lstStyle/>
           <a:p>
             <a:r>
-              <a:rPr lang="en-US" dirty="0">
-                <a:cs typeface="Calibri"/>
-              </a:rPr>
-              <a:t>Branches</a:t>
-            </a:r>
-          </a:p>
-        </p:txBody>
-      </p:sp>
-      <p:sp>
-        <p:nvSpPr>
-          <p:cNvPr id="11" name="TextBox 10">
+              <a:rPr lang="en-US" sz="2000" b="1" dirty="0"/>
+              <a:t>Git</a:t>
+            </a:r>
+            <a:r>
+              <a:rPr lang="en-US" sz="2000" dirty="0"/>
+              <a:t> is the specific version control software most people use today.</a:t>
+            </a:r>
+            <a:r>
+              <a:rPr lang="en-US" dirty="0"/>
+              <a:t> </a:t>
+            </a:r>
+          </a:p>
+          <a:p>
+            <a:endParaRPr lang="en-US" sz="1000" dirty="0">
+              <a:cs typeface="Calibri"/>
+            </a:endParaRPr>
+          </a:p>
+          <a:p>
+            <a:r>
+              <a:rPr lang="en-US" sz="2000" dirty="0">
+                <a:cs typeface="Calibri"/>
+              </a:rPr>
+              <a:t>1. </a:t>
+            </a:r>
+            <a:r>
+              <a:rPr lang="en-US" sz="2000" dirty="0">
+                <a:highlight>
+                  <a:srgbClr val="C0C0C0"/>
+                </a:highlight>
+                <a:latin typeface="Consolas"/>
+                <a:cs typeface="Calibri"/>
+              </a:rPr>
+              <a:t>git </a:t>
+            </a:r>
+            <a:r>
+              <a:rPr lang="en-US" sz="2000" dirty="0" err="1">
+                <a:highlight>
+                  <a:srgbClr val="C0C0C0"/>
+                </a:highlight>
+                <a:latin typeface="Consolas"/>
+                <a:cs typeface="Calibri"/>
+              </a:rPr>
+              <a:t>init</a:t>
+            </a:r>
+            <a:r>
+              <a:rPr lang="en-US" sz="2000" dirty="0">
+                <a:cs typeface="Calibri"/>
+              </a:rPr>
+              <a:t>: Have a local folder (repo) point to a remote location.</a:t>
+            </a:r>
+          </a:p>
+          <a:p>
+            <a:endParaRPr lang="en-US" sz="1000" dirty="0">
+              <a:cs typeface="Calibri"/>
+            </a:endParaRPr>
+          </a:p>
+          <a:p>
+            <a:r>
+              <a:rPr lang="en-US" sz="2000" dirty="0">
+                <a:cs typeface="Calibri"/>
+              </a:rPr>
+              <a:t>2. </a:t>
+            </a:r>
+            <a:r>
+              <a:rPr lang="en-US" sz="2000" dirty="0">
+                <a:highlight>
+                  <a:srgbClr val="C0C0C0"/>
+                </a:highlight>
+                <a:latin typeface="Consolas"/>
+                <a:cs typeface="Calibri"/>
+              </a:rPr>
+              <a:t>git add</a:t>
+            </a:r>
+            <a:r>
+              <a:rPr lang="en-US" sz="2000" dirty="0">
+                <a:cs typeface="Calibri"/>
+              </a:rPr>
+              <a:t>: Add new local files to a "staging" area.</a:t>
+            </a:r>
+          </a:p>
+          <a:p>
+            <a:endParaRPr lang="en-US" sz="1000" dirty="0">
+              <a:cs typeface="Calibri"/>
+            </a:endParaRPr>
+          </a:p>
+          <a:p>
+            <a:r>
+              <a:rPr lang="en-US" sz="2000" dirty="0">
+                <a:cs typeface="Calibri"/>
+              </a:rPr>
+              <a:t>3. </a:t>
+            </a:r>
+            <a:r>
+              <a:rPr lang="en-US" sz="2000" dirty="0">
+                <a:highlight>
+                  <a:srgbClr val="C0C0C0"/>
+                </a:highlight>
+                <a:latin typeface="Consolas"/>
+                <a:cs typeface="Calibri"/>
+              </a:rPr>
+              <a:t>git commit</a:t>
+            </a:r>
+            <a:r>
+              <a:rPr lang="en-US" sz="2000" dirty="0">
+                <a:cs typeface="Calibri"/>
+              </a:rPr>
+              <a:t>: Associate these additions with a unique identifier. </a:t>
+            </a:r>
+          </a:p>
+          <a:p>
+            <a:endParaRPr lang="en-US" sz="1000" dirty="0">
+              <a:cs typeface="Calibri"/>
+            </a:endParaRPr>
+          </a:p>
+          <a:p>
+            <a:r>
+              <a:rPr lang="en-US" sz="2000" dirty="0">
+                <a:cs typeface="Calibri"/>
+              </a:rPr>
+              <a:t>4. </a:t>
+            </a:r>
+            <a:r>
+              <a:rPr lang="en-US" sz="2000" dirty="0">
+                <a:highlight>
+                  <a:srgbClr val="C0C0C0"/>
+                </a:highlight>
+                <a:latin typeface="Consolas"/>
+                <a:cs typeface="Calibri"/>
+              </a:rPr>
+              <a:t>git push</a:t>
+            </a:r>
+            <a:r>
+              <a:rPr lang="en-US" sz="2000" dirty="0">
+                <a:cs typeface="Calibri"/>
+              </a:rPr>
+              <a:t>: Finally, make changes in a remote location (</a:t>
+            </a:r>
+            <a:r>
+              <a:rPr lang="en-US" sz="2000" dirty="0" err="1">
+                <a:cs typeface="Calibri"/>
+              </a:rPr>
+              <a:t>ie</a:t>
+            </a:r>
+            <a:r>
+              <a:rPr lang="en-US" sz="2000" dirty="0">
+                <a:cs typeface="Calibri"/>
+              </a:rPr>
+              <a:t> GitHub's servers).</a:t>
+            </a:r>
+          </a:p>
+        </p:txBody>
+      </p:sp>
+      <p:sp>
+        <p:nvSpPr>
+          <p:cNvPr id="9" name="TextBox 8">
             <a:extLst>
               <a:ext uri="{FF2B5EF4-FFF2-40B4-BE49-F238E27FC236}">
-                <a16:creationId xmlns:a16="http://schemas.microsoft.com/office/drawing/2014/main" id="{5D6D1D1D-91C4-4962-A88D-8F0FE6066A64}"/>
+                <a16:creationId xmlns:a16="http://schemas.microsoft.com/office/drawing/2014/main" id="{65D3AB15-0FD2-420F-A1CE-5032FB0E2729}"/>
               </a:ext>
             </a:extLst>
           </p:cNvPr>
@@ -4394,8 +6042,8 @@
         </p:nvSpPr>
         <p:spPr>
           <a:xfrm>
-            <a:off x="5072114" y="3597274"/>
-            <a:ext cx="932425" cy="923330"/>
+            <a:off x="4511368" y="6518787"/>
+            <a:ext cx="6921909" cy="246221"/>
           </a:xfrm>
           <a:prstGeom prst="rect">
             <a:avLst/>
@@ -4412,442 +6060,19 @@
           <a:lstStyle/>
           <a:p>
             <a:r>
-              <a:rPr lang="en-US" b="1" dirty="0"/>
-              <a:t>File A</a:t>
-            </a:r>
-            <a:endParaRPr lang="en-US" b="1" dirty="0">
-              <a:cs typeface="Calibri"/>
-            </a:endParaRPr>
-          </a:p>
-          <a:p>
-            <a:r>
-              <a:rPr lang="en-US" b="1" dirty="0">
-                <a:cs typeface="Calibri"/>
-              </a:rPr>
-              <a:t>File B</a:t>
-            </a:r>
-          </a:p>
-          <a:p>
-            <a:r>
-              <a:rPr lang="en-US" b="1" dirty="0">
-                <a:cs typeface="Calibri"/>
-              </a:rPr>
-              <a:t>File C</a:t>
-            </a:r>
-          </a:p>
-        </p:txBody>
-      </p:sp>
-      <p:sp>
-        <p:nvSpPr>
-          <p:cNvPr id="14" name="TextBox 13">
-            <a:extLst>
-              <a:ext uri="{FF2B5EF4-FFF2-40B4-BE49-F238E27FC236}">
-                <a16:creationId xmlns:a16="http://schemas.microsoft.com/office/drawing/2014/main" id="{5CAB5344-EFCA-4931-A2E6-BAD501C0F09A}"/>
-              </a:ext>
-            </a:extLst>
-          </p:cNvPr>
-          <p:cNvSpPr txBox="1"/>
-          <p:nvPr/>
-        </p:nvSpPr>
-        <p:spPr>
-          <a:xfrm>
-            <a:off x="5063920" y="4809919"/>
-            <a:ext cx="932425" cy="1200329"/>
-          </a:xfrm>
-          <a:prstGeom prst="rect">
-            <a:avLst/>
-          </a:prstGeom>
-          <a:noFill/>
-        </p:spPr>
-        <p:txBody>
-          <a:bodyPr rot="0" spcFirstLastPara="0" vertOverflow="overflow" horzOverflow="overflow" vert="horz" wrap="square" lIns="91440" tIns="45720" rIns="91440" bIns="45720" numCol="1" spcCol="0" rtlCol="0" fromWordArt="0" anchor="t" anchorCtr="0" forceAA="0" compatLnSpc="1">
-            <a:prstTxWarp prst="textNoShape">
-              <a:avLst/>
-            </a:prstTxWarp>
-            <a:spAutoFit/>
-          </a:bodyPr>
-          <a:lstStyle/>
-          <a:p>
-            <a:r>
-              <a:rPr lang="en-US" dirty="0"/>
-              <a:t>File A</a:t>
-            </a:r>
-          </a:p>
-          <a:p>
-            <a:r>
-              <a:rPr lang="en-US" dirty="0">
-                <a:cs typeface="Calibri"/>
-              </a:rPr>
-              <a:t>File B</a:t>
-            </a:r>
-          </a:p>
-          <a:p>
-            <a:r>
-              <a:rPr lang="en-US" dirty="0">
-                <a:cs typeface="Calibri"/>
-              </a:rPr>
-              <a:t>File C</a:t>
-            </a:r>
-          </a:p>
-          <a:p>
-            <a:r>
-              <a:rPr lang="en-US" b="1" dirty="0">
-                <a:solidFill>
-                  <a:srgbClr val="FF0000"/>
-                </a:solidFill>
-                <a:cs typeface="Calibri"/>
-              </a:rPr>
-              <a:t>File D</a:t>
-            </a:r>
-          </a:p>
-        </p:txBody>
-      </p:sp>
-      <p:sp>
-        <p:nvSpPr>
-          <p:cNvPr id="15" name="TextBox 14">
-            <a:extLst>
-              <a:ext uri="{FF2B5EF4-FFF2-40B4-BE49-F238E27FC236}">
-                <a16:creationId xmlns:a16="http://schemas.microsoft.com/office/drawing/2014/main" id="{F8646F60-1692-4EF0-8A69-712C4BA25702}"/>
-              </a:ext>
-            </a:extLst>
-          </p:cNvPr>
-          <p:cNvSpPr txBox="1"/>
-          <p:nvPr/>
-        </p:nvSpPr>
-        <p:spPr>
-          <a:xfrm>
-            <a:off x="5063920" y="1884822"/>
-            <a:ext cx="932425" cy="923330"/>
-          </a:xfrm>
-          <a:prstGeom prst="rect">
-            <a:avLst/>
-          </a:prstGeom>
-          <a:noFill/>
-        </p:spPr>
-        <p:txBody>
-          <a:bodyPr rot="0" spcFirstLastPara="0" vertOverflow="overflow" horzOverflow="overflow" vert="horz" wrap="square" lIns="91440" tIns="45720" rIns="91440" bIns="45720" numCol="1" spcCol="0" rtlCol="0" fromWordArt="0" anchor="t" anchorCtr="0" forceAA="0" compatLnSpc="1">
-            <a:prstTxWarp prst="textNoShape">
-              <a:avLst/>
-            </a:prstTxWarp>
-            <a:spAutoFit/>
-          </a:bodyPr>
-          <a:lstStyle/>
-          <a:p>
-            <a:r>
-              <a:rPr lang="en-US" dirty="0"/>
-              <a:t>File A</a:t>
-            </a:r>
-          </a:p>
-          <a:p>
-            <a:r>
-              <a:rPr lang="en-US" b="1" dirty="0">
-                <a:solidFill>
-                  <a:schemeClr val="accent2">
-                    <a:lumMod val="75000"/>
-                  </a:schemeClr>
-                </a:solidFill>
-                <a:cs typeface="Calibri"/>
-              </a:rPr>
-              <a:t>File B'</a:t>
-            </a:r>
-          </a:p>
-          <a:p>
-            <a:r>
-              <a:rPr lang="en-US" b="1" dirty="0">
-                <a:solidFill>
-                  <a:schemeClr val="accent2">
-                    <a:lumMod val="75000"/>
-                  </a:schemeClr>
-                </a:solidFill>
-                <a:cs typeface="Calibri"/>
-              </a:rPr>
-              <a:t>File C"</a:t>
-            </a:r>
-          </a:p>
-        </p:txBody>
-      </p:sp>
-      <p:cxnSp>
-        <p:nvCxnSpPr>
-          <p:cNvPr id="16" name="Straight Arrow Connector 15">
-            <a:extLst>
-              <a:ext uri="{FF2B5EF4-FFF2-40B4-BE49-F238E27FC236}">
-                <a16:creationId xmlns:a16="http://schemas.microsoft.com/office/drawing/2014/main" id="{DEDE22EB-5364-4FD2-A914-991B1E2455AB}"/>
-              </a:ext>
-            </a:extLst>
-          </p:cNvPr>
-          <p:cNvCxnSpPr/>
-          <p:nvPr/>
-        </p:nvCxnSpPr>
-        <p:spPr>
-          <a:xfrm>
-            <a:off x="2614355" y="4101484"/>
-            <a:ext cx="2679291" cy="8193"/>
-          </a:xfrm>
-          <a:prstGeom prst="straightConnector1">
-            <a:avLst/>
-          </a:prstGeom>
-          <a:ln w="28575"/>
-        </p:spPr>
-        <p:style>
-          <a:lnRef idx="1">
-            <a:schemeClr val="accent1"/>
-          </a:lnRef>
-          <a:fillRef idx="0">
-            <a:schemeClr val="accent1"/>
-          </a:fillRef>
-          <a:effectRef idx="0">
-            <a:schemeClr val="accent1"/>
-          </a:effectRef>
-          <a:fontRef idx="minor">
-            <a:schemeClr val="tx1"/>
-          </a:fontRef>
-        </p:style>
-      </p:cxnSp>
-      <p:cxnSp>
-        <p:nvCxnSpPr>
-          <p:cNvPr id="17" name="Straight Arrow Connector 16">
-            <a:extLst>
-              <a:ext uri="{FF2B5EF4-FFF2-40B4-BE49-F238E27FC236}">
-                <a16:creationId xmlns:a16="http://schemas.microsoft.com/office/drawing/2014/main" id="{2EC5C4B8-A2EB-43FB-8C02-C08E70CAFCD9}"/>
-              </a:ext>
-            </a:extLst>
-          </p:cNvPr>
-          <p:cNvCxnSpPr>
-            <a:cxnSpLocks/>
-          </p:cNvCxnSpPr>
-          <p:nvPr/>
-        </p:nvCxnSpPr>
-        <p:spPr>
-          <a:xfrm flipV="1">
-            <a:off x="2835580" y="2364451"/>
-            <a:ext cx="2212261" cy="729226"/>
-          </a:xfrm>
-          <a:prstGeom prst="straightConnector1">
-            <a:avLst/>
-          </a:prstGeom>
-          <a:ln w="28575"/>
-        </p:spPr>
-        <p:style>
-          <a:lnRef idx="1">
-            <a:schemeClr val="accent1"/>
-          </a:lnRef>
-          <a:fillRef idx="0">
-            <a:schemeClr val="accent1"/>
-          </a:fillRef>
-          <a:effectRef idx="0">
-            <a:schemeClr val="accent1"/>
-          </a:effectRef>
-          <a:fontRef idx="minor">
-            <a:schemeClr val="tx1"/>
-          </a:fontRef>
-        </p:style>
-      </p:cxnSp>
-      <p:cxnSp>
-        <p:nvCxnSpPr>
-          <p:cNvPr id="18" name="Straight Arrow Connector 17">
-            <a:extLst>
-              <a:ext uri="{FF2B5EF4-FFF2-40B4-BE49-F238E27FC236}">
-                <a16:creationId xmlns:a16="http://schemas.microsoft.com/office/drawing/2014/main" id="{1BF1ACDA-7509-4966-82FA-F39EC8EC3D0B}"/>
-              </a:ext>
-            </a:extLst>
-          </p:cNvPr>
-          <p:cNvCxnSpPr>
-            <a:cxnSpLocks/>
-          </p:cNvCxnSpPr>
-          <p:nvPr/>
-        </p:nvCxnSpPr>
-        <p:spPr>
-          <a:xfrm>
-            <a:off x="2876547" y="4847097"/>
-            <a:ext cx="2105745" cy="524386"/>
-          </a:xfrm>
-          <a:prstGeom prst="straightConnector1">
-            <a:avLst/>
-          </a:prstGeom>
-          <a:ln w="28575"/>
-        </p:spPr>
-        <p:style>
-          <a:lnRef idx="1">
-            <a:schemeClr val="accent1"/>
-          </a:lnRef>
-          <a:fillRef idx="0">
-            <a:schemeClr val="accent1"/>
-          </a:fillRef>
-          <a:effectRef idx="0">
-            <a:schemeClr val="accent1"/>
-          </a:effectRef>
-          <a:fontRef idx="minor">
-            <a:schemeClr val="tx1"/>
-          </a:fontRef>
-        </p:style>
-      </p:cxnSp>
-      <p:sp>
-        <p:nvSpPr>
-          <p:cNvPr id="19" name="TextBox 18">
-            <a:extLst>
-              <a:ext uri="{FF2B5EF4-FFF2-40B4-BE49-F238E27FC236}">
-                <a16:creationId xmlns:a16="http://schemas.microsoft.com/office/drawing/2014/main" id="{04B9635D-6D77-420A-84AA-D023131C22C0}"/>
-              </a:ext>
-            </a:extLst>
-          </p:cNvPr>
-          <p:cNvSpPr txBox="1"/>
-          <p:nvPr/>
-        </p:nvSpPr>
-        <p:spPr>
-          <a:xfrm>
-            <a:off x="4890831" y="3227540"/>
-            <a:ext cx="2849715" cy="369332"/>
-          </a:xfrm>
-          <a:prstGeom prst="rect">
-            <a:avLst/>
-          </a:prstGeom>
-          <a:noFill/>
-        </p:spPr>
-        <p:txBody>
-          <a:bodyPr rot="0" spcFirstLastPara="0" vertOverflow="overflow" horzOverflow="overflow" vert="horz" wrap="square" lIns="91440" tIns="45720" rIns="91440" bIns="45720" numCol="1" spcCol="0" rtlCol="0" fromWordArt="0" anchor="t" anchorCtr="0" forceAA="0" compatLnSpc="1">
-            <a:prstTxWarp prst="textNoShape">
-              <a:avLst/>
-            </a:prstTxWarp>
-            <a:spAutoFit/>
-          </a:bodyPr>
-          <a:lstStyle/>
-          <a:p>
-            <a:r>
-              <a:rPr lang="en-US" b="1" dirty="0"/>
-              <a:t>Version 1.0 - in production</a:t>
-            </a:r>
-            <a:endParaRPr lang="en-US" b="1">
-              <a:cs typeface="Calibri"/>
-            </a:endParaRPr>
-          </a:p>
-        </p:txBody>
-      </p:sp>
-      <p:sp>
-        <p:nvSpPr>
-          <p:cNvPr id="20" name="TextBox 19">
-            <a:extLst>
-              <a:ext uri="{FF2B5EF4-FFF2-40B4-BE49-F238E27FC236}">
-                <a16:creationId xmlns:a16="http://schemas.microsoft.com/office/drawing/2014/main" id="{79E1D5FA-D516-4E7B-ABC4-699F1B3F558B}"/>
-              </a:ext>
-            </a:extLst>
-          </p:cNvPr>
-          <p:cNvSpPr txBox="1"/>
-          <p:nvPr/>
-        </p:nvSpPr>
-        <p:spPr>
-          <a:xfrm>
-            <a:off x="4890831" y="1441346"/>
-            <a:ext cx="2849715" cy="369332"/>
-          </a:xfrm>
-          <a:prstGeom prst="rect">
-            <a:avLst/>
-          </a:prstGeom>
-          <a:noFill/>
-        </p:spPr>
-        <p:txBody>
-          <a:bodyPr rot="0" spcFirstLastPara="0" vertOverflow="overflow" horzOverflow="overflow" vert="horz" wrap="square" lIns="91440" tIns="45720" rIns="91440" bIns="45720" numCol="1" spcCol="0" rtlCol="0" fromWordArt="0" anchor="t" anchorCtr="0" forceAA="0" compatLnSpc="1">
-            <a:prstTxWarp prst="textNoShape">
-              <a:avLst/>
-            </a:prstTxWarp>
-            <a:spAutoFit/>
-          </a:bodyPr>
-          <a:lstStyle/>
-          <a:p>
-            <a:r>
-              <a:rPr lang="en-US" b="1" dirty="0"/>
-              <a:t>Version 1.1 - improvements</a:t>
-            </a:r>
-            <a:endParaRPr lang="en-US" b="1">
-              <a:cs typeface="Calibri"/>
-            </a:endParaRPr>
-          </a:p>
-        </p:txBody>
-      </p:sp>
-      <p:sp>
-        <p:nvSpPr>
-          <p:cNvPr id="21" name="TextBox 20">
-            <a:extLst>
-              <a:ext uri="{FF2B5EF4-FFF2-40B4-BE49-F238E27FC236}">
-                <a16:creationId xmlns:a16="http://schemas.microsoft.com/office/drawing/2014/main" id="{CA554ACF-76AA-42F3-A246-84590B523753}"/>
-              </a:ext>
-            </a:extLst>
-          </p:cNvPr>
-          <p:cNvSpPr txBox="1"/>
-          <p:nvPr/>
-        </p:nvSpPr>
-        <p:spPr>
-          <a:xfrm>
-            <a:off x="4890831" y="4546701"/>
-            <a:ext cx="2849715" cy="369332"/>
-          </a:xfrm>
-          <a:prstGeom prst="rect">
-            <a:avLst/>
-          </a:prstGeom>
-          <a:noFill/>
-        </p:spPr>
-        <p:txBody>
-          <a:bodyPr rot="0" spcFirstLastPara="0" vertOverflow="overflow" horzOverflow="overflow" vert="horz" wrap="square" lIns="91440" tIns="45720" rIns="91440" bIns="45720" numCol="1" spcCol="0" rtlCol="0" fromWordArt="0" anchor="t" anchorCtr="0" forceAA="0" compatLnSpc="1">
-            <a:prstTxWarp prst="textNoShape">
-              <a:avLst/>
-            </a:prstTxWarp>
-            <a:spAutoFit/>
-          </a:bodyPr>
-          <a:lstStyle/>
-          <a:p>
-            <a:r>
-              <a:rPr lang="en-US" b="1" dirty="0"/>
-              <a:t>Version 1.X - experimental</a:t>
-            </a:r>
-            <a:endParaRPr lang="en-US" b="1" dirty="0">
-              <a:cs typeface="Calibri"/>
-            </a:endParaRPr>
-          </a:p>
-        </p:txBody>
-      </p:sp>
-      <p:sp>
-        <p:nvSpPr>
-          <p:cNvPr id="23" name="TextBox 22">
-            <a:extLst>
-              <a:ext uri="{FF2B5EF4-FFF2-40B4-BE49-F238E27FC236}">
-                <a16:creationId xmlns:a16="http://schemas.microsoft.com/office/drawing/2014/main" id="{EDBE40A6-5C05-497D-AC32-F6A3B8B7F492}"/>
-              </a:ext>
-            </a:extLst>
-          </p:cNvPr>
-          <p:cNvSpPr txBox="1"/>
-          <p:nvPr/>
-        </p:nvSpPr>
-        <p:spPr>
-          <a:xfrm>
-            <a:off x="8468851" y="2430205"/>
-            <a:ext cx="3324938" cy="2308324"/>
-          </a:xfrm>
-          <a:prstGeom prst="rect">
-            <a:avLst/>
-          </a:prstGeom>
-          <a:noFill/>
-        </p:spPr>
-        <p:txBody>
-          <a:bodyPr rot="0" spcFirstLastPara="0" vertOverflow="overflow" horzOverflow="overflow" vert="horz" wrap="square" lIns="91440" tIns="45720" rIns="91440" bIns="45720" numCol="1" spcCol="0" rtlCol="0" fromWordArt="0" anchor="t" anchorCtr="0" forceAA="0" compatLnSpc="1">
-            <a:prstTxWarp prst="textNoShape">
-              <a:avLst/>
-            </a:prstTxWarp>
-            <a:spAutoFit/>
-          </a:bodyPr>
-          <a:lstStyle/>
-          <a:p>
-            <a:r>
-              <a:rPr lang="en-US" sz="2400" dirty="0">
-                <a:cs typeface="Calibri"/>
-              </a:rPr>
-              <a:t>We can keep different versions of software in a single database, rather than have multiple folders of the same code in our local machine.</a:t>
-            </a:r>
+              <a:rPr lang="en-US" sz="1000" dirty="0">
+                <a:hlinkClick r:id="rId3"/>
+              </a:rPr>
+              <a:t>https://www.reddit.com/r/git/comments/99ul9f/git_workflow_diagram_showcasing_the_role_of/</a:t>
+            </a:r>
+            <a:endParaRPr lang="en-US" sz="1000" dirty="0"/>
           </a:p>
         </p:txBody>
       </p:sp>
     </p:spTree>
     <p:extLst>
       <p:ext uri="{BB962C8B-B14F-4D97-AF65-F5344CB8AC3E}">
-        <p14:creationId xmlns:p14="http://schemas.microsoft.com/office/powerpoint/2010/main" val="3771910790"/>
+        <p14:creationId xmlns:p14="http://schemas.microsoft.com/office/powerpoint/2010/main" val="49943869"/>
       </p:ext>
     </p:extLst>
   </p:cSld>
@@ -4879,7 +6104,7 @@
           <p:cNvPr id="2" name="Title 1">
             <a:extLst>
               <a:ext uri="{FF2B5EF4-FFF2-40B4-BE49-F238E27FC236}">
-                <a16:creationId xmlns:a16="http://schemas.microsoft.com/office/drawing/2014/main" id="{AF8569FE-036F-464D-9CC5-8E892ECB87E5}"/>
+                <a16:creationId xmlns:a16="http://schemas.microsoft.com/office/drawing/2014/main" id="{0F0E7B14-AF48-47EE-A9A1-6977F252E0F6}"/>
               </a:ext>
             </a:extLst>
           </p:cNvPr>
@@ -4896,16 +6121,10 @@
           <a:lstStyle/>
           <a:p>
             <a:r>
-              <a:rPr lang="en-US" sz="3600" dirty="0">
-                <a:cs typeface="Calibri Light"/>
-              </a:rPr>
-              <a:t>How I use VC | 3. Sharing and distributing "live" code</a:t>
-            </a:r>
-            <a:r>
               <a:rPr lang="en-US" dirty="0">
                 <a:cs typeface="Calibri Light"/>
               </a:rPr>
-              <a:t> </a:t>
+              <a:t>What is Git?</a:t>
             </a:r>
             <a:endParaRPr lang="en-US" dirty="0"/>
           </a:p>
@@ -4913,10 +6132,10 @@
       </p:sp>
       <p:pic>
         <p:nvPicPr>
-          <p:cNvPr id="4" name="Picture 4" descr="A screenshot of a cell phone&#10;&#10;Description generated with very high confidence">
+          <p:cNvPr id="6" name="Picture 6" descr="A screenshot of a cell phone&#10;&#10;Description generated with very high confidence">
             <a:extLst>
               <a:ext uri="{FF2B5EF4-FFF2-40B4-BE49-F238E27FC236}">
-                <a16:creationId xmlns:a16="http://schemas.microsoft.com/office/drawing/2014/main" id="{E6FB9032-DA85-4A51-9FA4-9FBE87CB6DA9}"/>
+                <a16:creationId xmlns:a16="http://schemas.microsoft.com/office/drawing/2014/main" id="{C2B32DD8-A45D-4162-A553-98E3ED76A446}"/>
               </a:ext>
             </a:extLst>
           </p:cNvPr>
@@ -4933,8 +6152,8 @@
         </p:blipFill>
         <p:spPr>
           <a:xfrm>
-            <a:off x="841829" y="2031698"/>
-            <a:ext cx="10943770" cy="4481888"/>
+            <a:off x="4357083" y="131463"/>
+            <a:ext cx="7782540" cy="6583323"/>
           </a:xfrm>
           <a:prstGeom prst="rect">
             <a:avLst/>
@@ -4943,10 +6162,10 @@
       </p:pic>
       <p:sp>
         <p:nvSpPr>
-          <p:cNvPr id="6" name="TextBox 5">
+          <p:cNvPr id="8" name="TextBox 7">
             <a:extLst>
               <a:ext uri="{FF2B5EF4-FFF2-40B4-BE49-F238E27FC236}">
-                <a16:creationId xmlns:a16="http://schemas.microsoft.com/office/drawing/2014/main" id="{D4DD7A09-3424-4A70-B690-3F27BF52DE39}"/>
+                <a16:creationId xmlns:a16="http://schemas.microsoft.com/office/drawing/2014/main" id="{5A3F5055-D2C0-41D6-9D02-9C610C16B22E}"/>
               </a:ext>
             </a:extLst>
           </p:cNvPr>
@@ -4955,8 +6174,8 @@
         </p:nvSpPr>
         <p:spPr>
           <a:xfrm>
-            <a:off x="807884" y="1635431"/>
-            <a:ext cx="2243392" cy="369332"/>
+            <a:off x="840658" y="1627238"/>
+            <a:ext cx="3521585" cy="4154984"/>
           </a:xfrm>
           <a:prstGeom prst="rect">
             <a:avLst/>
@@ -4973,28 +6192,251 @@
           <a:lstStyle/>
           <a:p>
             <a:r>
-              <a:rPr lang="en-US" b="1" dirty="0">
-                <a:solidFill>
-                  <a:srgbClr val="FF0000"/>
-                </a:solidFill>
-              </a:rPr>
-              <a:t>Old code</a:t>
-            </a:r>
-            <a:endParaRPr lang="en-US" b="1" dirty="0">
-              <a:solidFill>
-                <a:srgbClr val="FF0000"/>
-              </a:solidFill>
+              <a:rPr lang="en-US" dirty="0">
+                <a:cs typeface="Calibri"/>
+              </a:rPr>
+              <a:t>5</a:t>
+            </a:r>
+            <a:r>
+              <a:rPr lang="en-US" dirty="0" smtClean="0">
+                <a:cs typeface="Calibri"/>
+              </a:rPr>
+              <a:t>. </a:t>
+            </a:r>
+            <a:r>
+              <a:rPr lang="en-US" dirty="0" err="1">
+                <a:highlight>
+                  <a:srgbClr val="C0C0C0"/>
+                </a:highlight>
+                <a:latin typeface="Consolas"/>
+                <a:cs typeface="Calibri"/>
+              </a:rPr>
+              <a:t>git</a:t>
+            </a:r>
+            <a:r>
+              <a:rPr lang="en-US" dirty="0">
+                <a:highlight>
+                  <a:srgbClr val="C0C0C0"/>
+                </a:highlight>
+                <a:latin typeface="Consolas"/>
+                <a:cs typeface="Calibri"/>
+              </a:rPr>
+              <a:t> </a:t>
+            </a:r>
+            <a:r>
+              <a:rPr lang="en-US" dirty="0" smtClean="0">
+                <a:highlight>
+                  <a:srgbClr val="C0C0C0"/>
+                </a:highlight>
+                <a:latin typeface="Consolas"/>
+                <a:cs typeface="Calibri"/>
+              </a:rPr>
+              <a:t>fetch</a:t>
+            </a:r>
+            <a:r>
+              <a:rPr lang="en-US" dirty="0" smtClean="0">
+                <a:cs typeface="Calibri"/>
+              </a:rPr>
+              <a:t>: Find remote branches and track them locally.</a:t>
+            </a:r>
+            <a:endParaRPr lang="en-US" dirty="0">
               <a:cs typeface="Calibri"/>
             </a:endParaRPr>
           </a:p>
-        </p:txBody>
-      </p:sp>
-      <p:sp>
-        <p:nvSpPr>
-          <p:cNvPr id="7" name="TextBox 6">
+          <a:p>
+            <a:endParaRPr lang="en-US" sz="1000" dirty="0">
+              <a:cs typeface="Calibri"/>
+            </a:endParaRPr>
+          </a:p>
+          <a:p>
+            <a:r>
+              <a:rPr lang="en-US" dirty="0">
+                <a:cs typeface="Calibri"/>
+              </a:rPr>
+              <a:t>6</a:t>
+            </a:r>
+            <a:r>
+              <a:rPr lang="en-US" dirty="0" smtClean="0">
+                <a:cs typeface="Calibri"/>
+              </a:rPr>
+              <a:t>. </a:t>
+            </a:r>
+            <a:r>
+              <a:rPr lang="en-US" dirty="0" err="1">
+                <a:highlight>
+                  <a:srgbClr val="C0C0C0"/>
+                </a:highlight>
+                <a:latin typeface="Consolas"/>
+                <a:cs typeface="Calibri"/>
+              </a:rPr>
+              <a:t>git</a:t>
+            </a:r>
+            <a:r>
+              <a:rPr lang="en-US" dirty="0">
+                <a:highlight>
+                  <a:srgbClr val="C0C0C0"/>
+                </a:highlight>
+                <a:latin typeface="Consolas"/>
+                <a:cs typeface="Calibri"/>
+              </a:rPr>
+              <a:t> </a:t>
+            </a:r>
+            <a:r>
+              <a:rPr lang="en-US" dirty="0" smtClean="0">
+                <a:highlight>
+                  <a:srgbClr val="C0C0C0"/>
+                </a:highlight>
+                <a:latin typeface="Consolas"/>
+                <a:cs typeface="Calibri"/>
+              </a:rPr>
+              <a:t>pull</a:t>
+            </a:r>
+            <a:r>
+              <a:rPr lang="en-US" dirty="0" smtClean="0">
+                <a:cs typeface="Calibri"/>
+              </a:rPr>
+              <a:t>: Bring changes from the remote to your local directory</a:t>
+            </a:r>
+            <a:endParaRPr lang="en-US" dirty="0">
+              <a:cs typeface="Calibri"/>
+            </a:endParaRPr>
+          </a:p>
+          <a:p>
+            <a:endParaRPr lang="en-US" sz="1000" dirty="0">
+              <a:cs typeface="Calibri"/>
+            </a:endParaRPr>
+          </a:p>
+          <a:p>
+            <a:r>
+              <a:rPr lang="en-US" dirty="0">
+                <a:cs typeface="Calibri"/>
+              </a:rPr>
+              <a:t>7</a:t>
+            </a:r>
+            <a:r>
+              <a:rPr lang="en-US" dirty="0" smtClean="0">
+                <a:cs typeface="Calibri"/>
+              </a:rPr>
+              <a:t>. </a:t>
+            </a:r>
+            <a:r>
+              <a:rPr lang="en-US" dirty="0" err="1">
+                <a:highlight>
+                  <a:srgbClr val="C0C0C0"/>
+                </a:highlight>
+                <a:latin typeface="Consolas"/>
+                <a:cs typeface="Calibri"/>
+              </a:rPr>
+              <a:t>git</a:t>
+            </a:r>
+            <a:r>
+              <a:rPr lang="en-US" dirty="0">
+                <a:highlight>
+                  <a:srgbClr val="C0C0C0"/>
+                </a:highlight>
+                <a:latin typeface="Consolas"/>
+                <a:cs typeface="Calibri"/>
+              </a:rPr>
+              <a:t> </a:t>
+            </a:r>
+            <a:r>
+              <a:rPr lang="en-US" dirty="0" smtClean="0">
+                <a:highlight>
+                  <a:srgbClr val="C0C0C0"/>
+                </a:highlight>
+                <a:latin typeface="Consolas"/>
+                <a:cs typeface="Calibri"/>
+              </a:rPr>
+              <a:t>checkout</a:t>
+            </a:r>
+            <a:r>
+              <a:rPr lang="en-US" dirty="0" smtClean="0">
+                <a:cs typeface="Calibri"/>
+              </a:rPr>
+              <a:t>: If you have multiple branches with different content, this allows you to switch between branches.</a:t>
+            </a:r>
+            <a:endParaRPr lang="en-US" dirty="0">
+              <a:cs typeface="Calibri"/>
+            </a:endParaRPr>
+          </a:p>
+          <a:p>
+            <a:endParaRPr lang="en-US" sz="1000" dirty="0">
+              <a:cs typeface="Calibri"/>
+            </a:endParaRPr>
+          </a:p>
+          <a:p>
+            <a:r>
+              <a:rPr lang="en-US" dirty="0">
+                <a:cs typeface="Calibri"/>
+              </a:rPr>
+              <a:t>8</a:t>
+            </a:r>
+            <a:r>
+              <a:rPr lang="en-US" dirty="0" smtClean="0">
+                <a:cs typeface="Calibri"/>
+              </a:rPr>
+              <a:t>. </a:t>
+            </a:r>
+            <a:r>
+              <a:rPr lang="en-US" dirty="0" err="1">
+                <a:highlight>
+                  <a:srgbClr val="C0C0C0"/>
+                </a:highlight>
+                <a:latin typeface="Consolas"/>
+                <a:cs typeface="Calibri"/>
+              </a:rPr>
+              <a:t>git</a:t>
+            </a:r>
+            <a:r>
+              <a:rPr lang="en-US" dirty="0">
+                <a:highlight>
+                  <a:srgbClr val="C0C0C0"/>
+                </a:highlight>
+                <a:latin typeface="Consolas"/>
+                <a:cs typeface="Calibri"/>
+              </a:rPr>
+              <a:t> </a:t>
+            </a:r>
+            <a:r>
+              <a:rPr lang="en-US" dirty="0" smtClean="0">
+                <a:highlight>
+                  <a:srgbClr val="C0C0C0"/>
+                </a:highlight>
+                <a:latin typeface="Consolas"/>
+                <a:cs typeface="Calibri"/>
+              </a:rPr>
+              <a:t>merge/rebase</a:t>
+            </a:r>
+            <a:r>
+              <a:rPr lang="en-US" dirty="0" smtClean="0">
+                <a:cs typeface="Calibri"/>
+              </a:rPr>
+              <a:t>: If there are differences between the local and remote code, you need to eventuall</a:t>
+            </a:r>
+            <a:r>
+              <a:rPr lang="en-US" dirty="0" smtClean="0">
+                <a:cs typeface="Calibri"/>
+              </a:rPr>
+              <a:t>y </a:t>
+            </a:r>
+            <a:r>
+              <a:rPr lang="en-US" dirty="0" smtClean="0">
+                <a:cs typeface="Calibri"/>
+              </a:rPr>
+              <a:t>resolve those differences.</a:t>
+            </a:r>
+            <a:endParaRPr lang="en-US" dirty="0">
+              <a:cs typeface="Calibri"/>
+            </a:endParaRPr>
+          </a:p>
+        </p:txBody>
+      </p:sp>
+      <p:sp>
+        <p:nvSpPr>
+          <p:cNvPr id="9" name="TextBox 8">
             <a:extLst>
               <a:ext uri="{FF2B5EF4-FFF2-40B4-BE49-F238E27FC236}">
-                <a16:creationId xmlns:a16="http://schemas.microsoft.com/office/drawing/2014/main" id="{CDB2FA29-B2D6-4B87-B0B7-DA7085AC287F}"/>
+                <a16:creationId xmlns:a16="http://schemas.microsoft.com/office/drawing/2014/main" id="{65D3AB15-0FD2-420F-A1CE-5032FB0E2729}"/>
               </a:ext>
             </a:extLst>
           </p:cNvPr>
@@ -5003,8 +6445,8 @@
         </p:nvSpPr>
         <p:spPr>
           <a:xfrm>
-            <a:off x="7133303" y="1635431"/>
-            <a:ext cx="1563328" cy="369332"/>
+            <a:off x="4511368" y="6518787"/>
+            <a:ext cx="6921909" cy="246221"/>
           </a:xfrm>
           <a:prstGeom prst="rect">
             <a:avLst/>
@@ -5021,26 +6463,19 @@
           <a:lstStyle/>
           <a:p>
             <a:r>
-              <a:rPr lang="en-US" b="1" dirty="0">
-                <a:solidFill>
-                  <a:srgbClr val="00B050"/>
-                </a:solidFill>
-              </a:rPr>
-              <a:t>New code </a:t>
-            </a:r>
-            <a:endParaRPr lang="en-US" b="1" dirty="0">
-              <a:solidFill>
-                <a:srgbClr val="00B050"/>
-              </a:solidFill>
-              <a:cs typeface="Calibri"/>
-            </a:endParaRPr>
+              <a:rPr lang="en-US" sz="1000" dirty="0">
+                <a:hlinkClick r:id="rId3"/>
+              </a:rPr>
+              <a:t>https://www.reddit.com/r/git/comments/99ul9f/git_workflow_diagram_showcasing_the_role_of/</a:t>
+            </a:r>
+            <a:endParaRPr lang="en-US" sz="1000" dirty="0"/>
           </a:p>
         </p:txBody>
       </p:sp>
     </p:spTree>
     <p:extLst>
       <p:ext uri="{BB962C8B-B14F-4D97-AF65-F5344CB8AC3E}">
-        <p14:creationId xmlns:p14="http://schemas.microsoft.com/office/powerpoint/2010/main" val="2095884746"/>
+        <p14:creationId xmlns:p14="http://schemas.microsoft.com/office/powerpoint/2010/main" val="3748603997"/>
       </p:ext>
     </p:extLst>
   </p:cSld>
@@ -5072,7 +6507,7 @@
           <p:cNvPr id="2" name="Title 1">
             <a:extLst>
               <a:ext uri="{FF2B5EF4-FFF2-40B4-BE49-F238E27FC236}">
-                <a16:creationId xmlns:a16="http://schemas.microsoft.com/office/drawing/2014/main" id="{38902C25-7A27-4120-8920-F9F8C91EB3DD}"/>
+                <a16:creationId xmlns:a16="http://schemas.microsoft.com/office/drawing/2014/main" id="{A2E1FA3E-BA37-49BA-BC7A-01BA157380F9}"/>
               </a:ext>
             </a:extLst>
           </p:cNvPr>
@@ -5092,7 +6527,7 @@
               <a:rPr lang="en-US" dirty="0">
                 <a:cs typeface="Calibri Light"/>
               </a:rPr>
-              <a:t>What is version control?</a:t>
+              <a:t>What is GitHub?</a:t>
             </a:r>
             <a:endParaRPr lang="en-US" dirty="0"/>
           </a:p>
@@ -5103,7 +6538,7 @@
           <p:cNvPr id="3" name="Content Placeholder 2">
             <a:extLst>
               <a:ext uri="{FF2B5EF4-FFF2-40B4-BE49-F238E27FC236}">
-                <a16:creationId xmlns:a16="http://schemas.microsoft.com/office/drawing/2014/main" id="{E51C1ED7-578D-421F-843D-429F174BAA11}"/>
+                <a16:creationId xmlns:a16="http://schemas.microsoft.com/office/drawing/2014/main" id="{B955443B-6913-41D9-968B-F81B05FAA252}"/>
               </a:ext>
             </a:extLst>
           </p:cNvPr>
@@ -5116,13 +6551,13 @@
         </p:nvSpPr>
         <p:spPr>
           <a:xfrm>
-            <a:off x="838200" y="1825625"/>
-            <a:ext cx="5435600" cy="4351338"/>
+            <a:off x="690716" y="1817431"/>
+            <a:ext cx="5255342" cy="4351338"/>
           </a:xfrm>
         </p:spPr>
         <p:txBody>
           <a:bodyPr vert="horz" lIns="91440" tIns="45720" rIns="91440" bIns="45720" rtlCol="0" anchor="t">
-            <a:normAutofit fontScale="92500" lnSpcReduction="20000"/>
+            <a:normAutofit/>
           </a:bodyPr>
           <a:lstStyle/>
           <a:p>
@@ -5130,17 +6565,102 @@
               <a:buNone/>
             </a:pPr>
             <a:r>
-              <a:rPr lang="en-US" b="1" dirty="0">
-                <a:cs typeface="Calibri" panose="020F0502020204030204"/>
-              </a:rPr>
-              <a:t>Version control systems</a:t>
-            </a:r>
-            <a:r>
               <a:rPr lang="en-US" dirty="0">
                 <a:cs typeface="Calibri" panose="020F0502020204030204"/>
               </a:rPr>
-              <a:t> are software that allows teams to manage changes in code over time.</a:t>
-            </a:r>
+              <a:t>GitHub is </a:t>
+            </a:r>
+            <a:r>
+              <a:rPr lang="en-US" dirty="0" smtClean="0">
+                <a:cs typeface="Calibri" panose="020F0502020204030204"/>
+              </a:rPr>
+              <a:t>like the Facebook/LinkedIn </a:t>
+            </a:r>
+            <a:r>
+              <a:rPr lang="en-US" dirty="0">
+                <a:cs typeface="Calibri" panose="020F0502020204030204"/>
+              </a:rPr>
+              <a:t>for software </a:t>
+            </a:r>
+            <a:r>
+              <a:rPr lang="en-US" dirty="0" smtClean="0">
+                <a:cs typeface="Calibri" panose="020F0502020204030204"/>
+              </a:rPr>
+              <a:t>developers</a:t>
+            </a:r>
+            <a:endParaRPr lang="en-US" dirty="0">
+              <a:cs typeface="Calibri" panose="020F0502020204030204"/>
+            </a:endParaRPr>
+          </a:p>
+          <a:p>
+            <a:pPr marL="0" indent="0">
+              <a:buNone/>
+            </a:pPr>
+            <a:r>
+              <a:rPr lang="en-US" dirty="0" smtClean="0">
+                <a:cs typeface="Calibri" panose="020F0502020204030204"/>
+              </a:rPr>
+              <a:t>1</a:t>
+            </a:r>
+            <a:r>
+              <a:rPr lang="en-US" dirty="0">
+                <a:cs typeface="Calibri" panose="020F0502020204030204"/>
+              </a:rPr>
+              <a:t>. Publishing your </a:t>
+            </a:r>
+            <a:r>
+              <a:rPr lang="en-US" dirty="0" smtClean="0">
+                <a:cs typeface="Calibri" panose="020F0502020204030204"/>
+              </a:rPr>
+              <a:t>work</a:t>
+            </a:r>
+            <a:r>
+              <a:rPr lang="en-US" dirty="0" smtClean="0">
+                <a:cs typeface="Calibri" panose="020F0502020204030204"/>
+              </a:rPr>
+              <a:t> </a:t>
+            </a:r>
+            <a:r>
+              <a:rPr lang="en-US" dirty="0">
+                <a:cs typeface="Calibri" panose="020F0502020204030204"/>
+              </a:rPr>
+              <a:t>as a repo</a:t>
+            </a:r>
+            <a:endParaRPr lang="en-US" dirty="0"/>
+          </a:p>
+          <a:p>
+            <a:pPr marL="914400" lvl="1" indent="-457200"/>
+            <a:r>
+              <a:rPr lang="en-US" dirty="0">
+                <a:cs typeface="Calibri" panose="020F0502020204030204"/>
+              </a:rPr>
+              <a:t>Lab project </a:t>
+            </a:r>
+            <a:r>
+              <a:rPr lang="en-US" dirty="0" smtClean="0">
+                <a:cs typeface="Calibri" panose="020F0502020204030204"/>
+              </a:rPr>
+              <a:t>site: </a:t>
+            </a:r>
+            <a:r>
+              <a:rPr lang="en-US" dirty="0" smtClean="0">
+                <a:ea typeface="+mn-lt"/>
+                <a:cs typeface="+mn-lt"/>
+                <a:hlinkClick r:id="rId2"/>
+              </a:rPr>
+              <a:t>https</a:t>
+            </a:r>
+            <a:r>
+              <a:rPr lang="en-US" dirty="0">
+                <a:ea typeface="+mn-lt"/>
+                <a:cs typeface="+mn-lt"/>
+                <a:hlinkClick r:id="rId2"/>
+              </a:rPr>
+              <a:t>://github.com/sriram-lab</a:t>
+            </a:r>
+            <a:endParaRPr lang="en-US" dirty="0">
+              <a:cs typeface="Calibri" panose="020F0502020204030204"/>
+            </a:endParaRPr>
           </a:p>
           <a:p>
             <a:pPr marL="0" indent="0">
@@ -5154,95 +6674,18 @@
             <a:pPr marL="0" indent="0">
               <a:buNone/>
             </a:pPr>
-            <a:r>
-              <a:rPr lang="en-US" b="1" dirty="0">
-                <a:cs typeface="Calibri" panose="020F0502020204030204"/>
-              </a:rPr>
-              <a:t>Benefits of VC:</a:t>
-            </a:r>
-          </a:p>
-          <a:p>
-            <a:pPr marL="514350" indent="-514350">
-              <a:buAutoNum type="arabicPeriod"/>
-            </a:pPr>
-            <a:r>
-              <a:rPr lang="en-US" dirty="0">
-                <a:cs typeface="Calibri" panose="020F0502020204030204"/>
-              </a:rPr>
-              <a:t>Keep a complete history of every file</a:t>
-            </a:r>
-          </a:p>
-          <a:p>
-            <a:pPr marL="514350" indent="-514350">
-              <a:buAutoNum type="arabicPeriod"/>
-            </a:pPr>
-            <a:r>
-              <a:rPr lang="en-US" dirty="0">
-                <a:cs typeface="Calibri" panose="020F0502020204030204"/>
-              </a:rPr>
-              <a:t>Independent containers (branches) for different projects and a way to merge these branches</a:t>
-            </a:r>
-          </a:p>
-          <a:p>
-            <a:pPr marL="514350" indent="-514350">
-              <a:buAutoNum type="arabicPeriod"/>
-            </a:pPr>
-            <a:r>
-              <a:rPr lang="en-US" dirty="0">
-                <a:cs typeface="Calibri" panose="020F0502020204030204"/>
-              </a:rPr>
-              <a:t>Tons of open source tools to help develop better code</a:t>
-            </a:r>
-          </a:p>
-        </p:txBody>
-      </p:sp>
-      <p:sp>
-        <p:nvSpPr>
-          <p:cNvPr id="4" name="TextBox 3">
+            <a:endParaRPr lang="en-US" dirty="0">
+              <a:cs typeface="Calibri" panose="020F0502020204030204"/>
+            </a:endParaRPr>
+          </a:p>
+        </p:txBody>
+      </p:sp>
+      <p:pic>
+        <p:nvPicPr>
+          <p:cNvPr id="4" name="Picture 4" descr="A screenshot of a computer screen&#10;&#10;Description generated with very high confidence">
             <a:extLst>
               <a:ext uri="{FF2B5EF4-FFF2-40B4-BE49-F238E27FC236}">
-                <a16:creationId xmlns:a16="http://schemas.microsoft.com/office/drawing/2014/main" id="{EC78E7FE-EA2D-4952-BCC8-3294C624CE88}"/>
-              </a:ext>
-            </a:extLst>
-          </p:cNvPr>
-          <p:cNvSpPr txBox="1"/>
-          <p:nvPr/>
-        </p:nvSpPr>
-        <p:spPr>
-          <a:xfrm>
-            <a:off x="834320" y="6422938"/>
-            <a:ext cx="3549722" cy="246221"/>
-          </a:xfrm>
-          <a:prstGeom prst="rect">
-            <a:avLst/>
-          </a:prstGeom>
-          <a:noFill/>
-        </p:spPr>
-        <p:txBody>
-          <a:bodyPr rot="0" spcFirstLastPara="0" vertOverflow="overflow" horzOverflow="overflow" vert="horz" wrap="square" lIns="91440" tIns="45720" rIns="91440" bIns="45720" numCol="1" spcCol="0" rtlCol="0" fromWordArt="0" anchor="t" anchorCtr="0" forceAA="0" compatLnSpc="1">
-            <a:prstTxWarp prst="textNoShape">
-              <a:avLst/>
-            </a:prstTxWarp>
-            <a:spAutoFit/>
-          </a:bodyPr>
-          <a:lstStyle/>
-          <a:p>
-            <a:r>
-              <a:rPr lang="en-US" sz="1000" dirty="0">
-                <a:hlinkClick r:id="rId2"/>
-              </a:rPr>
-              <a:t>https://www.atlassian.com/git/tutorials/what-is-version-control</a:t>
-            </a:r>
-            <a:endParaRPr lang="en-US" sz="1000" dirty="0"/>
-          </a:p>
-        </p:txBody>
-      </p:sp>
-      <p:pic>
-        <p:nvPicPr>
-          <p:cNvPr id="5" name="Picture 5" descr="A picture containing object&#10;&#10;Description generated with very high confidence">
-            <a:extLst>
-              <a:ext uri="{FF2B5EF4-FFF2-40B4-BE49-F238E27FC236}">
-                <a16:creationId xmlns:a16="http://schemas.microsoft.com/office/drawing/2014/main" id="{6A68A9D0-532E-4EA6-8280-A37065C6A695}"/>
+                <a16:creationId xmlns:a16="http://schemas.microsoft.com/office/drawing/2014/main" id="{BCA787D5-2C36-40E8-8C29-20758ECC9BB5}"/>
               </a:ext>
             </a:extLst>
           </p:cNvPr>
@@ -5251,234 +6694,25 @@
           </p:cNvPicPr>
           <p:nvPr/>
         </p:nvPicPr>
-        <p:blipFill>
+        <p:blipFill rotWithShape="1">
           <a:blip r:embed="rId3"/>
-          <a:stretch>
-            <a:fillRect/>
-          </a:stretch>
+          <a:srcRect l="24619" t="540" r="5229" b="-2162"/>
+          <a:stretch/>
         </p:blipFill>
         <p:spPr>
           <a:xfrm>
-            <a:off x="7139796" y="2965804"/>
-            <a:ext cx="4310332" cy="1544619"/>
+            <a:off x="5876021" y="565073"/>
+            <a:ext cx="6270147" cy="5484035"/>
           </a:xfrm>
           <a:prstGeom prst="rect">
             <a:avLst/>
           </a:prstGeom>
         </p:spPr>
       </p:pic>
-      <p:sp>
-        <p:nvSpPr>
-          <p:cNvPr id="7" name="TextBox 6">
-            <a:extLst>
-              <a:ext uri="{FF2B5EF4-FFF2-40B4-BE49-F238E27FC236}">
-                <a16:creationId xmlns:a16="http://schemas.microsoft.com/office/drawing/2014/main" id="{0FA5F32D-45BF-419C-9E4D-C454A7EE825A}"/>
-              </a:ext>
-            </a:extLst>
-          </p:cNvPr>
-          <p:cNvSpPr txBox="1"/>
-          <p:nvPr/>
-        </p:nvSpPr>
-        <p:spPr>
-          <a:xfrm>
-            <a:off x="6809117" y="4566249"/>
-            <a:ext cx="1506748" cy="646331"/>
-          </a:xfrm>
-          <a:prstGeom prst="rect">
-            <a:avLst/>
-          </a:prstGeom>
-          <a:noFill/>
-        </p:spPr>
-        <p:txBody>
-          <a:bodyPr rot="0" spcFirstLastPara="0" vertOverflow="overflow" horzOverflow="overflow" vert="horz" wrap="square" lIns="91440" tIns="45720" rIns="91440" bIns="45720" numCol="1" spcCol="0" rtlCol="0" fromWordArt="0" anchor="t" anchorCtr="0" forceAA="0" compatLnSpc="1">
-            <a:prstTxWarp prst="textNoShape">
-              <a:avLst/>
-            </a:prstTxWarp>
-            <a:spAutoFit/>
-          </a:bodyPr>
-          <a:lstStyle/>
-          <a:p>
-            <a:r>
-              <a:rPr lang="en-US" dirty="0"/>
-              <a:t>Initial commit</a:t>
-            </a:r>
-          </a:p>
-          <a:p>
-            <a:pPr algn="ctr"/>
-            <a:r>
-              <a:rPr lang="en-US" dirty="0">
-                <a:cs typeface="Calibri"/>
-              </a:rPr>
-              <a:t>User 1</a:t>
-            </a:r>
-          </a:p>
-        </p:txBody>
-      </p:sp>
-      <p:sp>
-        <p:nvSpPr>
-          <p:cNvPr id="8" name="TextBox 7">
-            <a:extLst>
-              <a:ext uri="{FF2B5EF4-FFF2-40B4-BE49-F238E27FC236}">
-                <a16:creationId xmlns:a16="http://schemas.microsoft.com/office/drawing/2014/main" id="{4066E795-9943-4B64-930E-10BC6C202A00}"/>
-              </a:ext>
-            </a:extLst>
-          </p:cNvPr>
-          <p:cNvSpPr txBox="1"/>
-          <p:nvPr/>
-        </p:nvSpPr>
-        <p:spPr>
-          <a:xfrm>
-            <a:off x="8419381" y="2567796"/>
-            <a:ext cx="2144298" cy="369332"/>
-          </a:xfrm>
-          <a:prstGeom prst="rect">
-            <a:avLst/>
-          </a:prstGeom>
-          <a:noFill/>
-        </p:spPr>
-        <p:txBody>
-          <a:bodyPr rot="0" spcFirstLastPara="0" vertOverflow="overflow" horzOverflow="overflow" vert="horz" wrap="square" lIns="91440" tIns="45720" rIns="91440" bIns="45720" numCol="1" spcCol="0" rtlCol="0" fromWordArt="0" anchor="t" anchorCtr="0" forceAA="0" compatLnSpc="1">
-            <a:prstTxWarp prst="textNoShape">
-              <a:avLst/>
-            </a:prstTxWarp>
-            <a:spAutoFit/>
-          </a:bodyPr>
-          <a:lstStyle/>
-          <a:p>
-            <a:r>
-              <a:rPr lang="en-US" dirty="0">
-                <a:cs typeface="Calibri"/>
-              </a:rPr>
-              <a:t>New features branch</a:t>
-            </a:r>
-            <a:endParaRPr lang="en-US" dirty="0"/>
-          </a:p>
-        </p:txBody>
-      </p:sp>
-      <p:sp>
-        <p:nvSpPr>
-          <p:cNvPr id="9" name="TextBox 8">
-            <a:extLst>
-              <a:ext uri="{FF2B5EF4-FFF2-40B4-BE49-F238E27FC236}">
-                <a16:creationId xmlns:a16="http://schemas.microsoft.com/office/drawing/2014/main" id="{B961A0F3-5208-473C-88DD-65FA58507C29}"/>
-              </a:ext>
-            </a:extLst>
-          </p:cNvPr>
-          <p:cNvSpPr txBox="1"/>
-          <p:nvPr/>
-        </p:nvSpPr>
-        <p:spPr>
-          <a:xfrm>
-            <a:off x="8557743" y="4566249"/>
-            <a:ext cx="964428" cy="369332"/>
-          </a:xfrm>
-          <a:prstGeom prst="rect">
-            <a:avLst/>
-          </a:prstGeom>
-          <a:noFill/>
-        </p:spPr>
-        <p:txBody>
-          <a:bodyPr rot="0" spcFirstLastPara="0" vertOverflow="overflow" horzOverflow="overflow" vert="horz" wrap="square" lIns="91440" tIns="45720" rIns="91440" bIns="45720" numCol="1" spcCol="0" rtlCol="0" fromWordArt="0" anchor="t" anchorCtr="0" forceAA="0" compatLnSpc="1">
-            <a:prstTxWarp prst="textNoShape">
-              <a:avLst/>
-            </a:prstTxWarp>
-            <a:spAutoFit/>
-          </a:bodyPr>
-          <a:lstStyle/>
-          <a:p>
-            <a:r>
-              <a:rPr lang="en-US" dirty="0">
-                <a:cs typeface="Calibri"/>
-              </a:rPr>
-              <a:t>Fix bugs</a:t>
-            </a:r>
-          </a:p>
-        </p:txBody>
-      </p:sp>
-      <p:sp>
-        <p:nvSpPr>
-          <p:cNvPr id="10" name="TextBox 9">
-            <a:extLst>
-              <a:ext uri="{FF2B5EF4-FFF2-40B4-BE49-F238E27FC236}">
-                <a16:creationId xmlns:a16="http://schemas.microsoft.com/office/drawing/2014/main" id="{62BA6B79-45D0-42C6-A683-2CE887B9A0A1}"/>
-              </a:ext>
-            </a:extLst>
-          </p:cNvPr>
-          <p:cNvSpPr txBox="1"/>
-          <p:nvPr/>
-        </p:nvSpPr>
-        <p:spPr>
-          <a:xfrm>
-            <a:off x="10604738" y="2150852"/>
-            <a:ext cx="1276710" cy="923330"/>
-          </a:xfrm>
-          <a:prstGeom prst="rect">
-            <a:avLst/>
-          </a:prstGeom>
-          <a:noFill/>
-        </p:spPr>
-        <p:txBody>
-          <a:bodyPr rot="0" spcFirstLastPara="0" vertOverflow="overflow" horzOverflow="overflow" vert="horz" wrap="square" lIns="91440" tIns="45720" rIns="91440" bIns="45720" numCol="1" spcCol="0" rtlCol="0" fromWordArt="0" anchor="t" anchorCtr="0" forceAA="0" compatLnSpc="1">
-            <a:prstTxWarp prst="textNoShape">
-              <a:avLst/>
-            </a:prstTxWarp>
-            <a:spAutoFit/>
-          </a:bodyPr>
-          <a:lstStyle/>
-          <a:p>
-            <a:pPr algn="ctr"/>
-            <a:r>
-              <a:rPr lang="en-US" dirty="0"/>
-              <a:t>Final production code</a:t>
-            </a:r>
-            <a:endParaRPr lang="en-US"/>
-          </a:p>
-        </p:txBody>
-      </p:sp>
-      <p:sp>
-        <p:nvSpPr>
-          <p:cNvPr id="11" name="TextBox 10">
-            <a:extLst>
-              <a:ext uri="{FF2B5EF4-FFF2-40B4-BE49-F238E27FC236}">
-                <a16:creationId xmlns:a16="http://schemas.microsoft.com/office/drawing/2014/main" id="{077C203A-1D4B-42EF-8303-02EBBE73460C}"/>
-              </a:ext>
-            </a:extLst>
-          </p:cNvPr>
-          <p:cNvSpPr txBox="1"/>
-          <p:nvPr/>
-        </p:nvSpPr>
-        <p:spPr>
-          <a:xfrm>
-            <a:off x="9524581" y="4566248"/>
-            <a:ext cx="964428" cy="923330"/>
-          </a:xfrm>
-          <a:prstGeom prst="rect">
-            <a:avLst/>
-          </a:prstGeom>
-          <a:noFill/>
-        </p:spPr>
-        <p:txBody>
-          <a:bodyPr rot="0" spcFirstLastPara="0" vertOverflow="overflow" horzOverflow="overflow" vert="horz" wrap="square" lIns="91440" tIns="45720" rIns="91440" bIns="45720" numCol="1" spcCol="0" rtlCol="0" fromWordArt="0" anchor="t" anchorCtr="0" forceAA="0" compatLnSpc="1">
-            <a:prstTxWarp prst="textNoShape">
-              <a:avLst/>
-            </a:prstTxWarp>
-            <a:spAutoFit/>
-          </a:bodyPr>
-          <a:lstStyle/>
-          <a:p>
-            <a:r>
-              <a:rPr lang="en-US" dirty="0">
-                <a:cs typeface="Calibri"/>
-              </a:rPr>
-              <a:t>Change variable names</a:t>
-            </a:r>
-          </a:p>
-        </p:txBody>
-      </p:sp>
     </p:spTree>
     <p:extLst>
       <p:ext uri="{BB962C8B-B14F-4D97-AF65-F5344CB8AC3E}">
-        <p14:creationId xmlns:p14="http://schemas.microsoft.com/office/powerpoint/2010/main" val="3324906449"/>
+        <p14:creationId xmlns:p14="http://schemas.microsoft.com/office/powerpoint/2010/main" val="588075228"/>
       </p:ext>
     </p:extLst>
   </p:cSld>
@@ -5510,7 +6744,7 @@
           <p:cNvPr id="2" name="Title 1">
             <a:extLst>
               <a:ext uri="{FF2B5EF4-FFF2-40B4-BE49-F238E27FC236}">
-                <a16:creationId xmlns:a16="http://schemas.microsoft.com/office/drawing/2014/main" id="{0F0E7B14-AF48-47EE-A9A1-6977F252E0F6}"/>
+                <a16:creationId xmlns:a16="http://schemas.microsoft.com/office/drawing/2014/main" id="{A2E1FA3E-BA37-49BA-BC7A-01BA157380F9}"/>
               </a:ext>
             </a:extLst>
           </p:cNvPr>
@@ -5530,36 +6764,153 @@
               <a:rPr lang="en-US" dirty="0">
                 <a:cs typeface="Calibri Light"/>
               </a:rPr>
-              <a:t>What is Git?</a:t>
+              <a:t>What is GitHub?</a:t>
             </a:r>
             <a:endParaRPr lang="en-US" dirty="0"/>
           </a:p>
         </p:txBody>
       </p:sp>
-      <p:pic>
-        <p:nvPicPr>
-          <p:cNvPr id="6" name="Picture 6" descr="A screenshot of a cell phone&#10;&#10;Description generated with very high confidence">
+      <p:sp>
+        <p:nvSpPr>
+          <p:cNvPr id="3" name="Content Placeholder 2">
             <a:extLst>
               <a:ext uri="{FF2B5EF4-FFF2-40B4-BE49-F238E27FC236}">
-                <a16:creationId xmlns:a16="http://schemas.microsoft.com/office/drawing/2014/main" id="{C2B32DD8-A45D-4162-A553-98E3ED76A446}"/>
+                <a16:creationId xmlns:a16="http://schemas.microsoft.com/office/drawing/2014/main" id="{B955443B-6913-41D9-968B-F81B05FAA252}"/>
               </a:ext>
             </a:extLst>
           </p:cNvPr>
+          <p:cNvSpPr>
+            <a:spLocks noGrp="1"/>
+          </p:cNvSpPr>
+          <p:nvPr>
+            <p:ph idx="1"/>
+          </p:nvPr>
+        </p:nvSpPr>
+        <p:spPr>
+          <a:xfrm>
+            <a:off x="838200" y="1825625"/>
+            <a:ext cx="5255342" cy="4351338"/>
+          </a:xfrm>
+        </p:spPr>
+        <p:txBody>
+          <a:bodyPr vert="horz" lIns="91440" tIns="45720" rIns="91440" bIns="45720" rtlCol="0" anchor="t">
+            <a:normAutofit/>
+          </a:bodyPr>
+          <a:lstStyle/>
+          <a:p>
+            <a:pPr marL="0" indent="0">
+              <a:buNone/>
+            </a:pPr>
+            <a:r>
+              <a:rPr lang="en-US" dirty="0">
+                <a:cs typeface="Calibri" panose="020F0502020204030204"/>
+              </a:rPr>
+              <a:t>GitHub is like the Facebook/LinkedIn for software </a:t>
+            </a:r>
+            <a:r>
+              <a:rPr lang="en-US" dirty="0" smtClean="0">
+                <a:cs typeface="Calibri" panose="020F0502020204030204"/>
+              </a:rPr>
+              <a:t>developers</a:t>
+            </a:r>
+            <a:endParaRPr lang="en-US" dirty="0">
+              <a:cs typeface="Calibri" panose="020F0502020204030204"/>
+            </a:endParaRPr>
+          </a:p>
+          <a:p>
+            <a:pPr marL="0" indent="0">
+              <a:buNone/>
+            </a:pPr>
+            <a:r>
+              <a:rPr lang="en-US" dirty="0">
+                <a:cs typeface="Calibri" panose="020F0502020204030204"/>
+              </a:rPr>
+              <a:t>1. Publishing your work as a repo</a:t>
+            </a:r>
+            <a:endParaRPr lang="en-US" dirty="0"/>
+          </a:p>
+          <a:p>
+            <a:pPr marL="914400" lvl="1" indent="-457200"/>
+            <a:r>
+              <a:rPr lang="en-US" dirty="0">
+                <a:cs typeface="Calibri" panose="020F0502020204030204"/>
+              </a:rPr>
+              <a:t>Lab project site: </a:t>
+            </a:r>
+            <a:r>
+              <a:rPr lang="en-US" dirty="0">
+                <a:ea typeface="+mn-lt"/>
+                <a:cs typeface="+mn-lt"/>
+                <a:hlinkClick r:id="rId2"/>
+              </a:rPr>
+              <a:t>https://github.com/sriram-lab</a:t>
+            </a:r>
+            <a:endParaRPr lang="en-US" dirty="0">
+              <a:cs typeface="Calibri" panose="020F0502020204030204"/>
+            </a:endParaRPr>
+          </a:p>
+          <a:p>
+            <a:pPr marL="0" indent="0">
+              <a:buNone/>
+            </a:pPr>
+            <a:r>
+              <a:rPr lang="en-US" dirty="0" smtClean="0">
+                <a:cs typeface="Calibri" panose="020F0502020204030204"/>
+              </a:rPr>
+              <a:t>2</a:t>
+            </a:r>
+            <a:r>
+              <a:rPr lang="en-US" dirty="0">
+                <a:cs typeface="Calibri" panose="020F0502020204030204"/>
+              </a:rPr>
+              <a:t>. </a:t>
+            </a:r>
+            <a:r>
+              <a:rPr lang="en-US" dirty="0" smtClean="0">
+                <a:cs typeface="Calibri" panose="020F0502020204030204"/>
+              </a:rPr>
+              <a:t>Fork and contribute to other projects (and get recognized for it)</a:t>
+            </a:r>
+            <a:endParaRPr lang="en-US" dirty="0">
+              <a:cs typeface="Calibri" panose="020F0502020204030204"/>
+            </a:endParaRPr>
+          </a:p>
+          <a:p>
+            <a:pPr marL="0" indent="0">
+              <a:buNone/>
+            </a:pPr>
+            <a:endParaRPr lang="en-US" dirty="0">
+              <a:cs typeface="Calibri" panose="020F0502020204030204"/>
+            </a:endParaRPr>
+          </a:p>
+          <a:p>
+            <a:pPr marL="0" indent="0">
+              <a:buNone/>
+            </a:pPr>
+            <a:endParaRPr lang="en-US" dirty="0">
+              <a:cs typeface="Calibri" panose="020F0502020204030204"/>
+            </a:endParaRPr>
+          </a:p>
+        </p:txBody>
+      </p:sp>
+      <p:pic>
+        <p:nvPicPr>
+          <p:cNvPr id="4" name="Picture 3"/>
           <p:cNvPicPr>
             <a:picLocks noChangeAspect="1"/>
           </p:cNvPicPr>
           <p:nvPr/>
         </p:nvPicPr>
         <p:blipFill>
-          <a:blip r:embed="rId2"/>
+          <a:blip r:embed="rId3"/>
           <a:stretch>
             <a:fillRect/>
           </a:stretch>
         </p:blipFill>
         <p:spPr>
           <a:xfrm>
-            <a:off x="4357083" y="131463"/>
-            <a:ext cx="7782540" cy="6583323"/>
+            <a:off x="6363705" y="1690688"/>
+            <a:ext cx="5326839" cy="4360984"/>
           </a:xfrm>
           <a:prstGeom prst="rect">
             <a:avLst/>
@@ -5568,259 +6919,39 @@
       </p:pic>
       <p:sp>
         <p:nvSpPr>
-          <p:cNvPr id="8" name="TextBox 7">
-            <a:extLst>
-              <a:ext uri="{FF2B5EF4-FFF2-40B4-BE49-F238E27FC236}">
-                <a16:creationId xmlns:a16="http://schemas.microsoft.com/office/drawing/2014/main" id="{5A3F5055-D2C0-41D6-9D02-9C610C16B22E}"/>
-              </a:ext>
-            </a:extLst>
-          </p:cNvPr>
-          <p:cNvSpPr txBox="1"/>
+          <p:cNvPr id="5" name="Rectangle 4"/>
+          <p:cNvSpPr/>
           <p:nvPr/>
         </p:nvSpPr>
         <p:spPr>
           <a:xfrm>
-            <a:off x="840658" y="1627238"/>
-            <a:ext cx="3521585" cy="5139869"/>
+            <a:off x="6363705" y="6176963"/>
+            <a:ext cx="3430234" cy="369332"/>
           </a:xfrm>
           <a:prstGeom prst="rect">
             <a:avLst/>
           </a:prstGeom>
-          <a:noFill/>
-        </p:spPr>
-        <p:txBody>
-          <a:bodyPr rot="0" spcFirstLastPara="0" vertOverflow="overflow" horzOverflow="overflow" vert="horz" wrap="square" lIns="91440" tIns="45720" rIns="91440" bIns="45720" numCol="1" spcCol="0" rtlCol="0" fromWordArt="0" anchor="t" anchorCtr="0" forceAA="0" compatLnSpc="1">
-            <a:prstTxWarp prst="textNoShape">
-              <a:avLst/>
-            </a:prstTxWarp>
+        </p:spPr>
+        <p:txBody>
+          <a:bodyPr wrap="none">
             <a:spAutoFit/>
           </a:bodyPr>
           <a:lstStyle/>
           <a:p>
             <a:r>
-              <a:rPr lang="en-US" b="1" dirty="0"/>
-              <a:t>Git</a:t>
-            </a:r>
-            <a:r>
-              <a:rPr lang="en-US" dirty="0"/>
-              <a:t> is the specific version control software most people use today. </a:t>
-            </a:r>
-            <a:endParaRPr lang="en-US"/>
-          </a:p>
-          <a:p>
-            <a:endParaRPr lang="en-US" sz="1000" dirty="0">
-              <a:cs typeface="Calibri"/>
-            </a:endParaRPr>
-          </a:p>
-          <a:p>
-            <a:r>
-              <a:rPr lang="en-US" u="sng" dirty="0"/>
-              <a:t>The general workflow is as follows:</a:t>
-            </a:r>
-            <a:endParaRPr lang="en-US" u="sng">
-              <a:cs typeface="Calibri"/>
-            </a:endParaRPr>
-          </a:p>
-          <a:p>
-            <a:endParaRPr lang="en-US" sz="1000" dirty="0">
-              <a:cs typeface="Calibri"/>
-            </a:endParaRPr>
-          </a:p>
-          <a:p>
-            <a:r>
               <a:rPr lang="en-US" dirty="0">
-                <a:cs typeface="Calibri"/>
-              </a:rPr>
-              <a:t>1. </a:t>
-            </a:r>
-            <a:r>
-              <a:rPr lang="en-US" dirty="0">
-                <a:highlight>
-                  <a:srgbClr val="C0C0C0"/>
-                </a:highlight>
-                <a:latin typeface="Consolas"/>
-                <a:cs typeface="Calibri"/>
-              </a:rPr>
-              <a:t>git </a:t>
-            </a:r>
-            <a:r>
-              <a:rPr lang="en-US" dirty="0" err="1">
-                <a:highlight>
-                  <a:srgbClr val="C0C0C0"/>
-                </a:highlight>
-                <a:latin typeface="Consolas"/>
-                <a:cs typeface="Calibri"/>
-              </a:rPr>
-              <a:t>init</a:t>
-            </a:r>
-            <a:r>
-              <a:rPr lang="en-US" dirty="0">
-                <a:cs typeface="Calibri"/>
-              </a:rPr>
-              <a:t>: Have a local folder (repo) point to a remote location.</a:t>
-            </a:r>
-          </a:p>
-          <a:p>
-            <a:endParaRPr lang="en-US" sz="1000" dirty="0">
-              <a:cs typeface="Calibri"/>
-            </a:endParaRPr>
-          </a:p>
-          <a:p>
-            <a:r>
-              <a:rPr lang="en-US" dirty="0">
-                <a:cs typeface="Calibri"/>
-              </a:rPr>
-              <a:t>2. </a:t>
-            </a:r>
-            <a:r>
-              <a:rPr lang="en-US" dirty="0">
-                <a:highlight>
-                  <a:srgbClr val="C0C0C0"/>
-                </a:highlight>
-                <a:latin typeface="Consolas"/>
-                <a:cs typeface="Calibri"/>
-              </a:rPr>
-              <a:t>git add</a:t>
-            </a:r>
-            <a:r>
-              <a:rPr lang="en-US" dirty="0">
-                <a:cs typeface="Calibri"/>
-              </a:rPr>
-              <a:t>: Add new local files to a "staging" area.</a:t>
-            </a:r>
-          </a:p>
-          <a:p>
-            <a:endParaRPr lang="en-US" sz="1000" dirty="0">
-              <a:cs typeface="Calibri"/>
-            </a:endParaRPr>
-          </a:p>
-          <a:p>
-            <a:r>
-              <a:rPr lang="en-US" dirty="0">
-                <a:cs typeface="Calibri"/>
-              </a:rPr>
-              <a:t>3. </a:t>
-            </a:r>
-            <a:r>
-              <a:rPr lang="en-US" dirty="0">
-                <a:highlight>
-                  <a:srgbClr val="C0C0C0"/>
-                </a:highlight>
-                <a:latin typeface="Consolas"/>
-                <a:cs typeface="Calibri"/>
-              </a:rPr>
-              <a:t>git commit</a:t>
-            </a:r>
-            <a:r>
-              <a:rPr lang="en-US" dirty="0">
-                <a:cs typeface="Calibri"/>
-              </a:rPr>
-              <a:t>: Associate these additions with a unique identifier. </a:t>
-            </a:r>
-          </a:p>
-          <a:p>
-            <a:pPr marL="285750" indent="-285750">
-              <a:buFont typeface="Arial"/>
-              <a:buChar char="•"/>
-            </a:pPr>
-            <a:r>
-              <a:rPr lang="en-US" dirty="0">
-                <a:cs typeface="Calibri"/>
-              </a:rPr>
-              <a:t>This is how we can create multiple versions of software for a single user.</a:t>
-            </a:r>
-            <a:endParaRPr lang="en-US">
-              <a:cs typeface="Calibri" panose="020F0502020204030204"/>
-            </a:endParaRPr>
-          </a:p>
-          <a:p>
-            <a:endParaRPr lang="en-US" sz="1000" dirty="0">
-              <a:cs typeface="Calibri"/>
-            </a:endParaRPr>
-          </a:p>
-          <a:p>
-            <a:r>
-              <a:rPr lang="en-US" dirty="0">
-                <a:cs typeface="Calibri"/>
-              </a:rPr>
-              <a:t>4. </a:t>
-            </a:r>
-            <a:r>
-              <a:rPr lang="en-US" dirty="0">
-                <a:highlight>
-                  <a:srgbClr val="C0C0C0"/>
-                </a:highlight>
-                <a:latin typeface="Consolas"/>
-                <a:cs typeface="Calibri"/>
-              </a:rPr>
-              <a:t>git push</a:t>
-            </a:r>
-            <a:r>
-              <a:rPr lang="en-US" dirty="0">
-                <a:cs typeface="Calibri"/>
-              </a:rPr>
-              <a:t>: Finally, make changes in a remote location (</a:t>
-            </a:r>
-            <a:r>
-              <a:rPr lang="en-US" dirty="0" err="1">
-                <a:cs typeface="Calibri"/>
-              </a:rPr>
-              <a:t>ie</a:t>
-            </a:r>
-            <a:r>
-              <a:rPr lang="en-US" dirty="0">
-                <a:cs typeface="Calibri"/>
-              </a:rPr>
-              <a:t> GitHub's servers).</a:t>
-            </a:r>
-          </a:p>
-        </p:txBody>
-      </p:sp>
-      <p:sp>
-        <p:nvSpPr>
-          <p:cNvPr id="9" name="TextBox 8">
-            <a:extLst>
-              <a:ext uri="{FF2B5EF4-FFF2-40B4-BE49-F238E27FC236}">
-                <a16:creationId xmlns:a16="http://schemas.microsoft.com/office/drawing/2014/main" id="{65D3AB15-0FD2-420F-A1CE-5032FB0E2729}"/>
-              </a:ext>
-            </a:extLst>
-          </p:cNvPr>
-          <p:cNvSpPr txBox="1"/>
-          <p:nvPr/>
-        </p:nvSpPr>
-        <p:spPr>
-          <a:xfrm>
-            <a:off x="4511368" y="6518787"/>
-            <a:ext cx="6921909" cy="246221"/>
-          </a:xfrm>
-          <a:prstGeom prst="rect">
-            <a:avLst/>
-          </a:prstGeom>
-          <a:noFill/>
-        </p:spPr>
-        <p:txBody>
-          <a:bodyPr rot="0" spcFirstLastPara="0" vertOverflow="overflow" horzOverflow="overflow" vert="horz" wrap="square" lIns="91440" tIns="45720" rIns="91440" bIns="45720" numCol="1" spcCol="0" rtlCol="0" fromWordArt="0" anchor="t" anchorCtr="0" forceAA="0" compatLnSpc="1">
-            <a:prstTxWarp prst="textNoShape">
-              <a:avLst/>
-            </a:prstTxWarp>
-            <a:spAutoFit/>
-          </a:bodyPr>
-          <a:lstStyle/>
-          <a:p>
-            <a:r>
-              <a:rPr lang="en-US" sz="1000" dirty="0">
-                <a:hlinkClick r:id="rId3"/>
-              </a:rPr>
-              <a:t>https://www.reddit.com/r/git/comments/99ul9f/git_workflow_diagram_showcasing_the_role_of/</a:t>
-            </a:r>
-            <a:endParaRPr lang="en-US" sz="1000" dirty="0"/>
+                <a:hlinkClick r:id="rId4"/>
+              </a:rPr>
+              <a:t>https://ncbi-hackathons.github.io/</a:t>
+            </a:r>
+            <a:endParaRPr lang="en-US" dirty="0"/>
           </a:p>
         </p:txBody>
       </p:sp>
     </p:spTree>
     <p:extLst>
       <p:ext uri="{BB962C8B-B14F-4D97-AF65-F5344CB8AC3E}">
-        <p14:creationId xmlns:p14="http://schemas.microsoft.com/office/powerpoint/2010/main" val="49943869"/>
+        <p14:creationId xmlns:p14="http://schemas.microsoft.com/office/powerpoint/2010/main" val="790972577"/>
       </p:ext>
     </p:extLst>
   </p:cSld>
@@ -5896,13 +7027,13 @@
         </p:nvSpPr>
         <p:spPr>
           <a:xfrm>
-            <a:off x="690716" y="1817431"/>
+            <a:off x="838200" y="1825625"/>
             <a:ext cx="5255342" cy="4351338"/>
           </a:xfrm>
         </p:spPr>
         <p:txBody>
           <a:bodyPr vert="horz" lIns="91440" tIns="45720" rIns="91440" bIns="45720" rtlCol="0" anchor="t">
-            <a:normAutofit/>
+            <a:normAutofit lnSpcReduction="10000"/>
           </a:bodyPr>
           <a:lstStyle/>
           <a:p>
@@ -5913,51 +7044,54 @@
               <a:rPr lang="en-US" dirty="0">
                 <a:cs typeface="Calibri" panose="020F0502020204030204"/>
               </a:rPr>
-              <a:t>GitHub is the Facebook for software developers. </a:t>
-            </a:r>
-            <a:endParaRPr lang="en-US">
+              <a:t>GitHub is like the Facebook/LinkedIn for software </a:t>
+            </a:r>
+            <a:r>
+              <a:rPr lang="en-US" dirty="0" smtClean="0">
+                <a:cs typeface="Calibri" panose="020F0502020204030204"/>
+              </a:rPr>
+              <a:t>developers</a:t>
+            </a:r>
+            <a:endParaRPr lang="en-US" dirty="0">
               <a:cs typeface="Calibri" panose="020F0502020204030204"/>
             </a:endParaRPr>
           </a:p>
           <a:p>
-            <a:pPr marL="0" indent="0">
-              <a:buNone/>
+            <a:pPr marL="514350" indent="-514350">
+              <a:buAutoNum type="arabicPeriod"/>
             </a:pPr>
+            <a:r>
+              <a:rPr lang="en-US" dirty="0" smtClean="0">
+                <a:cs typeface="Calibri" panose="020F0502020204030204"/>
+              </a:rPr>
+              <a:t>Publishing </a:t>
+            </a:r>
             <a:r>
               <a:rPr lang="en-US" dirty="0">
                 <a:cs typeface="Calibri" panose="020F0502020204030204"/>
               </a:rPr>
-              <a:t>Some features include:</a:t>
-            </a:r>
-          </a:p>
-          <a:p>
-            <a:pPr marL="0" indent="0">
-              <a:buNone/>
-            </a:pPr>
+              <a:t>your work as a </a:t>
+            </a:r>
+            <a:r>
+              <a:rPr lang="en-US" dirty="0" smtClean="0">
+                <a:cs typeface="Calibri" panose="020F0502020204030204"/>
+              </a:rPr>
+              <a:t>repo</a:t>
+            </a:r>
+          </a:p>
+          <a:p>
+            <a:pPr lvl="1"/>
+            <a:r>
+              <a:rPr lang="en-US" dirty="0" smtClean="0">
+                <a:cs typeface="Calibri" panose="020F0502020204030204"/>
+              </a:rPr>
+              <a:t>Lab </a:t>
+            </a:r>
             <a:r>
               <a:rPr lang="en-US" dirty="0">
                 <a:cs typeface="Calibri" panose="020F0502020204030204"/>
               </a:rPr>
-              <a:t>1. Publishing your project as a repo</a:t>
-            </a:r>
-            <a:endParaRPr lang="en-US" dirty="0"/>
-          </a:p>
-          <a:p>
-            <a:pPr marL="914400" lvl="1" indent="-457200"/>
-            <a:r>
-              <a:rPr lang="en-US" dirty="0">
-                <a:cs typeface="Calibri" panose="020F0502020204030204"/>
-              </a:rPr>
-              <a:t>Lab project site:</a:t>
-            </a:r>
-          </a:p>
-          <a:p>
-            <a:pPr marL="1371600" lvl="2" indent="-457200"/>
-            <a:r>
-              <a:rPr lang="en-US" dirty="0">
-                <a:cs typeface="Calibri" panose="020F0502020204030204"/>
-              </a:rPr>
-              <a:t> </a:t>
+              <a:t>project site: </a:t>
             </a:r>
             <a:r>
               <a:rPr lang="en-US" dirty="0">
@@ -5966,6 +7100,52 @@
                 <a:hlinkClick r:id="rId2"/>
               </a:rPr>
               <a:t>https://github.com/sriram-lab</a:t>
+            </a:r>
+            <a:endParaRPr lang="en-US" dirty="0">
+              <a:cs typeface="Calibri" panose="020F0502020204030204"/>
+            </a:endParaRPr>
+          </a:p>
+          <a:p>
+            <a:pPr marL="0" indent="0">
+              <a:buNone/>
+            </a:pPr>
+            <a:r>
+              <a:rPr lang="en-US" dirty="0">
+                <a:cs typeface="Calibri" panose="020F0502020204030204"/>
+              </a:rPr>
+              <a:t>2. Fork and contribute to other projects (and get recognized for it</a:t>
+            </a:r>
+            <a:r>
+              <a:rPr lang="en-US" dirty="0" smtClean="0">
+                <a:cs typeface="Calibri" panose="020F0502020204030204"/>
+              </a:rPr>
+              <a:t>)</a:t>
+            </a:r>
+            <a:endParaRPr lang="en-US" dirty="0">
+              <a:cs typeface="Calibri" panose="020F0502020204030204"/>
+            </a:endParaRPr>
+          </a:p>
+          <a:p>
+            <a:pPr marL="0" indent="0">
+              <a:buNone/>
+            </a:pPr>
+            <a:r>
+              <a:rPr lang="en-US" dirty="0" smtClean="0">
+                <a:cs typeface="Calibri" panose="020F0502020204030204"/>
+              </a:rPr>
+              <a:t>3</a:t>
+            </a:r>
+            <a:r>
+              <a:rPr lang="en-US" dirty="0">
+                <a:cs typeface="Calibri" panose="020F0502020204030204"/>
+              </a:rPr>
+              <a:t>. </a:t>
+            </a:r>
+            <a:r>
+              <a:rPr lang="en-US" dirty="0" smtClean="0">
+                <a:cs typeface="Calibri" panose="020F0502020204030204"/>
+              </a:rPr>
+              <a:t>Continually fix issues, add feature requests, and make live improvements with your code</a:t>
             </a:r>
             <a:endParaRPr lang="en-US" dirty="0">
               <a:cs typeface="Calibri" panose="020F0502020204030204"/>
@@ -5991,10 +7171,10 @@
       </p:sp>
       <p:pic>
         <p:nvPicPr>
-          <p:cNvPr id="4" name="Picture 4" descr="A screenshot of a computer screen&#10;&#10;Description generated with very high confidence">
+          <p:cNvPr id="5" name="Picture 5" descr="A screenshot of a cell phone&#10;&#10;Description generated with very high confidence">
             <a:extLst>
               <a:ext uri="{FF2B5EF4-FFF2-40B4-BE49-F238E27FC236}">
-                <a16:creationId xmlns:a16="http://schemas.microsoft.com/office/drawing/2014/main" id="{BCA787D5-2C36-40E8-8C29-20758ECC9BB5}"/>
+                <a16:creationId xmlns:a16="http://schemas.microsoft.com/office/drawing/2014/main" id="{6614830E-B573-4618-809A-6CFEC3FC526C}"/>
               </a:ext>
             </a:extLst>
           </p:cNvPr>
@@ -6003,15 +7183,16 @@
           </p:cNvPicPr>
           <p:nvPr/>
         </p:nvPicPr>
-        <p:blipFill rotWithShape="1">
+        <p:blipFill>
           <a:blip r:embed="rId3"/>
-          <a:srcRect l="24619" t="540" r="5229" b="-2162"/>
-          <a:stretch/>
+          <a:stretch>
+            <a:fillRect/>
+          </a:stretch>
         </p:blipFill>
         <p:spPr>
           <a:xfrm>
-            <a:off x="5950805" y="565074"/>
-            <a:ext cx="6195364" cy="5418628"/>
+            <a:off x="6147444" y="2356464"/>
+            <a:ext cx="5856748" cy="2345813"/>
           </a:xfrm>
           <a:prstGeom prst="rect">
             <a:avLst/>
@@ -6021,7 +7202,7 @@
     </p:spTree>
     <p:extLst>
       <p:ext uri="{BB962C8B-B14F-4D97-AF65-F5344CB8AC3E}">
-        <p14:creationId xmlns:p14="http://schemas.microsoft.com/office/powerpoint/2010/main" val="588075228"/>
+        <p14:creationId xmlns:p14="http://schemas.microsoft.com/office/powerpoint/2010/main" val="472255656"/>
       </p:ext>
     </p:extLst>
   </p:cSld>
@@ -6048,12 +7229,62 @@
           <a:chExt cx="0" cy="0"/>
         </a:xfrm>
       </p:grpSpPr>
+      <p:sp>
+        <p:nvSpPr>
+          <p:cNvPr id="2" name="Title 1">
+            <a:extLst>
+              <a:ext uri="{FF2B5EF4-FFF2-40B4-BE49-F238E27FC236}">
+                <a16:creationId xmlns:a16="http://schemas.microsoft.com/office/drawing/2014/main" id="{AF8569FE-036F-464D-9CC5-8E892ECB87E5}"/>
+              </a:ext>
+            </a:extLst>
+          </p:cNvPr>
+          <p:cNvSpPr>
+            <a:spLocks noGrp="1"/>
+          </p:cNvSpPr>
+          <p:nvPr>
+            <p:ph type="title"/>
+          </p:nvPr>
+        </p:nvSpPr>
+        <p:spPr/>
+        <p:txBody>
+          <a:bodyPr>
+            <a:normAutofit/>
+          </a:bodyPr>
+          <a:lstStyle/>
+          <a:p>
+            <a:r>
+              <a:rPr lang="en-US" sz="3600" dirty="0" smtClean="0">
+                <a:cs typeface="Calibri Light"/>
+              </a:rPr>
+              <a:t>Applying </a:t>
+            </a:r>
+            <a:r>
+              <a:rPr lang="en-US" sz="3600" dirty="0" err="1" smtClean="0">
+                <a:cs typeface="Calibri Light"/>
+              </a:rPr>
+              <a:t>Git</a:t>
+            </a:r>
+            <a:r>
+              <a:rPr lang="en-US" sz="3600" dirty="0" smtClean="0">
+                <a:cs typeface="Calibri Light"/>
+              </a:rPr>
+              <a:t> | Developing code with others</a:t>
+            </a:r>
+            <a:r>
+              <a:rPr lang="en-US" sz="3600" dirty="0">
+                <a:cs typeface="Calibri Light"/>
+              </a:rPr>
+              <a:t> </a:t>
+            </a:r>
+          </a:p>
+        </p:txBody>
+      </p:sp>
       <p:pic>
         <p:nvPicPr>
-          <p:cNvPr id="7" name="Picture 7" descr="A screenshot of a cell phone&#10;&#10;Description generated with very high confidence">
+          <p:cNvPr id="4" name="Picture 4" descr="A close up of text on a white background&#10;&#10;Description generated with high confidence">
             <a:extLst>
               <a:ext uri="{FF2B5EF4-FFF2-40B4-BE49-F238E27FC236}">
-                <a16:creationId xmlns:a16="http://schemas.microsoft.com/office/drawing/2014/main" id="{17C0C382-CEE1-49D8-8C66-462CE89BB6E6}"/>
+                <a16:creationId xmlns:a16="http://schemas.microsoft.com/office/drawing/2014/main" id="{A97ADA7D-E4E6-46AC-B4EC-1CC1CDB53F60}"/>
               </a:ext>
             </a:extLst>
           </p:cNvPr>
@@ -6070,176 +7301,506 @@
         </p:blipFill>
         <p:spPr>
           <a:xfrm>
-            <a:off x="5794829" y="1059314"/>
-            <a:ext cx="6308271" cy="4779752"/>
+            <a:off x="3569110" y="1490470"/>
+            <a:ext cx="4955458" cy="2508739"/>
           </a:xfrm>
           <a:prstGeom prst="rect">
             <a:avLst/>
           </a:prstGeom>
         </p:spPr>
       </p:pic>
-      <p:sp>
-        <p:nvSpPr>
-          <p:cNvPr id="2" name="Title 1">
+      <p:pic>
+        <p:nvPicPr>
+          <p:cNvPr id="6" name="Picture 6" descr="A person wearing glasses and smiling at the camera&#10;&#10;Description generated with very high confidence">
             <a:extLst>
               <a:ext uri="{FF2B5EF4-FFF2-40B4-BE49-F238E27FC236}">
-                <a16:creationId xmlns:a16="http://schemas.microsoft.com/office/drawing/2014/main" id="{A2E1FA3E-BA37-49BA-BC7A-01BA157380F9}"/>
+                <a16:creationId xmlns:a16="http://schemas.microsoft.com/office/drawing/2014/main" id="{062A100A-97CC-4FE4-AD22-657F23AAFBE9}"/>
               </a:ext>
             </a:extLst>
           </p:cNvPr>
-          <p:cNvSpPr>
-            <a:spLocks noGrp="1"/>
-          </p:cNvSpPr>
-          <p:nvPr>
-            <p:ph type="title"/>
-          </p:nvPr>
-        </p:nvSpPr>
-        <p:spPr/>
-        <p:txBody>
-          <a:bodyPr/>
-          <a:lstStyle/>
-          <a:p>
-            <a:r>
-              <a:rPr lang="en-US" dirty="0">
-                <a:cs typeface="Calibri Light"/>
-              </a:rPr>
-              <a:t>What is GitHub?</a:t>
-            </a:r>
-            <a:endParaRPr lang="en-US" dirty="0"/>
-          </a:p>
-        </p:txBody>
-      </p:sp>
-      <p:sp>
-        <p:nvSpPr>
-          <p:cNvPr id="3" name="Content Placeholder 2">
+          <p:cNvPicPr>
+            <a:picLocks noChangeAspect="1"/>
+          </p:cNvPicPr>
+          <p:nvPr/>
+        </p:nvPicPr>
+        <p:blipFill>
+          <a:blip r:embed="rId3"/>
+          <a:stretch>
+            <a:fillRect/>
+          </a:stretch>
+        </p:blipFill>
+        <p:spPr>
+          <a:xfrm>
+            <a:off x="1534769" y="1657465"/>
+            <a:ext cx="1515339" cy="1461908"/>
+          </a:xfrm>
+          <a:prstGeom prst="rect">
+            <a:avLst/>
+          </a:prstGeom>
+        </p:spPr>
+      </p:pic>
+      <p:pic>
+        <p:nvPicPr>
+          <p:cNvPr id="8" name="Picture 8" descr="A person wearing a suit and tie&#10;&#10;Description generated with very high confidence">
             <a:extLst>
               <a:ext uri="{FF2B5EF4-FFF2-40B4-BE49-F238E27FC236}">
-                <a16:creationId xmlns:a16="http://schemas.microsoft.com/office/drawing/2014/main" id="{B955443B-6913-41D9-968B-F81B05FAA252}"/>
+                <a16:creationId xmlns:a16="http://schemas.microsoft.com/office/drawing/2014/main" id="{D3A1478A-0276-4BAF-AD32-A31943BAB53A}"/>
               </a:ext>
             </a:extLst>
           </p:cNvPr>
-          <p:cNvSpPr>
-            <a:spLocks noGrp="1"/>
-          </p:cNvSpPr>
-          <p:nvPr>
-            <p:ph idx="1"/>
-          </p:nvPr>
-        </p:nvSpPr>
-        <p:spPr>
-          <a:xfrm>
-            <a:off x="838200" y="1825625"/>
-            <a:ext cx="5255342" cy="4351338"/>
-          </a:xfrm>
-        </p:spPr>
-        <p:txBody>
-          <a:bodyPr vert="horz" lIns="91440" tIns="45720" rIns="91440" bIns="45720" rtlCol="0" anchor="t">
-            <a:normAutofit/>
+          <p:cNvPicPr>
+            <a:picLocks noChangeAspect="1"/>
+          </p:cNvPicPr>
+          <p:nvPr/>
+        </p:nvPicPr>
+        <p:blipFill>
+          <a:blip r:embed="rId4"/>
+          <a:stretch>
+            <a:fillRect/>
+          </a:stretch>
+        </p:blipFill>
+        <p:spPr>
+          <a:xfrm>
+            <a:off x="8849852" y="1586292"/>
+            <a:ext cx="1636486" cy="1612743"/>
+          </a:xfrm>
+          <a:prstGeom prst="rect">
+            <a:avLst/>
+          </a:prstGeom>
+        </p:spPr>
+      </p:pic>
+      <p:pic>
+        <p:nvPicPr>
+          <p:cNvPr id="10" name="Picture 10" descr="A person smiling for the camera&#10;&#10;Description generated with very high confidence">
+            <a:extLst>
+              <a:ext uri="{FF2B5EF4-FFF2-40B4-BE49-F238E27FC236}">
+                <a16:creationId xmlns:a16="http://schemas.microsoft.com/office/drawing/2014/main" id="{8036241E-68C3-4E67-A3B9-7764D2E6C4E3}"/>
+              </a:ext>
+            </a:extLst>
+          </p:cNvPr>
+          <p:cNvPicPr>
+            <a:picLocks noChangeAspect="1"/>
+          </p:cNvPicPr>
+          <p:nvPr/>
+        </p:nvPicPr>
+        <p:blipFill>
+          <a:blip r:embed="rId5"/>
+          <a:stretch>
+            <a:fillRect/>
+          </a:stretch>
+        </p:blipFill>
+        <p:spPr>
+          <a:xfrm>
+            <a:off x="8818248" y="3298116"/>
+            <a:ext cx="1672772" cy="1609607"/>
+          </a:xfrm>
+          <a:prstGeom prst="rect">
+            <a:avLst/>
+          </a:prstGeom>
+        </p:spPr>
+      </p:pic>
+      <p:sp>
+        <p:nvSpPr>
+          <p:cNvPr id="12" name="Left Brace 11">
+            <a:extLst>
+              <a:ext uri="{FF2B5EF4-FFF2-40B4-BE49-F238E27FC236}">
+                <a16:creationId xmlns:a16="http://schemas.microsoft.com/office/drawing/2014/main" id="{C44544D7-4866-472A-AA6C-5E2398C6FAEF}"/>
+              </a:ext>
+            </a:extLst>
+          </p:cNvPr>
+          <p:cNvSpPr/>
+          <p:nvPr/>
+        </p:nvSpPr>
+        <p:spPr>
+          <a:xfrm>
+            <a:off x="3134146" y="1898446"/>
+            <a:ext cx="374197" cy="1083444"/>
+          </a:xfrm>
+          <a:prstGeom prst="leftBrace">
+            <a:avLst/>
+          </a:prstGeom>
+          <a:ln w="28575">
+            <a:solidFill>
+              <a:srgbClr val="7030A0"/>
+            </a:solidFill>
+          </a:ln>
+        </p:spPr>
+        <p:style>
+          <a:lnRef idx="1">
+            <a:schemeClr val="accent1"/>
+          </a:lnRef>
+          <a:fillRef idx="0">
+            <a:schemeClr val="accent1"/>
+          </a:fillRef>
+          <a:effectRef idx="0">
+            <a:schemeClr val="accent1"/>
+          </a:effectRef>
+          <a:fontRef idx="minor">
+            <a:schemeClr val="tx1"/>
+          </a:fontRef>
+        </p:style>
+        <p:txBody>
+          <a:bodyPr rtlCol="0" anchor="ctr"/>
+          <a:lstStyle/>
+          <a:p>
+            <a:pPr algn="ctr"/>
+            <a:endParaRPr lang="en-US">
+              <a:solidFill>
+                <a:srgbClr val="7030A0"/>
+              </a:solidFill>
+            </a:endParaRPr>
+          </a:p>
+        </p:txBody>
+      </p:sp>
+      <p:sp>
+        <p:nvSpPr>
+          <p:cNvPr id="13" name="Left Brace 12">
+            <a:extLst>
+              <a:ext uri="{FF2B5EF4-FFF2-40B4-BE49-F238E27FC236}">
+                <a16:creationId xmlns:a16="http://schemas.microsoft.com/office/drawing/2014/main" id="{5E4DC4A0-FA56-42B2-82EB-B483AE56F63B}"/>
+              </a:ext>
+            </a:extLst>
+          </p:cNvPr>
+          <p:cNvSpPr/>
+          <p:nvPr/>
+        </p:nvSpPr>
+        <p:spPr>
+          <a:xfrm flipH="1">
+            <a:off x="8585335" y="2314716"/>
+            <a:ext cx="214136" cy="983399"/>
+          </a:xfrm>
+          <a:prstGeom prst="leftBrace">
+            <a:avLst/>
+          </a:prstGeom>
+          <a:ln w="28575">
+            <a:solidFill>
+              <a:srgbClr val="00B050"/>
+            </a:solidFill>
+          </a:ln>
+        </p:spPr>
+        <p:style>
+          <a:lnRef idx="1">
+            <a:schemeClr val="accent1"/>
+          </a:lnRef>
+          <a:fillRef idx="0">
+            <a:schemeClr val="accent1"/>
+          </a:fillRef>
+          <a:effectRef idx="0">
+            <a:schemeClr val="accent1"/>
+          </a:effectRef>
+          <a:fontRef idx="minor">
+            <a:schemeClr val="tx1"/>
+          </a:fontRef>
+        </p:style>
+        <p:txBody>
+          <a:bodyPr rtlCol="0" anchor="ctr"/>
+          <a:lstStyle/>
+          <a:p>
+            <a:pPr algn="ctr"/>
+            <a:endParaRPr lang="en-US"/>
+          </a:p>
+        </p:txBody>
+      </p:sp>
+      <p:sp>
+        <p:nvSpPr>
+          <p:cNvPr id="14" name="TextBox 13">
+            <a:extLst>
+              <a:ext uri="{FF2B5EF4-FFF2-40B4-BE49-F238E27FC236}">
+                <a16:creationId xmlns:a16="http://schemas.microsoft.com/office/drawing/2014/main" id="{D77E0655-5149-43CC-A314-BD45E5554BCD}"/>
+              </a:ext>
+            </a:extLst>
+          </p:cNvPr>
+          <p:cNvSpPr txBox="1"/>
+          <p:nvPr/>
+        </p:nvSpPr>
+        <p:spPr>
+          <a:xfrm>
+            <a:off x="7442268" y="1506022"/>
+            <a:ext cx="1112683" cy="369332"/>
+          </a:xfrm>
+          <a:prstGeom prst="rect">
+            <a:avLst/>
+          </a:prstGeom>
+          <a:noFill/>
+        </p:spPr>
+        <p:txBody>
+          <a:bodyPr rot="0" spcFirstLastPara="0" vertOverflow="overflow" horzOverflow="overflow" vert="horz" wrap="square" lIns="91440" tIns="45720" rIns="91440" bIns="45720" numCol="1" spcCol="0" rtlCol="0" fromWordArt="0" anchor="t" anchorCtr="0" forceAA="0" compatLnSpc="1">
+            <a:prstTxWarp prst="textNoShape">
+              <a:avLst/>
+            </a:prstTxWarp>
+            <a:spAutoFit/>
           </a:bodyPr>
           <a:lstStyle/>
           <a:p>
-            <a:pPr marL="0" indent="0">
-              <a:buNone/>
-            </a:pPr>
-            <a:r>
-              <a:rPr lang="en-US" dirty="0">
-                <a:cs typeface="Calibri" panose="020F0502020204030204"/>
-              </a:rPr>
-              <a:t>GitHub is the Facebook for software developers. </a:t>
-            </a:r>
-            <a:endParaRPr lang="en-US">
-              <a:cs typeface="Calibri" panose="020F0502020204030204"/>
-            </a:endParaRPr>
-          </a:p>
-          <a:p>
-            <a:pPr marL="0" indent="0">
-              <a:buNone/>
-            </a:pPr>
-            <a:r>
-              <a:rPr lang="en-US" dirty="0">
-                <a:cs typeface="Calibri" panose="020F0502020204030204"/>
-              </a:rPr>
-              <a:t>Some features include:</a:t>
-            </a:r>
-          </a:p>
-          <a:p>
-            <a:pPr marL="0" indent="0">
-              <a:buNone/>
-            </a:pPr>
-            <a:r>
-              <a:rPr lang="en-US" dirty="0">
+            <a:r>
+              <a:rPr lang="en-US" dirty="0"/>
+              <a:t>July 2019</a:t>
+            </a:r>
+          </a:p>
+        </p:txBody>
+      </p:sp>
+      <p:sp>
+        <p:nvSpPr>
+          <p:cNvPr id="15" name="Left Brace 14">
+            <a:extLst>
+              <a:ext uri="{FF2B5EF4-FFF2-40B4-BE49-F238E27FC236}">
+                <a16:creationId xmlns:a16="http://schemas.microsoft.com/office/drawing/2014/main" id="{A362DCE7-A812-442A-8E9B-CEDDC3B3590D}"/>
+              </a:ext>
+            </a:extLst>
+          </p:cNvPr>
+          <p:cNvSpPr/>
+          <p:nvPr/>
+        </p:nvSpPr>
+        <p:spPr>
+          <a:xfrm rot="10800000">
+            <a:off x="8569029" y="3367649"/>
+            <a:ext cx="188451" cy="393290"/>
+          </a:xfrm>
+          <a:prstGeom prst="leftBrace">
+            <a:avLst/>
+          </a:prstGeom>
+          <a:ln w="28575">
+            <a:solidFill>
+              <a:srgbClr val="FF0000"/>
+            </a:solidFill>
+          </a:ln>
+        </p:spPr>
+        <p:style>
+          <a:lnRef idx="1">
+            <a:schemeClr val="accent1"/>
+          </a:lnRef>
+          <a:fillRef idx="0">
+            <a:schemeClr val="accent1"/>
+          </a:fillRef>
+          <a:effectRef idx="0">
+            <a:schemeClr val="accent1"/>
+          </a:effectRef>
+          <a:fontRef idx="minor">
+            <a:schemeClr val="tx1"/>
+          </a:fontRef>
+        </p:style>
+        <p:txBody>
+          <a:bodyPr rtlCol="0" anchor="ctr"/>
+          <a:lstStyle/>
+          <a:p>
+            <a:pPr algn="ctr"/>
+            <a:endParaRPr lang="en-US"/>
+          </a:p>
+        </p:txBody>
+      </p:sp>
+      <p:sp>
+        <p:nvSpPr>
+          <p:cNvPr id="16" name="TextBox 15">
+            <a:extLst>
+              <a:ext uri="{FF2B5EF4-FFF2-40B4-BE49-F238E27FC236}">
+                <a16:creationId xmlns:a16="http://schemas.microsoft.com/office/drawing/2014/main" id="{C3907CED-131A-4312-8349-58AC7B622A27}"/>
+              </a:ext>
+            </a:extLst>
+          </p:cNvPr>
+          <p:cNvSpPr txBox="1"/>
+          <p:nvPr/>
+        </p:nvSpPr>
+        <p:spPr>
+          <a:xfrm>
+            <a:off x="838199" y="3753561"/>
+            <a:ext cx="7747135" cy="2954655"/>
+          </a:xfrm>
+          <a:prstGeom prst="rect">
+            <a:avLst/>
+          </a:prstGeom>
+          <a:noFill/>
+        </p:spPr>
+        <p:txBody>
+          <a:bodyPr rot="0" spcFirstLastPara="0" vertOverflow="overflow" horzOverflow="overflow" vert="horz" wrap="square" lIns="91440" tIns="45720" rIns="91440" bIns="45720" numCol="1" spcCol="0" rtlCol="0" fromWordArt="0" anchor="t" anchorCtr="0" forceAA="0" compatLnSpc="1">
+            <a:prstTxWarp prst="textNoShape">
+              <a:avLst/>
+            </a:prstTxWarp>
+            <a:spAutoFit/>
+          </a:bodyPr>
+          <a:lstStyle/>
+          <a:p>
+            <a:r>
+              <a:rPr lang="en-US" sz="2400" b="1" u="sng" dirty="0" smtClean="0">
                 <a:ea typeface="+mn-lt"/>
                 <a:cs typeface="+mn-lt"/>
               </a:rPr>
-              <a:t>1. Publishing your project as a repo</a:t>
-            </a:r>
-          </a:p>
-          <a:p>
-            <a:pPr marL="914400" lvl="1" indent="-457200">
-              <a:buFont typeface="Arial"/>
+              <a:t>Benefits:</a:t>
+            </a:r>
+          </a:p>
+          <a:p>
+            <a:pPr marL="342900" indent="-342900">
+              <a:buAutoNum type="arabicPeriod"/>
+            </a:pPr>
+            <a:r>
+              <a:rPr lang="en-US" sz="2400" dirty="0" smtClean="0">
+                <a:ea typeface="+mn-lt"/>
+                <a:cs typeface="+mn-lt"/>
+              </a:rPr>
+              <a:t>Maintain </a:t>
+            </a:r>
+            <a:r>
+              <a:rPr lang="en-US" sz="2400" dirty="0">
+                <a:ea typeface="+mn-lt"/>
+                <a:cs typeface="+mn-lt"/>
+              </a:rPr>
+              <a:t>different versions of code for each </a:t>
+            </a:r>
+            <a:r>
+              <a:rPr lang="en-US" sz="2400" dirty="0" smtClean="0">
+                <a:ea typeface="+mn-lt"/>
+                <a:cs typeface="+mn-lt"/>
+              </a:rPr>
+              <a:t>person</a:t>
+            </a:r>
+          </a:p>
+          <a:p>
+            <a:pPr marL="342900" indent="-342900">
+              <a:buAutoNum type="arabicPeriod"/>
+            </a:pPr>
+            <a:r>
+              <a:rPr lang="en-US" sz="2400" dirty="0" smtClean="0">
+                <a:ea typeface="+mn-lt"/>
+                <a:cs typeface="+mn-lt"/>
+              </a:rPr>
+              <a:t>Easier way to merge</a:t>
+            </a:r>
+            <a:r>
+              <a:rPr lang="en-US" sz="2400" dirty="0">
+                <a:ea typeface="+mn-lt"/>
+                <a:cs typeface="+mn-lt"/>
+              </a:rPr>
+              <a:t>, share, and review each other's code</a:t>
+            </a:r>
+          </a:p>
+          <a:p>
+            <a:pPr marL="342900" indent="-342900">
+              <a:buAutoNum type="arabicPeriod"/>
+            </a:pPr>
+            <a:r>
+              <a:rPr lang="en-US" sz="2400" dirty="0" smtClean="0">
+                <a:ea typeface="+mn-lt"/>
+                <a:cs typeface="+mn-lt"/>
+              </a:rPr>
+              <a:t>With GitHub: </a:t>
+            </a:r>
+          </a:p>
+          <a:p>
+            <a:pPr marL="800100" lvl="1" indent="-342900">
+              <a:buFont typeface="Arial" panose="020B0604020202020204" pitchFamily="34" charset="0"/>
               <a:buChar char="•"/>
             </a:pPr>
             <a:r>
-              <a:rPr lang="en-US" dirty="0">
+              <a:rPr lang="en-US" sz="2400" dirty="0">
                 <a:ea typeface="+mn-lt"/>
                 <a:cs typeface="+mn-lt"/>
               </a:rPr>
-              <a:t>Lab project site:</a:t>
-            </a:r>
-          </a:p>
-          <a:p>
-            <a:pPr marL="1371600" lvl="2" indent="-457200">
-              <a:buFont typeface="Arial"/>
+              <a:t>H</a:t>
+            </a:r>
+            <a:r>
+              <a:rPr lang="en-US" sz="2400" dirty="0" smtClean="0">
+                <a:ea typeface="+mn-lt"/>
+                <a:cs typeface="+mn-lt"/>
+              </a:rPr>
+              <a:t>as productivity/ project management </a:t>
+            </a:r>
+            <a:r>
+              <a:rPr lang="en-US" sz="2400" dirty="0">
+                <a:ea typeface="+mn-lt"/>
+                <a:cs typeface="+mn-lt"/>
+              </a:rPr>
+              <a:t>tools for teams (</a:t>
+            </a:r>
+            <a:r>
+              <a:rPr lang="en-US" sz="2400" dirty="0" err="1">
+                <a:ea typeface="+mn-lt"/>
+                <a:cs typeface="+mn-lt"/>
+              </a:rPr>
+              <a:t>ie</a:t>
+            </a:r>
+            <a:r>
+              <a:rPr lang="en-US" sz="2400" dirty="0">
+                <a:ea typeface="+mn-lt"/>
+                <a:cs typeface="+mn-lt"/>
+              </a:rPr>
+              <a:t> SCRUM boards, To-Do lists, </a:t>
+            </a:r>
+            <a:r>
+              <a:rPr lang="en-US" sz="2400" dirty="0" err="1">
+                <a:ea typeface="+mn-lt"/>
+                <a:cs typeface="+mn-lt"/>
+              </a:rPr>
+              <a:t>etc</a:t>
+            </a:r>
+            <a:r>
+              <a:rPr lang="en-US" sz="2400" dirty="0" smtClean="0">
+                <a:ea typeface="+mn-lt"/>
+                <a:cs typeface="+mn-lt"/>
+              </a:rPr>
+              <a:t>)</a:t>
+            </a:r>
+          </a:p>
+          <a:p>
+            <a:pPr marL="800100" lvl="1" indent="-342900">
+              <a:buFont typeface="Arial" panose="020B0604020202020204" pitchFamily="34" charset="0"/>
               <a:buChar char="•"/>
             </a:pPr>
             <a:r>
-              <a:rPr lang="en-US" dirty="0">
+              <a:rPr lang="en-US" sz="2400" dirty="0" smtClean="0">
                 <a:ea typeface="+mn-lt"/>
                 <a:cs typeface="+mn-lt"/>
               </a:rPr>
-              <a:t> </a:t>
-            </a:r>
-            <a:r>
-              <a:rPr lang="en-US" dirty="0">
-                <a:cs typeface="Calibri" panose="020F0502020204030204"/>
-                <a:hlinkClick r:id="rId3"/>
-              </a:rPr>
-              <a:t>https://github.com/sriram-lab</a:t>
-            </a:r>
-            <a:endParaRPr lang="en-US"/>
-          </a:p>
-          <a:p>
-            <a:pPr marL="0" indent="0">
-              <a:buNone/>
+              <a:t>Easy way to document code with Markdown</a:t>
+            </a:r>
+            <a:endParaRPr lang="en-US" sz="2400" dirty="0" smtClean="0">
+              <a:ea typeface="+mn-lt"/>
+              <a:cs typeface="+mn-lt"/>
+            </a:endParaRPr>
+          </a:p>
+          <a:p>
+            <a:pPr marL="342900" indent="-342900">
+              <a:buAutoNum type="arabicPeriod"/>
             </a:pPr>
-            <a:r>
-              <a:rPr lang="en-US" dirty="0">
-                <a:cs typeface="Calibri" panose="020F0502020204030204"/>
-              </a:rPr>
-              <a:t>2. Copy or fork other people's project's and customize it</a:t>
-            </a:r>
-          </a:p>
-          <a:p>
-            <a:pPr marL="0" indent="0">
-              <a:buNone/>
-            </a:pPr>
-            <a:endParaRPr lang="en-US" dirty="0">
-              <a:cs typeface="Calibri" panose="020F0502020204030204"/>
-            </a:endParaRPr>
-          </a:p>
-          <a:p>
-            <a:pPr marL="0" indent="0">
-              <a:buNone/>
-            </a:pPr>
-            <a:endParaRPr lang="en-US" dirty="0">
-              <a:cs typeface="Calibri" panose="020F0502020204030204"/>
-            </a:endParaRPr>
-          </a:p>
-        </p:txBody>
-      </p:sp>
+            <a:endParaRPr lang="en-US" dirty="0"/>
+          </a:p>
+        </p:txBody>
+      </p:sp>
+      <p:cxnSp>
+        <p:nvCxnSpPr>
+          <p:cNvPr id="17" name="Straight Arrow Connector 16"/>
+          <p:cNvCxnSpPr/>
+          <p:nvPr/>
+        </p:nvCxnSpPr>
+        <p:spPr>
+          <a:xfrm>
+            <a:off x="3508343" y="1501956"/>
+            <a:ext cx="5016225" cy="0"/>
+          </a:xfrm>
+          <a:prstGeom prst="straightConnector1">
+            <a:avLst/>
+          </a:prstGeom>
+          <a:ln w="38100">
+            <a:tailEnd type="triangle"/>
+          </a:ln>
+        </p:spPr>
+        <p:style>
+          <a:lnRef idx="1">
+            <a:schemeClr val="accent1"/>
+          </a:lnRef>
+          <a:fillRef idx="0">
+            <a:schemeClr val="accent1"/>
+          </a:fillRef>
+          <a:effectRef idx="0">
+            <a:schemeClr val="accent1"/>
+          </a:effectRef>
+          <a:fontRef idx="minor">
+            <a:schemeClr val="tx1"/>
+          </a:fontRef>
+        </p:style>
+      </p:cxnSp>
     </p:spTree>
     <p:extLst>
       <p:ext uri="{BB962C8B-B14F-4D97-AF65-F5344CB8AC3E}">
-        <p14:creationId xmlns:p14="http://schemas.microsoft.com/office/powerpoint/2010/main" val="790972577"/>
+        <p14:creationId xmlns:p14="http://schemas.microsoft.com/office/powerpoint/2010/main" val="3355191109"/>
       </p:ext>
     </p:extLst>
   </p:cSld>
